--- a/topic03-types-and-classes/unit-03a-lectures/talk-1/a-types-and-classes.pptx
+++ b/topic03-types-and-classes/unit-03a-lectures/talk-1/a-types-and-classes.pptx
@@ -568,14 +568,14 @@
           </a:ln>
           <a:extLst>
             <a:ext uri="{909E8E84-426E-40dd-AFC4-6F175D3DCCD1}">
-              <a14:hiddenFill xmlns="" xmlns:a14="http://schemas.microsoft.com/office/drawing/2010/main">
+              <a14:hiddenFill xmlns:a14="http://schemas.microsoft.com/office/drawing/2010/main" xmlns="">
                 <a:solidFill>
                   <a:srgbClr val="FFFFFF"/>
                 </a:solidFill>
               </a14:hiddenFill>
             </a:ext>
             <a:ext uri="{FAA26D3D-D897-4be2-8F04-BA451C77F1D7}">
-              <ma14:placeholderFlag xmlns="" xmlns:ma14="http://schemas.microsoft.com/office/mac/drawingml/2011/main" val="1"/>
+              <ma14:placeholderFlag xmlns:ma14="http://schemas.microsoft.com/office/mac/drawingml/2011/main" xmlns="" val="1"/>
             </a:ext>
           </a:extLst>
         </p:spPr>
@@ -1257,7 +1257,7 @@
             <a:fld id="{08B9EBBA-996F-894A-B54A-D6246ED52CEA}" type="datetimeFigureOut">
               <a:rPr lang="en-US" smtClean="0"/>
               <a:pPr/>
-              <a:t>1/30/25</a:t>
+              <a:t>1/23/26</a:t>
             </a:fld>
             <a:endParaRPr lang="en-US" dirty="0"/>
           </a:p>
@@ -1697,7 +1697,7 @@
             <a:fld id="{09B482E8-6E0E-1B4F-B1FD-C69DB9E858D9}" type="datetimeFigureOut">
               <a:rPr lang="en-US" smtClean="0"/>
               <a:pPr/>
-              <a:t>1/30/25</a:t>
+              <a:t>1/23/26</a:t>
             </a:fld>
             <a:endParaRPr lang="en-US" dirty="0"/>
           </a:p>
@@ -2054,7 +2054,7 @@
             <a:fld id="{09B482E8-6E0E-1B4F-B1FD-C69DB9E858D9}" type="datetimeFigureOut">
               <a:rPr lang="en-US" smtClean="0"/>
               <a:pPr/>
-              <a:t>1/30/25</a:t>
+              <a:t>1/23/26</a:t>
             </a:fld>
             <a:endParaRPr lang="en-US" dirty="0"/>
           </a:p>
@@ -2480,7 +2480,7 @@
             <a:fld id="{09B482E8-6E0E-1B4F-B1FD-C69DB9E858D9}" type="datetimeFigureOut">
               <a:rPr lang="en-US" smtClean="0"/>
               <a:pPr/>
-              <a:t>1/30/25</a:t>
+              <a:t>1/23/26</a:t>
             </a:fld>
             <a:endParaRPr lang="en-US" dirty="0"/>
           </a:p>
@@ -3069,7 +3069,7 @@
             <a:fld id="{09B482E8-6E0E-1B4F-B1FD-C69DB9E858D9}" type="datetimeFigureOut">
               <a:rPr lang="en-US" smtClean="0"/>
               <a:pPr/>
-              <a:t>1/30/25</a:t>
+              <a:t>1/23/26</a:t>
             </a:fld>
             <a:endParaRPr lang="en-US" dirty="0"/>
           </a:p>
@@ -3771,7 +3771,7 @@
             <a:fld id="{09B482E8-6E0E-1B4F-B1FD-C69DB9E858D9}" type="datetimeFigureOut">
               <a:rPr lang="en-US" smtClean="0"/>
               <a:pPr/>
-              <a:t>1/30/25</a:t>
+              <a:t>1/23/26</a:t>
             </a:fld>
             <a:endParaRPr lang="en-US" dirty="0"/>
           </a:p>
@@ -4705,7 +4705,7 @@
             <a:fld id="{09B482E8-6E0E-1B4F-B1FD-C69DB9E858D9}" type="datetimeFigureOut">
               <a:rPr lang="en-US" smtClean="0"/>
               <a:pPr/>
-              <a:t>1/30/25</a:t>
+              <a:t>1/23/26</a:t>
             </a:fld>
             <a:endParaRPr lang="en-US" dirty="0"/>
           </a:p>
@@ -5044,7 +5044,7 @@
             <a:fld id="{09B482E8-6E0E-1B4F-B1FD-C69DB9E858D9}" type="datetimeFigureOut">
               <a:rPr lang="en-US" smtClean="0"/>
               <a:pPr/>
-              <a:t>1/30/25</a:t>
+              <a:t>1/23/26</a:t>
             </a:fld>
             <a:endParaRPr lang="en-US" dirty="0"/>
           </a:p>
@@ -5330,7 +5330,7 @@
             <a:fld id="{09B482E8-6E0E-1B4F-B1FD-C69DB9E858D9}" type="datetimeFigureOut">
               <a:rPr lang="en-US" smtClean="0"/>
               <a:pPr/>
-              <a:t>1/30/25</a:t>
+              <a:t>1/23/26</a:t>
             </a:fld>
             <a:endParaRPr lang="en-US" dirty="0"/>
           </a:p>
@@ -5673,7 +5673,7 @@
             <a:fld id="{09B482E8-6E0E-1B4F-B1FD-C69DB9E858D9}" type="datetimeFigureOut">
               <a:rPr lang="en-US" smtClean="0"/>
               <a:pPr/>
-              <a:t>1/30/25</a:t>
+              <a:t>1/23/26</a:t>
             </a:fld>
             <a:endParaRPr lang="en-US" dirty="0"/>
           </a:p>
@@ -6087,7 +6087,7 @@
             <a:fld id="{8DFA1846-DA80-1C48-A609-854EA85C59AD}" type="datetimeFigureOut">
               <a:rPr lang="en-US" smtClean="0"/>
               <a:pPr/>
-              <a:t>1/30/25</a:t>
+              <a:t>1/23/26</a:t>
             </a:fld>
             <a:endParaRPr lang="en-US" dirty="0"/>
           </a:p>
@@ -6493,7 +6493,7 @@
             <a:fld id="{09B482E8-6E0E-1B4F-B1FD-C69DB9E858D9}" type="datetimeFigureOut">
               <a:rPr lang="en-US" smtClean="0"/>
               <a:pPr/>
-              <a:t>1/30/25</a:t>
+              <a:t>1/23/26</a:t>
             </a:fld>
             <a:endParaRPr lang="en-US" dirty="0"/>
           </a:p>
@@ -7019,7 +7019,7 @@
             <a:fld id="{09B482E8-6E0E-1B4F-B1FD-C69DB9E858D9}" type="datetimeFigureOut">
               <a:rPr lang="en-US" smtClean="0"/>
               <a:pPr/>
-              <a:t>1/30/25</a:t>
+              <a:t>1/23/26</a:t>
             </a:fld>
             <a:endParaRPr lang="en-US" dirty="0"/>
           </a:p>
@@ -7296,7 +7296,7 @@
             <a:fld id="{F13A34C8-038E-2045-AF43-DF7DBB8E0E9E}" type="datetimeFigureOut">
               <a:rPr lang="en-US" smtClean="0"/>
               <a:pPr/>
-              <a:t>1/30/25</a:t>
+              <a:t>1/23/26</a:t>
             </a:fld>
             <a:endParaRPr lang="en-US" dirty="0"/>
           </a:p>
@@ -7446,6 +7446,13 @@
             <a:schemeClr val="lt1"/>
           </a:fontRef>
         </p:style>
+        <p:txBody>
+          <a:bodyPr/>
+          <a:lstStyle/>
+          <a:p>
+            <a:endParaRPr lang="en-US"/>
+          </a:p>
+        </p:txBody>
       </p:sp>
       <p:sp>
         <p:nvSpPr>
@@ -7465,7 +7472,7 @@
             <a:fld id="{8818C68F-D26B-8F47-958C-23B49CF8A634}" type="datetimeFigureOut">
               <a:rPr lang="en-US" smtClean="0"/>
               <a:pPr/>
-              <a:t>1/30/25</a:t>
+              <a:t>1/23/26</a:t>
             </a:fld>
             <a:endParaRPr lang="en-US" dirty="0"/>
           </a:p>
@@ -7875,7 +7882,7 @@
             <a:fld id="{09B482E8-6E0E-1B4F-B1FD-C69DB9E858D9}" type="datetimeFigureOut">
               <a:rPr lang="en-US" smtClean="0"/>
               <a:pPr/>
-              <a:t>1/30/25</a:t>
+              <a:t>1/23/26</a:t>
             </a:fld>
             <a:endParaRPr lang="en-US" dirty="0"/>
           </a:p>
@@ -8304,7 +8311,7 @@
             <a:fld id="{09B482E8-6E0E-1B4F-B1FD-C69DB9E858D9}" type="datetimeFigureOut">
               <a:rPr lang="en-US" smtClean="0"/>
               <a:pPr/>
-              <a:t>1/30/25</a:t>
+              <a:t>1/23/26</a:t>
             </a:fld>
             <a:endParaRPr lang="en-US" dirty="0"/>
           </a:p>
@@ -8425,7 +8432,7 @@
           </a:prstGeom>
           <a:extLst>
             <a:ext uri="{909E8E84-426E-40dd-AFC4-6F175D3DCCD1}">
-              <a14:hiddenFill xmlns:a14="http://schemas.microsoft.com/office/drawing/2010/main" xmlns="">
+              <a14:hiddenFill xmlns="" xmlns:a14="http://schemas.microsoft.com/office/drawing/2010/main">
                 <a:solidFill>
                   <a:srgbClr val="FFFFFF"/>
                 </a:solidFill>
@@ -8565,7 +8572,7 @@
             <a:fld id="{09B482E8-6E0E-1B4F-B1FD-C69DB9E858D9}" type="datetimeFigureOut">
               <a:rPr lang="en-US" smtClean="0"/>
               <a:pPr/>
-              <a:t>1/30/25</a:t>
+              <a:t>1/23/26</a:t>
             </a:fld>
             <a:endParaRPr lang="en-US" dirty="0"/>
           </a:p>
@@ -9003,14 +9010,14 @@
           <a:ln/>
           <a:extLst>
             <a:ext uri="{909E8E84-426E-40dd-AFC4-6F175D3DCCD1}">
-              <a14:hiddenFill xmlns="" xmlns:a14="http://schemas.microsoft.com/office/drawing/2010/main">
+              <a14:hiddenFill xmlns:a14="http://schemas.microsoft.com/office/drawing/2010/main" xmlns="">
                 <a:solidFill>
                   <a:srgbClr val="FFFFFF"/>
                 </a:solidFill>
               </a14:hiddenFill>
             </a:ext>
             <a:ext uri="{91240B29-F687-4f45-9708-019B960494DF}">
-              <a14:hiddenLine xmlns="" xmlns:a14="http://schemas.microsoft.com/office/drawing/2010/main" w="9525">
+              <a14:hiddenLine xmlns:a14="http://schemas.microsoft.com/office/drawing/2010/main" xmlns="" w="9525">
                 <a:solidFill>
                   <a:srgbClr val="000000"/>
                 </a:solidFill>
@@ -9163,14 +9170,14 @@
           </a:ln>
           <a:extLst>
             <a:ext uri="{909E8E84-426E-40dd-AFC4-6F175D3DCCD1}">
-              <a14:hiddenFill xmlns="" xmlns:a14="http://schemas.microsoft.com/office/drawing/2010/main">
+              <a14:hiddenFill xmlns:a14="http://schemas.microsoft.com/office/drawing/2010/main" xmlns="">
                 <a:solidFill>
                   <a:srgbClr val="FFFFFF"/>
                 </a:solidFill>
               </a14:hiddenFill>
             </a:ext>
             <a:ext uri="{91240B29-F687-4f45-9708-019B960494DF}">
-              <a14:hiddenLine xmlns="" xmlns:a14="http://schemas.microsoft.com/office/drawing/2010/main" w="9525">
+              <a14:hiddenLine xmlns:a14="http://schemas.microsoft.com/office/drawing/2010/main" xmlns="" w="9525">
                 <a:solidFill>
                   <a:srgbClr val="000000"/>
                 </a:solidFill>
@@ -9329,14 +9336,14 @@
           </a:ln>
           <a:extLst>
             <a:ext uri="{909E8E84-426E-40dd-AFC4-6F175D3DCCD1}">
-              <a14:hiddenFill xmlns="" xmlns:a14="http://schemas.microsoft.com/office/drawing/2010/main">
+              <a14:hiddenFill xmlns:a14="http://schemas.microsoft.com/office/drawing/2010/main" xmlns="">
                 <a:solidFill>
                   <a:srgbClr val="FFFFFF"/>
                 </a:solidFill>
               </a14:hiddenFill>
             </a:ext>
             <a:ext uri="{91240B29-F687-4f45-9708-019B960494DF}">
-              <a14:hiddenLine xmlns="" xmlns:a14="http://schemas.microsoft.com/office/drawing/2010/main" w="9525">
+              <a14:hiddenLine xmlns:a14="http://schemas.microsoft.com/office/drawing/2010/main" xmlns="" w="9525">
                 <a:solidFill>
                   <a:srgbClr val="000000"/>
                 </a:solidFill>
@@ -9394,14 +9401,14 @@
           </a:ln>
           <a:extLst>
             <a:ext uri="{909E8E84-426E-40dd-AFC4-6F175D3DCCD1}">
-              <a14:hiddenFill xmlns="" xmlns:a14="http://schemas.microsoft.com/office/drawing/2010/main">
+              <a14:hiddenFill xmlns:a14="http://schemas.microsoft.com/office/drawing/2010/main" xmlns="">
                 <a:solidFill>
                   <a:srgbClr val="FFFFFF"/>
                 </a:solidFill>
               </a14:hiddenFill>
             </a:ext>
             <a:ext uri="{91240B29-F687-4f45-9708-019B960494DF}">
-              <a14:hiddenLine xmlns="" xmlns:a14="http://schemas.microsoft.com/office/drawing/2010/main" w="9525">
+              <a14:hiddenLine xmlns:a14="http://schemas.microsoft.com/office/drawing/2010/main" xmlns="" w="9525">
                 <a:solidFill>
                   <a:srgbClr val="000000"/>
                 </a:solidFill>
@@ -9479,14 +9486,14 @@
           <a:ln/>
           <a:extLst>
             <a:ext uri="{909E8E84-426E-40dd-AFC4-6F175D3DCCD1}">
-              <a14:hiddenFill xmlns="" xmlns:a14="http://schemas.microsoft.com/office/drawing/2010/main">
+              <a14:hiddenFill xmlns:a14="http://schemas.microsoft.com/office/drawing/2010/main" xmlns="">
                 <a:solidFill>
                   <a:srgbClr val="FFFFFF"/>
                 </a:solidFill>
               </a14:hiddenFill>
             </a:ext>
             <a:ext uri="{91240B29-F687-4f45-9708-019B960494DF}">
-              <a14:hiddenLine xmlns="" xmlns:a14="http://schemas.microsoft.com/office/drawing/2010/main" w="9525">
+              <a14:hiddenLine xmlns:a14="http://schemas.microsoft.com/office/drawing/2010/main" xmlns="" w="9525">
                 <a:solidFill>
                   <a:srgbClr val="000000"/>
                 </a:solidFill>
@@ -9639,14 +9646,14 @@
           </a:ln>
           <a:extLst>
             <a:ext uri="{909E8E84-426E-40dd-AFC4-6F175D3DCCD1}">
-              <a14:hiddenFill xmlns="" xmlns:a14="http://schemas.microsoft.com/office/drawing/2010/main">
+              <a14:hiddenFill xmlns:a14="http://schemas.microsoft.com/office/drawing/2010/main" xmlns="">
                 <a:solidFill>
                   <a:srgbClr val="FFFFFF"/>
                 </a:solidFill>
               </a14:hiddenFill>
             </a:ext>
             <a:ext uri="{91240B29-F687-4f45-9708-019B960494DF}">
-              <a14:hiddenLine xmlns="" xmlns:a14="http://schemas.microsoft.com/office/drawing/2010/main" w="12700" cap="sq">
+              <a14:hiddenLine xmlns:a14="http://schemas.microsoft.com/office/drawing/2010/main" xmlns="" w="12700" cap="sq">
                 <a:solidFill>
                   <a:srgbClr val="000000"/>
                 </a:solidFill>
@@ -9817,7 +9824,7 @@
           </a:ln>
           <a:extLst>
             <a:ext uri="{91240B29-F687-4f45-9708-019B960494DF}">
-              <a14:hiddenLine xmlns="" xmlns:a14="http://schemas.microsoft.com/office/drawing/2010/main" w="12700" cap="sq">
+              <a14:hiddenLine xmlns:a14="http://schemas.microsoft.com/office/drawing/2010/main" xmlns="" w="12700" cap="sq">
                 <a:solidFill>
                   <a:srgbClr val="000000"/>
                 </a:solidFill>
@@ -10063,14 +10070,14 @@
           </a:ln>
           <a:extLst>
             <a:ext uri="{909E8E84-426E-40dd-AFC4-6F175D3DCCD1}">
-              <a14:hiddenFill xmlns="" xmlns:a14="http://schemas.microsoft.com/office/drawing/2010/main">
+              <a14:hiddenFill xmlns:a14="http://schemas.microsoft.com/office/drawing/2010/main" xmlns="">
                 <a:solidFill>
                   <a:srgbClr val="FFFFFF"/>
                 </a:solidFill>
               </a14:hiddenFill>
             </a:ext>
             <a:ext uri="{91240B29-F687-4f45-9708-019B960494DF}">
-              <a14:hiddenLine xmlns="" xmlns:a14="http://schemas.microsoft.com/office/drawing/2010/main" w="12700" cap="sq">
+              <a14:hiddenLine xmlns:a14="http://schemas.microsoft.com/office/drawing/2010/main" xmlns="" w="12700" cap="sq">
                 <a:solidFill>
                   <a:srgbClr val="000000"/>
                 </a:solidFill>
@@ -10223,14 +10230,14 @@
           </a:ln>
           <a:extLst>
             <a:ext uri="{909E8E84-426E-40dd-AFC4-6F175D3DCCD1}">
-              <a14:hiddenFill xmlns="" xmlns:a14="http://schemas.microsoft.com/office/drawing/2010/main">
+              <a14:hiddenFill xmlns:a14="http://schemas.microsoft.com/office/drawing/2010/main" xmlns="">
                 <a:solidFill>
                   <a:srgbClr val="FFFFFF"/>
                 </a:solidFill>
               </a14:hiddenFill>
             </a:ext>
             <a:ext uri="{91240B29-F687-4f45-9708-019B960494DF}">
-              <a14:hiddenLine xmlns="" xmlns:a14="http://schemas.microsoft.com/office/drawing/2010/main" w="12700" cap="sq">
+              <a14:hiddenLine xmlns:a14="http://schemas.microsoft.com/office/drawing/2010/main" xmlns="" w="12700" cap="sq">
                 <a:solidFill>
                   <a:srgbClr val="000000"/>
                 </a:solidFill>
@@ -10875,14 +10882,14 @@
           <a:ln/>
           <a:extLst>
             <a:ext uri="{909E8E84-426E-40dd-AFC4-6F175D3DCCD1}">
-              <a14:hiddenFill xmlns:a14="http://schemas.microsoft.com/office/drawing/2010/main" xmlns="">
+              <a14:hiddenFill xmlns="" xmlns:a14="http://schemas.microsoft.com/office/drawing/2010/main">
                 <a:solidFill>
                   <a:srgbClr val="FFFFFF"/>
                 </a:solidFill>
               </a14:hiddenFill>
             </a:ext>
             <a:ext uri="{91240B29-F687-4f45-9708-019B960494DF}">
-              <a14:hiddenLine xmlns:a14="http://schemas.microsoft.com/office/drawing/2010/main" xmlns="" w="9525">
+              <a14:hiddenLine xmlns="" xmlns:a14="http://schemas.microsoft.com/office/drawing/2010/main" w="9525">
                 <a:solidFill>
                   <a:srgbClr val="000000"/>
                 </a:solidFill>
@@ -11041,14 +11048,14 @@
           </a:ln>
           <a:extLst>
             <a:ext uri="{909E8E84-426E-40dd-AFC4-6F175D3DCCD1}">
-              <a14:hiddenFill xmlns="" xmlns:a14="http://schemas.microsoft.com/office/drawing/2010/main">
+              <a14:hiddenFill xmlns:a14="http://schemas.microsoft.com/office/drawing/2010/main" xmlns="">
                 <a:solidFill>
                   <a:srgbClr val="FFFFFF"/>
                 </a:solidFill>
               </a14:hiddenFill>
             </a:ext>
             <a:ext uri="{91240B29-F687-4f45-9708-019B960494DF}">
-              <a14:hiddenLine xmlns="" xmlns:a14="http://schemas.microsoft.com/office/drawing/2010/main" w="9525">
+              <a14:hiddenLine xmlns:a14="http://schemas.microsoft.com/office/drawing/2010/main" xmlns="" w="9525">
                 <a:solidFill>
                   <a:srgbClr val="000000"/>
                 </a:solidFill>
@@ -11110,7 +11117,7 @@
           </a:ln>
           <a:extLst>
             <a:ext uri="{91240B29-F687-4f45-9708-019B960494DF}">
-              <a14:hiddenLine xmlns="" xmlns:a14="http://schemas.microsoft.com/office/drawing/2010/main" w="12700" cap="sq">
+              <a14:hiddenLine xmlns:a14="http://schemas.microsoft.com/office/drawing/2010/main" xmlns="" w="12700" cap="sq">
                 <a:solidFill>
                   <a:srgbClr val="000000"/>
                 </a:solidFill>
@@ -11349,7 +11356,7 @@
           </a:ln>
           <a:extLst>
             <a:ext uri="{91240B29-F687-4f45-9708-019B960494DF}">
-              <a14:hiddenLine xmlns="" xmlns:a14="http://schemas.microsoft.com/office/drawing/2010/main" w="12700" cap="sq">
+              <a14:hiddenLine xmlns:a14="http://schemas.microsoft.com/office/drawing/2010/main" xmlns="" w="12700" cap="sq">
                 <a:solidFill>
                   <a:srgbClr val="000000"/>
                 </a:solidFill>
@@ -11649,14 +11656,14 @@
           </a:ln>
           <a:extLst>
             <a:ext uri="{909E8E84-426E-40dd-AFC4-6F175D3DCCD1}">
-              <a14:hiddenFill xmlns="" xmlns:a14="http://schemas.microsoft.com/office/drawing/2010/main">
+              <a14:hiddenFill xmlns:a14="http://schemas.microsoft.com/office/drawing/2010/main" xmlns="">
                 <a:solidFill>
                   <a:srgbClr val="FFFFFF"/>
                 </a:solidFill>
               </a14:hiddenFill>
             </a:ext>
             <a:ext uri="{91240B29-F687-4f45-9708-019B960494DF}">
-              <a14:hiddenLine xmlns="" xmlns:a14="http://schemas.microsoft.com/office/drawing/2010/main" w="12700" cap="sq">
+              <a14:hiddenLine xmlns:a14="http://schemas.microsoft.com/office/drawing/2010/main" xmlns="" w="12700" cap="sq">
                 <a:solidFill>
                   <a:srgbClr val="000000"/>
                 </a:solidFill>
@@ -11815,14 +11822,14 @@
           </a:ln>
           <a:extLst>
             <a:ext uri="{909E8E84-426E-40dd-AFC4-6F175D3DCCD1}">
-              <a14:hiddenFill xmlns="" xmlns:a14="http://schemas.microsoft.com/office/drawing/2010/main">
+              <a14:hiddenFill xmlns:a14="http://schemas.microsoft.com/office/drawing/2010/main" xmlns="">
                 <a:solidFill>
                   <a:srgbClr val="FFFFFF"/>
                 </a:solidFill>
               </a14:hiddenFill>
             </a:ext>
             <a:ext uri="{91240B29-F687-4f45-9708-019B960494DF}">
-              <a14:hiddenLine xmlns="" xmlns:a14="http://schemas.microsoft.com/office/drawing/2010/main" w="9525">
+              <a14:hiddenLine xmlns:a14="http://schemas.microsoft.com/office/drawing/2010/main" xmlns="" w="9525">
                 <a:solidFill>
                   <a:srgbClr val="000000"/>
                 </a:solidFill>
@@ -12325,14 +12332,14 @@
           <a:ln/>
           <a:extLst>
             <a:ext uri="{909E8E84-426E-40dd-AFC4-6F175D3DCCD1}">
-              <a14:hiddenFill xmlns="" xmlns:a14="http://schemas.microsoft.com/office/drawing/2010/main">
+              <a14:hiddenFill xmlns:a14="http://schemas.microsoft.com/office/drawing/2010/main" xmlns="">
                 <a:solidFill>
                   <a:srgbClr val="FFFFFF"/>
                 </a:solidFill>
               </a14:hiddenFill>
             </a:ext>
             <a:ext uri="{91240B29-F687-4f45-9708-019B960494DF}">
-              <a14:hiddenLine xmlns="" xmlns:a14="http://schemas.microsoft.com/office/drawing/2010/main" w="9525">
+              <a14:hiddenLine xmlns:a14="http://schemas.microsoft.com/office/drawing/2010/main" xmlns="" w="9525">
                 <a:solidFill>
                   <a:srgbClr val="000000"/>
                 </a:solidFill>
@@ -12487,7 +12494,7 @@
           </a:ln>
           <a:extLst>
             <a:ext uri="{91240B29-F687-4f45-9708-019B960494DF}">
-              <a14:hiddenLine xmlns="" xmlns:a14="http://schemas.microsoft.com/office/drawing/2010/main" w="12700" cap="sq">
+              <a14:hiddenLine xmlns:a14="http://schemas.microsoft.com/office/drawing/2010/main" xmlns="" w="12700" cap="sq">
                 <a:solidFill>
                   <a:srgbClr val="000000"/>
                 </a:solidFill>
@@ -12696,14 +12703,14 @@
           </a:ln>
           <a:extLst>
             <a:ext uri="{909E8E84-426E-40dd-AFC4-6F175D3DCCD1}">
-              <a14:hiddenFill xmlns="" xmlns:a14="http://schemas.microsoft.com/office/drawing/2010/main">
+              <a14:hiddenFill xmlns:a14="http://schemas.microsoft.com/office/drawing/2010/main" xmlns="">
                 <a:solidFill>
                   <a:srgbClr val="FFFFFF"/>
                 </a:solidFill>
               </a14:hiddenFill>
             </a:ext>
             <a:ext uri="{91240B29-F687-4f45-9708-019B960494DF}">
-              <a14:hiddenLine xmlns="" xmlns:a14="http://schemas.microsoft.com/office/drawing/2010/main" w="12700" cap="sq">
+              <a14:hiddenLine xmlns:a14="http://schemas.microsoft.com/office/drawing/2010/main" xmlns="" w="12700" cap="sq">
                 <a:solidFill>
                   <a:srgbClr val="000000"/>
                 </a:solidFill>
@@ -12856,14 +12863,14 @@
           </a:ln>
           <a:extLst>
             <a:ext uri="{909E8E84-426E-40dd-AFC4-6F175D3DCCD1}">
-              <a14:hiddenFill xmlns="" xmlns:a14="http://schemas.microsoft.com/office/drawing/2010/main">
+              <a14:hiddenFill xmlns:a14="http://schemas.microsoft.com/office/drawing/2010/main" xmlns="">
                 <a:solidFill>
                   <a:srgbClr val="FFFFFF"/>
                 </a:solidFill>
               </a14:hiddenFill>
             </a:ext>
             <a:ext uri="{91240B29-F687-4f45-9708-019B960494DF}">
-              <a14:hiddenLine xmlns="" xmlns:a14="http://schemas.microsoft.com/office/drawing/2010/main" w="12700" cap="sq">
+              <a14:hiddenLine xmlns:a14="http://schemas.microsoft.com/office/drawing/2010/main" xmlns="" w="12700" cap="sq">
                 <a:solidFill>
                   <a:srgbClr val="000000"/>
                 </a:solidFill>
@@ -13024,14 +13031,14 @@
           </a:ln>
           <a:extLst>
             <a:ext uri="{909E8E84-426E-40dd-AFC4-6F175D3DCCD1}">
-              <a14:hiddenFill xmlns="" xmlns:a14="http://schemas.microsoft.com/office/drawing/2010/main">
+              <a14:hiddenFill xmlns:a14="http://schemas.microsoft.com/office/drawing/2010/main" xmlns="">
                 <a:solidFill>
                   <a:srgbClr val="FFFFFF"/>
                 </a:solidFill>
               </a14:hiddenFill>
             </a:ext>
             <a:ext uri="{91240B29-F687-4f45-9708-019B960494DF}">
-              <a14:hiddenLine xmlns="" xmlns:a14="http://schemas.microsoft.com/office/drawing/2010/main" w="12700" cap="sq">
+              <a14:hiddenLine xmlns:a14="http://schemas.microsoft.com/office/drawing/2010/main" xmlns="" w="12700" cap="sq">
                 <a:solidFill>
                   <a:srgbClr val="000000"/>
                 </a:solidFill>
@@ -13639,14 +13646,14 @@
           <a:ln/>
           <a:extLst>
             <a:ext uri="{909E8E84-426E-40dd-AFC4-6F175D3DCCD1}">
-              <a14:hiddenFill xmlns:a14="http://schemas.microsoft.com/office/drawing/2010/main" xmlns="">
+              <a14:hiddenFill xmlns="" xmlns:a14="http://schemas.microsoft.com/office/drawing/2010/main">
                 <a:solidFill>
                   <a:srgbClr val="FFFFFF"/>
                 </a:solidFill>
               </a14:hiddenFill>
             </a:ext>
             <a:ext uri="{91240B29-F687-4f45-9708-019B960494DF}">
-              <a14:hiddenLine xmlns:a14="http://schemas.microsoft.com/office/drawing/2010/main" xmlns="" w="9525">
+              <a14:hiddenLine xmlns="" xmlns:a14="http://schemas.microsoft.com/office/drawing/2010/main" w="9525">
                 <a:solidFill>
                   <a:srgbClr val="000000"/>
                 </a:solidFill>
@@ -13805,14 +13812,14 @@
           </a:ln>
           <a:extLst>
             <a:ext uri="{909E8E84-426E-40dd-AFC4-6F175D3DCCD1}">
-              <a14:hiddenFill xmlns="" xmlns:a14="http://schemas.microsoft.com/office/drawing/2010/main">
+              <a14:hiddenFill xmlns:a14="http://schemas.microsoft.com/office/drawing/2010/main" xmlns="">
                 <a:solidFill>
                   <a:srgbClr val="FFFFFF"/>
                 </a:solidFill>
               </a14:hiddenFill>
             </a:ext>
             <a:ext uri="{91240B29-F687-4f45-9708-019B960494DF}">
-              <a14:hiddenLine xmlns="" xmlns:a14="http://schemas.microsoft.com/office/drawing/2010/main" w="9525">
+              <a14:hiddenLine xmlns:a14="http://schemas.microsoft.com/office/drawing/2010/main" xmlns="" w="9525">
                 <a:solidFill>
                   <a:srgbClr val="000000"/>
                 </a:solidFill>
@@ -13930,14 +13937,14 @@
           </a:ln>
           <a:extLst>
             <a:ext uri="{909E8E84-426E-40dd-AFC4-6F175D3DCCD1}">
-              <a14:hiddenFill xmlns="" xmlns:a14="http://schemas.microsoft.com/office/drawing/2010/main">
+              <a14:hiddenFill xmlns:a14="http://schemas.microsoft.com/office/drawing/2010/main" xmlns="">
                 <a:solidFill>
                   <a:srgbClr val="FFFFFF"/>
                 </a:solidFill>
               </a14:hiddenFill>
             </a:ext>
             <a:ext uri="{91240B29-F687-4f45-9708-019B960494DF}">
-              <a14:hiddenLine xmlns="" xmlns:a14="http://schemas.microsoft.com/office/drawing/2010/main" w="12700" cap="sq">
+              <a14:hiddenLine xmlns:a14="http://schemas.microsoft.com/office/drawing/2010/main" xmlns="" w="12700" cap="sq">
                 <a:solidFill>
                   <a:srgbClr val="000000"/>
                 </a:solidFill>
@@ -14098,7 +14105,7 @@
           </a:ln>
           <a:extLst>
             <a:ext uri="{91240B29-F687-4f45-9708-019B960494DF}">
-              <a14:hiddenLine xmlns="" xmlns:a14="http://schemas.microsoft.com/office/drawing/2010/main" w="12700" cap="sq">
+              <a14:hiddenLine xmlns:a14="http://schemas.microsoft.com/office/drawing/2010/main" xmlns="" w="12700" cap="sq">
                 <a:solidFill>
                   <a:srgbClr val="000000"/>
                 </a:solidFill>
@@ -14635,14 +14642,14 @@
           <a:ln/>
           <a:extLst>
             <a:ext uri="{909E8E84-426E-40dd-AFC4-6F175D3DCCD1}">
-              <a14:hiddenFill xmlns="" xmlns:a14="http://schemas.microsoft.com/office/drawing/2010/main">
+              <a14:hiddenFill xmlns:a14="http://schemas.microsoft.com/office/drawing/2010/main" xmlns="">
                 <a:solidFill>
                   <a:srgbClr val="FFFFFF"/>
                 </a:solidFill>
               </a14:hiddenFill>
             </a:ext>
             <a:ext uri="{91240B29-F687-4f45-9708-019B960494DF}">
-              <a14:hiddenLine xmlns="" xmlns:a14="http://schemas.microsoft.com/office/drawing/2010/main" w="9525">
+              <a14:hiddenLine xmlns:a14="http://schemas.microsoft.com/office/drawing/2010/main" xmlns="" w="9525">
                 <a:solidFill>
                   <a:srgbClr val="000000"/>
                 </a:solidFill>
@@ -14795,14 +14802,14 @@
           </a:ln>
           <a:extLst>
             <a:ext uri="{909E8E84-426E-40dd-AFC4-6F175D3DCCD1}">
-              <a14:hiddenFill xmlns="" xmlns:a14="http://schemas.microsoft.com/office/drawing/2010/main">
+              <a14:hiddenFill xmlns:a14="http://schemas.microsoft.com/office/drawing/2010/main" xmlns="">
                 <a:solidFill>
                   <a:srgbClr val="FFFFFF"/>
                 </a:solidFill>
               </a14:hiddenFill>
             </a:ext>
             <a:ext uri="{91240B29-F687-4f45-9708-019B960494DF}">
-              <a14:hiddenLine xmlns="" xmlns:a14="http://schemas.microsoft.com/office/drawing/2010/main" w="12700" cap="sq">
+              <a14:hiddenLine xmlns:a14="http://schemas.microsoft.com/office/drawing/2010/main" xmlns="" w="12700" cap="sq">
                 <a:solidFill>
                   <a:srgbClr val="000000"/>
                 </a:solidFill>
@@ -14965,7 +14972,7 @@
           </a:ln>
           <a:extLst>
             <a:ext uri="{91240B29-F687-4f45-9708-019B960494DF}">
-              <a14:hiddenLine xmlns="" xmlns:a14="http://schemas.microsoft.com/office/drawing/2010/main" w="12700" cap="sq">
+              <a14:hiddenLine xmlns:a14="http://schemas.microsoft.com/office/drawing/2010/main" xmlns="" w="12700" cap="sq">
                 <a:solidFill>
                   <a:srgbClr val="000000"/>
                 </a:solidFill>
@@ -15205,7 +15212,7 @@
           </a:ln>
           <a:extLst>
             <a:ext uri="{909E8E84-426E-40dd-AFC4-6F175D3DCCD1}">
-              <a14:hiddenFill xmlns="" xmlns:a14="http://schemas.microsoft.com/office/drawing/2010/main">
+              <a14:hiddenFill xmlns:a14="http://schemas.microsoft.com/office/drawing/2010/main" xmlns="">
                 <a:solidFill>
                   <a:srgbClr val="FFFFFF"/>
                 </a:solidFill>
@@ -15636,14 +15643,14 @@
           <a:ln/>
           <a:extLst>
             <a:ext uri="{909E8E84-426E-40dd-AFC4-6F175D3DCCD1}">
-              <a14:hiddenFill xmlns:a14="http://schemas.microsoft.com/office/drawing/2010/main" xmlns="">
+              <a14:hiddenFill xmlns="" xmlns:a14="http://schemas.microsoft.com/office/drawing/2010/main">
                 <a:solidFill>
                   <a:srgbClr val="FFFFFF"/>
                 </a:solidFill>
               </a14:hiddenFill>
             </a:ext>
             <a:ext uri="{91240B29-F687-4f45-9708-019B960494DF}">
-              <a14:hiddenLine xmlns:a14="http://schemas.microsoft.com/office/drawing/2010/main" xmlns="" w="9525">
+              <a14:hiddenLine xmlns="" xmlns:a14="http://schemas.microsoft.com/office/drawing/2010/main" w="9525">
                 <a:solidFill>
                   <a:srgbClr val="000000"/>
                 </a:solidFill>
@@ -15802,14 +15809,14 @@
           </a:ln>
           <a:extLst>
             <a:ext uri="{909E8E84-426E-40dd-AFC4-6F175D3DCCD1}">
-              <a14:hiddenFill xmlns="" xmlns:a14="http://schemas.microsoft.com/office/drawing/2010/main">
+              <a14:hiddenFill xmlns:a14="http://schemas.microsoft.com/office/drawing/2010/main" xmlns="">
                 <a:solidFill>
                   <a:srgbClr val="FFFFFF"/>
                 </a:solidFill>
               </a14:hiddenFill>
             </a:ext>
             <a:ext uri="{91240B29-F687-4f45-9708-019B960494DF}">
-              <a14:hiddenLine xmlns="" xmlns:a14="http://schemas.microsoft.com/office/drawing/2010/main" w="9525">
+              <a14:hiddenLine xmlns:a14="http://schemas.microsoft.com/office/drawing/2010/main" xmlns="" w="9525">
                 <a:solidFill>
                   <a:srgbClr val="000000"/>
                 </a:solidFill>
@@ -15908,14 +15915,14 @@
           </a:ln>
           <a:extLst>
             <a:ext uri="{909E8E84-426E-40dd-AFC4-6F175D3DCCD1}">
-              <a14:hiddenFill xmlns="" xmlns:a14="http://schemas.microsoft.com/office/drawing/2010/main">
+              <a14:hiddenFill xmlns:a14="http://schemas.microsoft.com/office/drawing/2010/main" xmlns="">
                 <a:solidFill>
                   <a:srgbClr val="FFFFFF"/>
                 </a:solidFill>
               </a14:hiddenFill>
             </a:ext>
             <a:ext uri="{91240B29-F687-4f45-9708-019B960494DF}">
-              <a14:hiddenLine xmlns="" xmlns:a14="http://schemas.microsoft.com/office/drawing/2010/main" w="12700" cap="sq">
+              <a14:hiddenLine xmlns:a14="http://schemas.microsoft.com/office/drawing/2010/main" xmlns="" w="12700" cap="sq">
                 <a:solidFill>
                   <a:srgbClr val="000000"/>
                 </a:solidFill>
@@ -16074,14 +16081,14 @@
           </a:ln>
           <a:extLst>
             <a:ext uri="{909E8E84-426E-40dd-AFC4-6F175D3DCCD1}">
-              <a14:hiddenFill xmlns="" xmlns:a14="http://schemas.microsoft.com/office/drawing/2010/main">
+              <a14:hiddenFill xmlns:a14="http://schemas.microsoft.com/office/drawing/2010/main" xmlns="">
                 <a:solidFill>
                   <a:srgbClr val="FFFFFF"/>
                 </a:solidFill>
               </a14:hiddenFill>
             </a:ext>
             <a:ext uri="{91240B29-F687-4f45-9708-019B960494DF}">
-              <a14:hiddenLine xmlns="" xmlns:a14="http://schemas.microsoft.com/office/drawing/2010/main" w="9525">
+              <a14:hiddenLine xmlns:a14="http://schemas.microsoft.com/office/drawing/2010/main" xmlns="" w="9525">
                 <a:solidFill>
                   <a:srgbClr val="000000"/>
                 </a:solidFill>
@@ -16163,7 +16170,7 @@
           </a:ln>
           <a:extLst>
             <a:ext uri="{91240B29-F687-4f45-9708-019B960494DF}">
-              <a14:hiddenLine xmlns="" xmlns:a14="http://schemas.microsoft.com/office/drawing/2010/main" w="12700" cap="sq">
+              <a14:hiddenLine xmlns:a14="http://schemas.microsoft.com/office/drawing/2010/main" xmlns="" w="12700" cap="sq">
                 <a:solidFill>
                   <a:srgbClr val="000000"/>
                 </a:solidFill>
@@ -16735,7 +16742,7 @@
           <a:lstStyle/>
           <a:p>
             <a:r>
-              <a:rPr lang="en-US">
+              <a:rPr lang="en-US" dirty="0">
                 <a:latin typeface="Arial Black" charset="0"/>
                 <a:ea typeface="ＭＳ Ｐゴシック" charset="0"/>
                 <a:cs typeface="ＭＳ Ｐゴシック" charset="0"/>
@@ -16760,14 +16767,14 @@
           <a:ln/>
           <a:extLst>
             <a:ext uri="{909E8E84-426E-40dd-AFC4-6F175D3DCCD1}">
-              <a14:hiddenFill xmlns="" xmlns:a14="http://schemas.microsoft.com/office/drawing/2010/main">
+              <a14:hiddenFill xmlns:a14="http://schemas.microsoft.com/office/drawing/2010/main" xmlns="">
                 <a:solidFill>
                   <a:srgbClr val="FFFFFF"/>
                 </a:solidFill>
               </a14:hiddenFill>
             </a:ext>
             <a:ext uri="{91240B29-F687-4f45-9708-019B960494DF}">
-              <a14:hiddenLine xmlns="" xmlns:a14="http://schemas.microsoft.com/office/drawing/2010/main" w="9525">
+              <a14:hiddenLine xmlns:a14="http://schemas.microsoft.com/office/drawing/2010/main" xmlns="" w="9525">
                 <a:solidFill>
                   <a:srgbClr val="000000"/>
                 </a:solidFill>
@@ -16926,14 +16933,14 @@
           </a:ln>
           <a:extLst>
             <a:ext uri="{909E8E84-426E-40dd-AFC4-6F175D3DCCD1}">
-              <a14:hiddenFill xmlns="" xmlns:a14="http://schemas.microsoft.com/office/drawing/2010/main">
+              <a14:hiddenFill xmlns:a14="http://schemas.microsoft.com/office/drawing/2010/main" xmlns="">
                 <a:solidFill>
                   <a:srgbClr val="FFFFFF"/>
                 </a:solidFill>
               </a14:hiddenFill>
             </a:ext>
             <a:ext uri="{91240B29-F687-4f45-9708-019B960494DF}">
-              <a14:hiddenLine xmlns="" xmlns:a14="http://schemas.microsoft.com/office/drawing/2010/main" w="9525">
+              <a14:hiddenLine xmlns:a14="http://schemas.microsoft.com/office/drawing/2010/main" xmlns="" w="9525">
                 <a:solidFill>
                   <a:srgbClr val="000000"/>
                 </a:solidFill>
@@ -16999,7 +17006,7 @@
           </a:ln>
           <a:extLst>
             <a:ext uri="{91240B29-F687-4f45-9708-019B960494DF}">
-              <a14:hiddenLine xmlns="" xmlns:a14="http://schemas.microsoft.com/office/drawing/2010/main" w="12700" cap="sq">
+              <a14:hiddenLine xmlns:a14="http://schemas.microsoft.com/office/drawing/2010/main" xmlns="" w="12700" cap="sq">
                 <a:solidFill>
                   <a:srgbClr val="000000"/>
                 </a:solidFill>
@@ -17237,7 +17244,7 @@
           </a:ln>
           <a:extLst>
             <a:ext uri="{909E8E84-426E-40dd-AFC4-6F175D3DCCD1}">
-              <a14:hiddenFill xmlns="" xmlns:a14="http://schemas.microsoft.com/office/drawing/2010/main">
+              <a14:hiddenFill xmlns:a14="http://schemas.microsoft.com/office/drawing/2010/main" xmlns="">
                 <a:solidFill>
                   <a:srgbClr val="FFFFFF"/>
                 </a:solidFill>
@@ -17622,14 +17629,14 @@
           <a:ln/>
           <a:extLst>
             <a:ext uri="{909E8E84-426E-40dd-AFC4-6F175D3DCCD1}">
-              <a14:hiddenFill xmlns="" xmlns:a14="http://schemas.microsoft.com/office/drawing/2010/main">
+              <a14:hiddenFill xmlns:a14="http://schemas.microsoft.com/office/drawing/2010/main" xmlns="">
                 <a:solidFill>
                   <a:srgbClr val="FFFFFF"/>
                 </a:solidFill>
               </a14:hiddenFill>
             </a:ext>
             <a:ext uri="{91240B29-F687-4f45-9708-019B960494DF}">
-              <a14:hiddenLine xmlns="" xmlns:a14="http://schemas.microsoft.com/office/drawing/2010/main" w="9525">
+              <a14:hiddenLine xmlns:a14="http://schemas.microsoft.com/office/drawing/2010/main" xmlns="" w="9525">
                 <a:solidFill>
                   <a:srgbClr val="000000"/>
                 </a:solidFill>
@@ -17770,8 +17777,8 @@
         </p:nvSpPr>
         <p:spPr bwMode="auto">
           <a:xfrm>
-            <a:off x="492125" y="554038"/>
-            <a:ext cx="8239125" cy="1004887"/>
+            <a:off x="522694" y="2708972"/>
+            <a:ext cx="6908800" cy="1004887"/>
           </a:xfrm>
           <a:prstGeom prst="rect">
             <a:avLst/>
@@ -17782,14 +17789,14 @@
           </a:ln>
           <a:extLst>
             <a:ext uri="{909E8E84-426E-40dd-AFC4-6F175D3DCCD1}">
-              <a14:hiddenFill xmlns="" xmlns:a14="http://schemas.microsoft.com/office/drawing/2010/main">
+              <a14:hiddenFill xmlns:a14="http://schemas.microsoft.com/office/drawing/2010/main" xmlns="">
                 <a:solidFill>
                   <a:srgbClr val="FFFFFF"/>
                 </a:solidFill>
               </a14:hiddenFill>
             </a:ext>
             <a:ext uri="{91240B29-F687-4f45-9708-019B960494DF}">
-              <a14:hiddenLine xmlns="" xmlns:a14="http://schemas.microsoft.com/office/drawing/2010/main" w="9525">
+              <a14:hiddenLine xmlns:a14="http://schemas.microsoft.com/office/drawing/2010/main" xmlns="" w="9525">
                 <a:solidFill>
                   <a:srgbClr val="000000"/>
                 </a:solidFill>
@@ -17831,7 +17838,7 @@
         </p:nvSpPr>
         <p:spPr bwMode="auto">
           <a:xfrm>
-            <a:off x="917575" y="2185988"/>
+            <a:off x="719157" y="3713859"/>
             <a:ext cx="6659563" cy="965200"/>
           </a:xfrm>
           <a:prstGeom prst="rect">
@@ -17845,7 +17852,7 @@
           </a:ln>
           <a:extLst>
             <a:ext uri="{91240B29-F687-4f45-9708-019B960494DF}">
-              <a14:hiddenLine xmlns="" xmlns:a14="http://schemas.microsoft.com/office/drawing/2010/main" w="12700" cap="sq">
+              <a14:hiddenLine xmlns:a14="http://schemas.microsoft.com/office/drawing/2010/main" xmlns="" w="12700" cap="sq">
                 <a:solidFill>
                   <a:srgbClr val="000000"/>
                 </a:solidFill>
@@ -17975,45 +17982,51 @@
               </a:lnSpc>
             </a:pPr>
             <a:r>
-              <a:rPr lang="en-US" sz="2400">
+              <a:rPr lang="en-US" sz="2400" dirty="0" err="1">
                 <a:latin typeface="Lucida Sans Typewriter" charset="0"/>
               </a:rPr>
-              <a:t>mult :: Int </a:t>
-            </a:r>
-            <a:r>
-              <a:rPr lang="en-US" sz="2400">
+              <a:t>mult</a:t>
+            </a:r>
+            <a:r>
+              <a:rPr lang="en-US" sz="2400" dirty="0">
+                <a:latin typeface="Lucida Sans Typewriter" charset="0"/>
+              </a:rPr>
+              <a:t> :: Int </a:t>
+            </a:r>
+            <a:r>
+              <a:rPr lang="en-US" sz="2400" dirty="0">
                 <a:latin typeface="Lucida Sans Typewriter" charset="0"/>
                 <a:sym typeface="Symbol" charset="0"/>
               </a:rPr>
               <a:t></a:t>
             </a:r>
             <a:r>
-              <a:rPr lang="en-US" sz="2400">
+              <a:rPr lang="en-US" sz="2400" dirty="0">
                 <a:latin typeface="Lucida Sans Typewriter" charset="0"/>
               </a:rPr>
               <a:t> (Int </a:t>
             </a:r>
             <a:r>
-              <a:rPr lang="en-US" sz="2400">
+              <a:rPr lang="en-US" sz="2400" dirty="0">
                 <a:latin typeface="Lucida Sans Typewriter" charset="0"/>
                 <a:sym typeface="Symbol" charset="0"/>
               </a:rPr>
               <a:t> (</a:t>
             </a:r>
             <a:r>
-              <a:rPr lang="en-US" sz="2400">
+              <a:rPr lang="en-US" sz="2400" dirty="0">
                 <a:latin typeface="Lucida Sans Typewriter" charset="0"/>
               </a:rPr>
               <a:t>Int </a:t>
             </a:r>
             <a:r>
-              <a:rPr lang="en-US" sz="2400">
+              <a:rPr lang="en-US" sz="2400" dirty="0">
                 <a:latin typeface="Lucida Sans Typewriter" charset="0"/>
                 <a:sym typeface="Symbol" charset="0"/>
               </a:rPr>
               <a:t> Int))</a:t>
             </a:r>
-            <a:endParaRPr lang="en-US" sz="2400">
+            <a:endParaRPr lang="en-US" sz="2400" dirty="0">
               <a:latin typeface="Lucida Sans Typewriter" charset="0"/>
             </a:endParaRPr>
           </a:p>
@@ -18024,10 +18037,16 @@
               </a:lnSpc>
             </a:pPr>
             <a:r>
-              <a:rPr lang="en-US" sz="2400">
+              <a:rPr lang="en-US" sz="2400" dirty="0" err="1">
                 <a:latin typeface="Lucida Sans Typewriter" charset="0"/>
               </a:rPr>
-              <a:t>mult x y z = x*y*z</a:t>
+              <a:t>mult</a:t>
+            </a:r>
+            <a:r>
+              <a:rPr lang="en-US" sz="2400" dirty="0">
+                <a:latin typeface="Lucida Sans Typewriter" charset="0"/>
+              </a:rPr>
+              <a:t> x y z = x*y*z</a:t>
             </a:r>
           </a:p>
         </p:txBody>
@@ -18042,8 +18061,8 @@
         </p:nvSpPr>
         <p:spPr bwMode="auto">
           <a:xfrm>
-            <a:off x="508000" y="4440238"/>
-            <a:ext cx="8077200" cy="1949450"/>
+            <a:off x="533400" y="5463851"/>
+            <a:ext cx="7850188" cy="1021556"/>
           </a:xfrm>
           <a:prstGeom prst="wedgeRoundRectCallout">
             <a:avLst>
@@ -18065,7 +18084,7 @@
           </a:ln>
           <a:extLst>
             <a:ext uri="{909E8E84-426E-40dd-AFC4-6F175D3DCCD1}">
-              <a14:hiddenFill xmlns="" xmlns:a14="http://schemas.microsoft.com/office/drawing/2010/main">
+              <a14:hiddenFill xmlns:a14="http://schemas.microsoft.com/office/drawing/2010/main" xmlns="">
                 <a:solidFill>
                   <a:srgbClr val="FFFFFF"/>
                 </a:solidFill>
@@ -18074,7 +18093,7 @@
           </a:extLst>
         </p:spPr>
         <p:txBody>
-          <a:bodyPr anchor="ctr">
+          <a:bodyPr wrap="square" anchor="ctr">
             <a:spAutoFit/>
           </a:bodyPr>
           <a:lstStyle/>
@@ -18112,6 +18131,70 @@
               <a:rPr lang="en-US" dirty="0"/>
               <a:t>, which finally takes an integer z and returns the result x*y*z.</a:t>
             </a:r>
+          </a:p>
+        </p:txBody>
+      </p:sp>
+      <p:sp>
+        <p:nvSpPr>
+          <p:cNvPr id="4" name="Rectangle 7">
+            <a:extLst>
+              <a:ext uri="{FF2B5EF4-FFF2-40B4-BE49-F238E27FC236}">
+                <a16:creationId xmlns:a16="http://schemas.microsoft.com/office/drawing/2014/main" id="{E449B444-2BC7-D472-76AF-90161B366CD8}"/>
+              </a:ext>
+            </a:extLst>
+          </p:cNvPr>
+          <p:cNvSpPr txBox="1">
+            <a:spLocks noChangeArrowheads="1"/>
+          </p:cNvSpPr>
+          <p:nvPr/>
+        </p:nvSpPr>
+        <p:spPr>
+          <a:xfrm>
+            <a:off x="668338" y="651551"/>
+            <a:ext cx="6896534" cy="1080938"/>
+          </a:xfrm>
+          <a:prstGeom prst="rect">
+            <a:avLst/>
+          </a:prstGeom>
+          <a:noFill/>
+        </p:spPr>
+        <p:txBody>
+          <a:bodyPr vert="horz" lIns="91440" tIns="45720" rIns="91440" bIns="45720" rtlCol="0" anchor="ctr">
+            <a:normAutofit/>
+          </a:bodyPr>
+          <a:lstStyle>
+            <a:lvl1pPr algn="l" defTabSz="914400" rtl="0" eaLnBrk="1" latinLnBrk="0" hangingPunct="1">
+              <a:lnSpc>
+                <a:spcPct val="90000"/>
+              </a:lnSpc>
+              <a:spcBef>
+                <a:spcPct val="0"/>
+              </a:spcBef>
+              <a:buNone/>
+              <a:defRPr sz="3600" kern="1200">
+                <a:solidFill>
+                  <a:schemeClr val="tx1"/>
+                </a:solidFill>
+                <a:latin typeface="+mj-lt"/>
+                <a:ea typeface="+mj-ea"/>
+                <a:cs typeface="+mj-cs"/>
+              </a:defRPr>
+            </a:lvl1pPr>
+          </a:lstStyle>
+          <a:p>
+            <a:r>
+              <a:rPr lang="en-US">
+                <a:latin typeface="Arial Black" charset="0"/>
+                <a:ea typeface="ＭＳ Ｐゴシック" charset="0"/>
+                <a:cs typeface="ＭＳ Ｐゴシック" charset="0"/>
+              </a:rPr>
+              <a:t>Curried Functions</a:t>
+            </a:r>
+            <a:endParaRPr lang="en-US" dirty="0">
+              <a:latin typeface="Arial Black" charset="0"/>
+              <a:ea typeface="ＭＳ Ｐゴシック" charset="0"/>
+              <a:cs typeface="ＭＳ Ｐゴシック" charset="0"/>
+            </a:endParaRPr>
           </a:p>
         </p:txBody>
       </p:sp>
@@ -18120,6 +18203,222 @@
   <p:clrMapOvr>
     <a:masterClrMapping/>
   </p:clrMapOvr>
+  <p:timing>
+    <p:tnLst>
+      <p:par>
+        <p:cTn id="1" dur="indefinite" restart="never" nodeType="tmRoot">
+          <p:childTnLst>
+            <p:seq concurrent="1" nextAc="seek">
+              <p:cTn id="2" dur="indefinite" nodeType="mainSeq">
+                <p:childTnLst>
+                  <p:par>
+                    <p:cTn id="3" fill="hold">
+                      <p:stCondLst>
+                        <p:cond delay="indefinite"/>
+                      </p:stCondLst>
+                      <p:childTnLst>
+                        <p:par>
+                          <p:cTn id="4" fill="hold">
+                            <p:stCondLst>
+                              <p:cond delay="0"/>
+                            </p:stCondLst>
+                            <p:childTnLst>
+                              <p:par>
+                                <p:cTn id="5" presetID="2" presetClass="entr" presetSubtype="4" fill="hold" grpId="0" nodeType="clickEffect">
+                                  <p:stCondLst>
+                                    <p:cond delay="0"/>
+                                  </p:stCondLst>
+                                  <p:childTnLst>
+                                    <p:set>
+                                      <p:cBhvr>
+                                        <p:cTn id="6" dur="1" fill="hold">
+                                          <p:stCondLst>
+                                            <p:cond delay="0"/>
+                                          </p:stCondLst>
+                                        </p:cTn>
+                                        <p:tgtEl>
+                                          <p:spTgt spid="29699"/>
+                                        </p:tgtEl>
+                                        <p:attrNameLst>
+                                          <p:attrName>style.visibility</p:attrName>
+                                        </p:attrNameLst>
+                                      </p:cBhvr>
+                                      <p:to>
+                                        <p:strVal val="visible"/>
+                                      </p:to>
+                                    </p:set>
+                                    <p:anim calcmode="lin" valueType="num">
+                                      <p:cBhvr additive="base">
+                                        <p:cTn id="7" dur="500" fill="hold"/>
+                                        <p:tgtEl>
+                                          <p:spTgt spid="29699"/>
+                                        </p:tgtEl>
+                                        <p:attrNameLst>
+                                          <p:attrName>ppt_x</p:attrName>
+                                        </p:attrNameLst>
+                                      </p:cBhvr>
+                                      <p:tavLst>
+                                        <p:tav tm="0">
+                                          <p:val>
+                                            <p:strVal val="#ppt_x"/>
+                                          </p:val>
+                                        </p:tav>
+                                        <p:tav tm="100000">
+                                          <p:val>
+                                            <p:strVal val="#ppt_x"/>
+                                          </p:val>
+                                        </p:tav>
+                                      </p:tavLst>
+                                    </p:anim>
+                                    <p:anim calcmode="lin" valueType="num">
+                                      <p:cBhvr additive="base">
+                                        <p:cTn id="8" dur="500" fill="hold"/>
+                                        <p:tgtEl>
+                                          <p:spTgt spid="29699"/>
+                                        </p:tgtEl>
+                                        <p:attrNameLst>
+                                          <p:attrName>ppt_y</p:attrName>
+                                        </p:attrNameLst>
+                                      </p:cBhvr>
+                                      <p:tavLst>
+                                        <p:tav tm="0">
+                                          <p:val>
+                                            <p:strVal val="1+#ppt_h/2"/>
+                                          </p:val>
+                                        </p:tav>
+                                        <p:tav tm="100000">
+                                          <p:val>
+                                            <p:strVal val="#ppt_y"/>
+                                          </p:val>
+                                        </p:tav>
+                                      </p:tavLst>
+                                    </p:anim>
+                                  </p:childTnLst>
+                                </p:cTn>
+                              </p:par>
+                            </p:childTnLst>
+                          </p:cTn>
+                        </p:par>
+                      </p:childTnLst>
+                    </p:cTn>
+                  </p:par>
+                  <p:par>
+                    <p:cTn id="9" fill="hold">
+                      <p:stCondLst>
+                        <p:cond delay="indefinite"/>
+                      </p:stCondLst>
+                      <p:childTnLst>
+                        <p:par>
+                          <p:cTn id="10" fill="hold">
+                            <p:stCondLst>
+                              <p:cond delay="0"/>
+                            </p:stCondLst>
+                            <p:childTnLst>
+                              <p:par>
+                                <p:cTn id="11" presetID="2" presetClass="entr" presetSubtype="4" fill="hold" grpId="0" nodeType="clickEffect">
+                                  <p:stCondLst>
+                                    <p:cond delay="0"/>
+                                  </p:stCondLst>
+                                  <p:childTnLst>
+                                    <p:set>
+                                      <p:cBhvr>
+                                        <p:cTn id="12" dur="1" fill="hold">
+                                          <p:stCondLst>
+                                            <p:cond delay="0"/>
+                                          </p:stCondLst>
+                                        </p:cTn>
+                                        <p:tgtEl>
+                                          <p:spTgt spid="29700"/>
+                                        </p:tgtEl>
+                                        <p:attrNameLst>
+                                          <p:attrName>style.visibility</p:attrName>
+                                        </p:attrNameLst>
+                                      </p:cBhvr>
+                                      <p:to>
+                                        <p:strVal val="visible"/>
+                                      </p:to>
+                                    </p:set>
+                                    <p:anim calcmode="lin" valueType="num">
+                                      <p:cBhvr additive="base">
+                                        <p:cTn id="13" dur="500" fill="hold"/>
+                                        <p:tgtEl>
+                                          <p:spTgt spid="29700"/>
+                                        </p:tgtEl>
+                                        <p:attrNameLst>
+                                          <p:attrName>ppt_x</p:attrName>
+                                        </p:attrNameLst>
+                                      </p:cBhvr>
+                                      <p:tavLst>
+                                        <p:tav tm="0">
+                                          <p:val>
+                                            <p:strVal val="#ppt_x"/>
+                                          </p:val>
+                                        </p:tav>
+                                        <p:tav tm="100000">
+                                          <p:val>
+                                            <p:strVal val="#ppt_x"/>
+                                          </p:val>
+                                        </p:tav>
+                                      </p:tavLst>
+                                    </p:anim>
+                                    <p:anim calcmode="lin" valueType="num">
+                                      <p:cBhvr additive="base">
+                                        <p:cTn id="14" dur="500" fill="hold"/>
+                                        <p:tgtEl>
+                                          <p:spTgt spid="29700"/>
+                                        </p:tgtEl>
+                                        <p:attrNameLst>
+                                          <p:attrName>ppt_y</p:attrName>
+                                        </p:attrNameLst>
+                                      </p:cBhvr>
+                                      <p:tavLst>
+                                        <p:tav tm="0">
+                                          <p:val>
+                                            <p:strVal val="1+#ppt_h/2"/>
+                                          </p:val>
+                                        </p:tav>
+                                        <p:tav tm="100000">
+                                          <p:val>
+                                            <p:strVal val="#ppt_y"/>
+                                          </p:val>
+                                        </p:tav>
+                                      </p:tavLst>
+                                    </p:anim>
+                                  </p:childTnLst>
+                                </p:cTn>
+                              </p:par>
+                            </p:childTnLst>
+                          </p:cTn>
+                        </p:par>
+                      </p:childTnLst>
+                    </p:cTn>
+                  </p:par>
+                </p:childTnLst>
+              </p:cTn>
+              <p:prevCondLst>
+                <p:cond evt="onPrev" delay="0">
+                  <p:tgtEl>
+                    <p:sldTgt/>
+                  </p:tgtEl>
+                </p:cond>
+              </p:prevCondLst>
+              <p:nextCondLst>
+                <p:cond evt="onNext" delay="0">
+                  <p:tgtEl>
+                    <p:sldTgt/>
+                  </p:tgtEl>
+                </p:cond>
+              </p:nextCondLst>
+            </p:seq>
+          </p:childTnLst>
+        </p:cTn>
+      </p:par>
+    </p:tnLst>
+    <p:bldLst>
+      <p:bldP spid="29699" grpId="0" animBg="1"/>
+      <p:bldP spid="29700" grpId="0" animBg="1"/>
+    </p:bldLst>
+  </p:timing>
 </p:sld>
 </file>
 
@@ -18181,14 +18480,14 @@
           <a:ln/>
           <a:extLst>
             <a:ext uri="{909E8E84-426E-40dd-AFC4-6F175D3DCCD1}">
-              <a14:hiddenFill xmlns="" xmlns:a14="http://schemas.microsoft.com/office/drawing/2010/main">
+              <a14:hiddenFill xmlns:a14="http://schemas.microsoft.com/office/drawing/2010/main" xmlns="">
                 <a:solidFill>
                   <a:srgbClr val="FFFFFF"/>
                 </a:solidFill>
               </a14:hiddenFill>
             </a:ext>
             <a:ext uri="{91240B29-F687-4f45-9708-019B960494DF}">
-              <a14:hiddenLine xmlns="" xmlns:a14="http://schemas.microsoft.com/office/drawing/2010/main" w="9525">
+              <a14:hiddenLine xmlns:a14="http://schemas.microsoft.com/office/drawing/2010/main" xmlns="" w="9525">
                 <a:solidFill>
                   <a:srgbClr val="000000"/>
                 </a:solidFill>
@@ -18341,14 +18640,14 @@
           </a:ln>
           <a:extLst>
             <a:ext uri="{909E8E84-426E-40dd-AFC4-6F175D3DCCD1}">
-              <a14:hiddenFill xmlns="" xmlns:a14="http://schemas.microsoft.com/office/drawing/2010/main">
+              <a14:hiddenFill xmlns:a14="http://schemas.microsoft.com/office/drawing/2010/main" xmlns="">
                 <a:solidFill>
                   <a:srgbClr val="FFFFFF"/>
                 </a:solidFill>
               </a14:hiddenFill>
             </a:ext>
             <a:ext uri="{91240B29-F687-4f45-9708-019B960494DF}">
-              <a14:hiddenLine xmlns="" xmlns:a14="http://schemas.microsoft.com/office/drawing/2010/main" w="12700" cap="sq">
+              <a14:hiddenLine xmlns:a14="http://schemas.microsoft.com/office/drawing/2010/main" xmlns="" w="12700" cap="sq">
                 <a:solidFill>
                   <a:srgbClr val="000000"/>
                 </a:solidFill>
@@ -18520,7 +18819,7 @@
           </a:ln>
           <a:extLst>
             <a:ext uri="{91240B29-F687-4f45-9708-019B960494DF}">
-              <a14:hiddenLine xmlns="" xmlns:a14="http://schemas.microsoft.com/office/drawing/2010/main" w="12700" cap="sq">
+              <a14:hiddenLine xmlns:a14="http://schemas.microsoft.com/office/drawing/2010/main" xmlns="" w="12700" cap="sq">
                 <a:solidFill>
                   <a:srgbClr val="000000"/>
                 </a:solidFill>
@@ -18990,14 +19289,14 @@
           <a:ln/>
           <a:extLst>
             <a:ext uri="{909E8E84-426E-40dd-AFC4-6F175D3DCCD1}">
-              <a14:hiddenFill xmlns="" xmlns:a14="http://schemas.microsoft.com/office/drawing/2010/main">
+              <a14:hiddenFill xmlns:a14="http://schemas.microsoft.com/office/drawing/2010/main" xmlns="">
                 <a:solidFill>
                   <a:srgbClr val="FFFFFF"/>
                 </a:solidFill>
               </a14:hiddenFill>
             </a:ext>
             <a:ext uri="{91240B29-F687-4f45-9708-019B960494DF}">
-              <a14:hiddenLine xmlns="" xmlns:a14="http://schemas.microsoft.com/office/drawing/2010/main" w="9525">
+              <a14:hiddenLine xmlns:a14="http://schemas.microsoft.com/office/drawing/2010/main" xmlns="" w="9525">
                 <a:solidFill>
                   <a:srgbClr val="000000"/>
                 </a:solidFill>
@@ -19152,7 +19451,7 @@
           </a:ln>
           <a:extLst>
             <a:ext uri="{91240B29-F687-4f45-9708-019B960494DF}">
-              <a14:hiddenLine xmlns="" xmlns:a14="http://schemas.microsoft.com/office/drawing/2010/main" w="12700" cap="sq">
+              <a14:hiddenLine xmlns:a14="http://schemas.microsoft.com/office/drawing/2010/main" xmlns="" w="12700" cap="sq">
                 <a:solidFill>
                   <a:srgbClr val="000000"/>
                 </a:solidFill>
@@ -19277,46 +19576,46 @@
           </a:lstStyle>
           <a:p>
             <a:r>
-              <a:rPr lang="en-US" sz="2400">
+              <a:rPr lang="en-US" sz="2400" dirty="0">
                 <a:latin typeface="Lucida Sans Typewriter" charset="0"/>
               </a:rPr>
               <a:t>Int </a:t>
             </a:r>
             <a:r>
-              <a:rPr lang="en-US" sz="2400">
+              <a:rPr lang="en-US" sz="2400" dirty="0">
                 <a:latin typeface="Lucida Sans Typewriter" charset="0"/>
                 <a:sym typeface="Symbol" charset="0"/>
               </a:rPr>
               <a:t></a:t>
             </a:r>
             <a:r>
-              <a:rPr lang="en-US" sz="2400">
+              <a:rPr lang="en-US" sz="2400" dirty="0">
                 <a:latin typeface="Lucida Sans Typewriter" charset="0"/>
               </a:rPr>
               <a:t> Int </a:t>
             </a:r>
             <a:r>
-              <a:rPr lang="en-US" sz="2400">
+              <a:rPr lang="en-US" sz="2400" dirty="0">
                 <a:latin typeface="Lucida Sans Typewriter" charset="0"/>
                 <a:sym typeface="Symbol" charset="0"/>
               </a:rPr>
               <a:t></a:t>
             </a:r>
             <a:r>
-              <a:rPr lang="en-US" sz="2400">
+              <a:rPr lang="en-US" sz="2400" dirty="0">
                 <a:latin typeface="Lucida Sans Typewriter" charset="0"/>
               </a:rPr>
               <a:t> Int </a:t>
             </a:r>
             <a:r>
-              <a:rPr lang="en-US" sz="2400">
+              <a:rPr lang="en-US" sz="2400" dirty="0">
                 <a:latin typeface="Lucida Sans Typewriter" charset="0"/>
                 <a:sym typeface="Symbol" charset="0"/>
               </a:rPr>
               <a:t></a:t>
             </a:r>
             <a:r>
-              <a:rPr lang="en-US" sz="2400">
+              <a:rPr lang="en-US" sz="2400" dirty="0">
                 <a:latin typeface="Lucida Sans Typewriter" charset="0"/>
               </a:rPr>
               <a:t> Int </a:t>
@@ -19346,14 +19645,14 @@
           </a:ln>
           <a:extLst>
             <a:ext uri="{909E8E84-426E-40dd-AFC4-6F175D3DCCD1}">
-              <a14:hiddenFill xmlns="" xmlns:a14="http://schemas.microsoft.com/office/drawing/2010/main">
+              <a14:hiddenFill xmlns:a14="http://schemas.microsoft.com/office/drawing/2010/main" xmlns="">
                 <a:solidFill>
                   <a:srgbClr val="FFFFFF"/>
                 </a:solidFill>
               </a14:hiddenFill>
             </a:ext>
             <a:ext uri="{91240B29-F687-4f45-9708-019B960494DF}">
-              <a14:hiddenLine xmlns="" xmlns:a14="http://schemas.microsoft.com/office/drawing/2010/main" w="12700" cap="sq">
+              <a14:hiddenLine xmlns:a14="http://schemas.microsoft.com/office/drawing/2010/main" xmlns="" w="12700" cap="sq">
                 <a:solidFill>
                   <a:srgbClr val="000000"/>
                 </a:solidFill>
@@ -19494,8 +19793,8 @@
         </p:nvSpPr>
         <p:spPr bwMode="auto">
           <a:xfrm>
-            <a:off x="1358900" y="5732463"/>
-            <a:ext cx="5824538" cy="566737"/>
+            <a:off x="1358900" y="5726390"/>
+            <a:ext cx="5824538" cy="578882"/>
           </a:xfrm>
           <a:prstGeom prst="wedgeRoundRectCallout">
             <a:avLst>
@@ -19517,7 +19816,7 @@
           </a:ln>
           <a:extLst>
             <a:ext uri="{909E8E84-426E-40dd-AFC4-6F175D3DCCD1}">
-              <a14:hiddenFill xmlns="" xmlns:a14="http://schemas.microsoft.com/office/drawing/2010/main">
+              <a14:hiddenFill xmlns:a14="http://schemas.microsoft.com/office/drawing/2010/main" xmlns="">
                 <a:solidFill>
                   <a:srgbClr val="FFFFFF"/>
                 </a:solidFill>
@@ -19533,73 +19832,41 @@
           <a:p>
             <a:pPr algn="ctr"/>
             <a:r>
-              <a:rPr lang="en-US" dirty="0"/>
-              <a:t>Means </a:t>
-            </a:r>
-            <a:r>
-              <a:rPr lang="en-US" dirty="0" err="1"/>
-              <a:t>Int</a:t>
-            </a:r>
-            <a:r>
-              <a:rPr lang="en-US" dirty="0"/>
-              <a:t> </a:t>
-            </a:r>
-            <a:r>
-              <a:rPr lang="en-US" sz="2400" dirty="0">
+              <a:rPr lang="en-US" sz="2800" dirty="0"/>
+              <a:t>Means Int </a:t>
+            </a:r>
+            <a:r>
+              <a:rPr lang="en-US" sz="2800" dirty="0">
                 <a:latin typeface="Lucida Sans Typewriter" charset="0"/>
                 <a:sym typeface="Symbol" charset="0"/>
               </a:rPr>
               <a:t></a:t>
             </a:r>
             <a:r>
-              <a:rPr lang="en-US" dirty="0"/>
-              <a:t> (</a:t>
-            </a:r>
-            <a:r>
-              <a:rPr lang="en-US" dirty="0" err="1"/>
-              <a:t>Int</a:t>
-            </a:r>
-            <a:r>
-              <a:rPr lang="en-US" dirty="0"/>
-              <a:t> </a:t>
-            </a:r>
-            <a:r>
-              <a:rPr lang="en-US" sz="2400" dirty="0">
+              <a:rPr lang="en-US" sz="2800" dirty="0"/>
+              <a:t> (Int </a:t>
+            </a:r>
+            <a:r>
+              <a:rPr lang="en-US" sz="2800" dirty="0">
                 <a:latin typeface="Lucida Sans Typewriter" charset="0"/>
                 <a:sym typeface="Symbol" charset="0"/>
               </a:rPr>
               <a:t></a:t>
             </a:r>
             <a:r>
-              <a:rPr lang="en-US" dirty="0"/>
-              <a:t> (</a:t>
-            </a:r>
-            <a:r>
-              <a:rPr lang="en-US" dirty="0" err="1"/>
-              <a:t>Int</a:t>
-            </a:r>
-            <a:r>
-              <a:rPr lang="en-US" dirty="0"/>
-              <a:t> </a:t>
-            </a:r>
-            <a:r>
-              <a:rPr lang="en-US" sz="2400" dirty="0">
+              <a:rPr lang="en-US" sz="2800" dirty="0"/>
+              <a:t> (Int </a:t>
+            </a:r>
+            <a:r>
+              <a:rPr lang="en-US" sz="2800" dirty="0">
                 <a:latin typeface="Lucida Sans Typewriter" charset="0"/>
                 <a:sym typeface="Symbol" charset="0"/>
               </a:rPr>
               <a:t></a:t>
             </a:r>
             <a:r>
-              <a:rPr lang="en-US" dirty="0"/>
-              <a:t> </a:t>
-            </a:r>
-            <a:r>
-              <a:rPr lang="en-US" dirty="0" err="1"/>
-              <a:t>Int</a:t>
-            </a:r>
-            <a:r>
-              <a:rPr lang="en-US" dirty="0"/>
-              <a:t>)).</a:t>
+              <a:rPr lang="en-US" sz="2800" dirty="0"/>
+              <a:t> Int))</a:t>
             </a:r>
           </a:p>
         </p:txBody>
@@ -19609,6 +19876,308 @@
   <p:clrMapOvr>
     <a:masterClrMapping/>
   </p:clrMapOvr>
+  <p:timing>
+    <p:tnLst>
+      <p:par>
+        <p:cTn id="1" dur="indefinite" restart="never" nodeType="tmRoot">
+          <p:childTnLst>
+            <p:seq concurrent="1" nextAc="seek">
+              <p:cTn id="2" dur="indefinite" nodeType="mainSeq">
+                <p:childTnLst>
+                  <p:par>
+                    <p:cTn id="3" fill="hold">
+                      <p:stCondLst>
+                        <p:cond delay="indefinite"/>
+                      </p:stCondLst>
+                      <p:childTnLst>
+                        <p:par>
+                          <p:cTn id="4" fill="hold">
+                            <p:stCondLst>
+                              <p:cond delay="0"/>
+                            </p:stCondLst>
+                            <p:childTnLst>
+                              <p:par>
+                                <p:cTn id="5" presetID="2" presetClass="entr" presetSubtype="4" fill="hold" grpId="0" nodeType="clickEffect">
+                                  <p:stCondLst>
+                                    <p:cond delay="0"/>
+                                  </p:stCondLst>
+                                  <p:childTnLst>
+                                    <p:set>
+                                      <p:cBhvr>
+                                        <p:cTn id="6" dur="1" fill="hold">
+                                          <p:stCondLst>
+                                            <p:cond delay="0"/>
+                                          </p:stCondLst>
+                                        </p:cTn>
+                                        <p:tgtEl>
+                                          <p:spTgt spid="31747">
+                                            <p:txEl>
+                                              <p:pRg st="0" end="0"/>
+                                            </p:txEl>
+                                          </p:spTgt>
+                                        </p:tgtEl>
+                                        <p:attrNameLst>
+                                          <p:attrName>style.visibility</p:attrName>
+                                        </p:attrNameLst>
+                                      </p:cBhvr>
+                                      <p:to>
+                                        <p:strVal val="visible"/>
+                                      </p:to>
+                                    </p:set>
+                                    <p:anim calcmode="lin" valueType="num">
+                                      <p:cBhvr additive="base">
+                                        <p:cTn id="7" dur="500" fill="hold"/>
+                                        <p:tgtEl>
+                                          <p:spTgt spid="31747">
+                                            <p:txEl>
+                                              <p:pRg st="0" end="0"/>
+                                            </p:txEl>
+                                          </p:spTgt>
+                                        </p:tgtEl>
+                                        <p:attrNameLst>
+                                          <p:attrName>ppt_x</p:attrName>
+                                        </p:attrNameLst>
+                                      </p:cBhvr>
+                                      <p:tavLst>
+                                        <p:tav tm="0">
+                                          <p:val>
+                                            <p:strVal val="#ppt_x"/>
+                                          </p:val>
+                                        </p:tav>
+                                        <p:tav tm="100000">
+                                          <p:val>
+                                            <p:strVal val="#ppt_x"/>
+                                          </p:val>
+                                        </p:tav>
+                                      </p:tavLst>
+                                    </p:anim>
+                                    <p:anim calcmode="lin" valueType="num">
+                                      <p:cBhvr additive="base">
+                                        <p:cTn id="8" dur="500" fill="hold"/>
+                                        <p:tgtEl>
+                                          <p:spTgt spid="31747">
+                                            <p:txEl>
+                                              <p:pRg st="0" end="0"/>
+                                            </p:txEl>
+                                          </p:spTgt>
+                                        </p:tgtEl>
+                                        <p:attrNameLst>
+                                          <p:attrName>ppt_y</p:attrName>
+                                        </p:attrNameLst>
+                                      </p:cBhvr>
+                                      <p:tavLst>
+                                        <p:tav tm="0">
+                                          <p:val>
+                                            <p:strVal val="1+#ppt_h/2"/>
+                                          </p:val>
+                                        </p:tav>
+                                        <p:tav tm="100000">
+                                          <p:val>
+                                            <p:strVal val="#ppt_y"/>
+                                          </p:val>
+                                        </p:tav>
+                                      </p:tavLst>
+                                    </p:anim>
+                                  </p:childTnLst>
+                                </p:cTn>
+                              </p:par>
+                            </p:childTnLst>
+                          </p:cTn>
+                        </p:par>
+                      </p:childTnLst>
+                    </p:cTn>
+                  </p:par>
+                  <p:par>
+                    <p:cTn id="9" fill="hold">
+                      <p:stCondLst>
+                        <p:cond delay="indefinite"/>
+                      </p:stCondLst>
+                      <p:childTnLst>
+                        <p:par>
+                          <p:cTn id="10" fill="hold">
+                            <p:stCondLst>
+                              <p:cond delay="0"/>
+                            </p:stCondLst>
+                            <p:childTnLst>
+                              <p:par>
+                                <p:cTn id="11" presetID="2" presetClass="entr" presetSubtype="4" fill="hold" grpId="0" nodeType="clickEffect">
+                                  <p:stCondLst>
+                                    <p:cond delay="0"/>
+                                  </p:stCondLst>
+                                  <p:childTnLst>
+                                    <p:set>
+                                      <p:cBhvr>
+                                        <p:cTn id="12" dur="1" fill="hold">
+                                          <p:stCondLst>
+                                            <p:cond delay="0"/>
+                                          </p:stCondLst>
+                                        </p:cTn>
+                                        <p:tgtEl>
+                                          <p:spTgt spid="31748"/>
+                                        </p:tgtEl>
+                                        <p:attrNameLst>
+                                          <p:attrName>style.visibility</p:attrName>
+                                        </p:attrNameLst>
+                                      </p:cBhvr>
+                                      <p:to>
+                                        <p:strVal val="visible"/>
+                                      </p:to>
+                                    </p:set>
+                                    <p:anim calcmode="lin" valueType="num">
+                                      <p:cBhvr additive="base">
+                                        <p:cTn id="13" dur="500" fill="hold"/>
+                                        <p:tgtEl>
+                                          <p:spTgt spid="31748"/>
+                                        </p:tgtEl>
+                                        <p:attrNameLst>
+                                          <p:attrName>ppt_x</p:attrName>
+                                        </p:attrNameLst>
+                                      </p:cBhvr>
+                                      <p:tavLst>
+                                        <p:tav tm="0">
+                                          <p:val>
+                                            <p:strVal val="#ppt_x"/>
+                                          </p:val>
+                                        </p:tav>
+                                        <p:tav tm="100000">
+                                          <p:val>
+                                            <p:strVal val="#ppt_x"/>
+                                          </p:val>
+                                        </p:tav>
+                                      </p:tavLst>
+                                    </p:anim>
+                                    <p:anim calcmode="lin" valueType="num">
+                                      <p:cBhvr additive="base">
+                                        <p:cTn id="14" dur="500" fill="hold"/>
+                                        <p:tgtEl>
+                                          <p:spTgt spid="31748"/>
+                                        </p:tgtEl>
+                                        <p:attrNameLst>
+                                          <p:attrName>ppt_y</p:attrName>
+                                        </p:attrNameLst>
+                                      </p:cBhvr>
+                                      <p:tavLst>
+                                        <p:tav tm="0">
+                                          <p:val>
+                                            <p:strVal val="1+#ppt_h/2"/>
+                                          </p:val>
+                                        </p:tav>
+                                        <p:tav tm="100000">
+                                          <p:val>
+                                            <p:strVal val="#ppt_y"/>
+                                          </p:val>
+                                        </p:tav>
+                                      </p:tavLst>
+                                    </p:anim>
+                                  </p:childTnLst>
+                                </p:cTn>
+                              </p:par>
+                              <p:par>
+                                <p:cTn id="15" presetID="2" presetClass="entr" presetSubtype="4" fill="hold" grpId="0" nodeType="withEffect">
+                                  <p:stCondLst>
+                                    <p:cond delay="0"/>
+                                  </p:stCondLst>
+                                  <p:childTnLst>
+                                    <p:set>
+                                      <p:cBhvr>
+                                        <p:cTn id="16" dur="1" fill="hold">
+                                          <p:stCondLst>
+                                            <p:cond delay="0"/>
+                                          </p:stCondLst>
+                                        </p:cTn>
+                                        <p:tgtEl>
+                                          <p:spTgt spid="31750"/>
+                                        </p:tgtEl>
+                                        <p:attrNameLst>
+                                          <p:attrName>style.visibility</p:attrName>
+                                        </p:attrNameLst>
+                                      </p:cBhvr>
+                                      <p:to>
+                                        <p:strVal val="visible"/>
+                                      </p:to>
+                                    </p:set>
+                                    <p:anim calcmode="lin" valueType="num">
+                                      <p:cBhvr additive="base">
+                                        <p:cTn id="17" dur="500" fill="hold"/>
+                                        <p:tgtEl>
+                                          <p:spTgt spid="31750"/>
+                                        </p:tgtEl>
+                                        <p:attrNameLst>
+                                          <p:attrName>ppt_x</p:attrName>
+                                        </p:attrNameLst>
+                                      </p:cBhvr>
+                                      <p:tavLst>
+                                        <p:tav tm="0">
+                                          <p:val>
+                                            <p:strVal val="#ppt_x"/>
+                                          </p:val>
+                                        </p:tav>
+                                        <p:tav tm="100000">
+                                          <p:val>
+                                            <p:strVal val="#ppt_x"/>
+                                          </p:val>
+                                        </p:tav>
+                                      </p:tavLst>
+                                    </p:anim>
+                                    <p:anim calcmode="lin" valueType="num">
+                                      <p:cBhvr additive="base">
+                                        <p:cTn id="18" dur="500" fill="hold"/>
+                                        <p:tgtEl>
+                                          <p:spTgt spid="31750"/>
+                                        </p:tgtEl>
+                                        <p:attrNameLst>
+                                          <p:attrName>ppt_y</p:attrName>
+                                        </p:attrNameLst>
+                                      </p:cBhvr>
+                                      <p:tavLst>
+                                        <p:tav tm="0">
+                                          <p:val>
+                                            <p:strVal val="1+#ppt_h/2"/>
+                                          </p:val>
+                                        </p:tav>
+                                        <p:tav tm="100000">
+                                          <p:val>
+                                            <p:strVal val="#ppt_y"/>
+                                          </p:val>
+                                        </p:tav>
+                                      </p:tavLst>
+                                    </p:anim>
+                                  </p:childTnLst>
+                                </p:cTn>
+                              </p:par>
+                            </p:childTnLst>
+                          </p:cTn>
+                        </p:par>
+                      </p:childTnLst>
+                    </p:cTn>
+                  </p:par>
+                </p:childTnLst>
+              </p:cTn>
+              <p:prevCondLst>
+                <p:cond evt="onPrev" delay="0">
+                  <p:tgtEl>
+                    <p:sldTgt/>
+                  </p:tgtEl>
+                </p:cond>
+              </p:prevCondLst>
+              <p:nextCondLst>
+                <p:cond evt="onNext" delay="0">
+                  <p:tgtEl>
+                    <p:sldTgt/>
+                  </p:tgtEl>
+                </p:cond>
+              </p:nextCondLst>
+            </p:seq>
+          </p:childTnLst>
+        </p:cTn>
+      </p:par>
+    </p:tnLst>
+    <p:bldLst>
+      <p:bldP spid="31747" grpId="0" build="p"/>
+      <p:bldP spid="31748" grpId="0" animBg="1"/>
+      <p:bldP spid="31750" grpId="0" animBg="1"/>
+    </p:bldLst>
+  </p:timing>
 </p:sld>
 </file>
 
@@ -19675,14 +20244,14 @@
           <a:ln/>
           <a:extLst>
             <a:ext uri="{909E8E84-426E-40dd-AFC4-6F175D3DCCD1}">
-              <a14:hiddenFill xmlns="" xmlns:a14="http://schemas.microsoft.com/office/drawing/2010/main">
+              <a14:hiddenFill xmlns:a14="http://schemas.microsoft.com/office/drawing/2010/main" xmlns="">
                 <a:solidFill>
                   <a:srgbClr val="FFFFFF"/>
                 </a:solidFill>
               </a14:hiddenFill>
             </a:ext>
             <a:ext uri="{91240B29-F687-4f45-9708-019B960494DF}">
-              <a14:hiddenLine xmlns="" xmlns:a14="http://schemas.microsoft.com/office/drawing/2010/main" w="9525">
+              <a14:hiddenLine xmlns:a14="http://schemas.microsoft.com/office/drawing/2010/main" xmlns="" w="9525">
                 <a:solidFill>
                   <a:srgbClr val="000000"/>
                 </a:solidFill>
@@ -19987,14 +20556,14 @@
           <a:ln/>
           <a:extLst>
             <a:ext uri="{909E8E84-426E-40dd-AFC4-6F175D3DCCD1}">
-              <a14:hiddenFill xmlns:a14="http://schemas.microsoft.com/office/drawing/2010/main" xmlns="">
+              <a14:hiddenFill xmlns="" xmlns:a14="http://schemas.microsoft.com/office/drawing/2010/main">
                 <a:solidFill>
                   <a:srgbClr val="FFFFFF"/>
                 </a:solidFill>
               </a14:hiddenFill>
             </a:ext>
             <a:ext uri="{91240B29-F687-4f45-9708-019B960494DF}">
-              <a14:hiddenLine xmlns:a14="http://schemas.microsoft.com/office/drawing/2010/main" xmlns="" w="9525">
+              <a14:hiddenLine xmlns="" xmlns:a14="http://schemas.microsoft.com/office/drawing/2010/main" w="9525">
                 <a:solidFill>
                   <a:srgbClr val="000000"/>
                 </a:solidFill>
@@ -20153,14 +20722,14 @@
           </a:ln>
           <a:extLst>
             <a:ext uri="{909E8E84-426E-40dd-AFC4-6F175D3DCCD1}">
-              <a14:hiddenFill xmlns="" xmlns:a14="http://schemas.microsoft.com/office/drawing/2010/main">
+              <a14:hiddenFill xmlns:a14="http://schemas.microsoft.com/office/drawing/2010/main" xmlns="">
                 <a:solidFill>
                   <a:srgbClr val="FFFFFF"/>
                 </a:solidFill>
               </a14:hiddenFill>
             </a:ext>
             <a:ext uri="{91240B29-F687-4f45-9708-019B960494DF}">
-              <a14:hiddenLine xmlns="" xmlns:a14="http://schemas.microsoft.com/office/drawing/2010/main" w="9525">
+              <a14:hiddenLine xmlns:a14="http://schemas.microsoft.com/office/drawing/2010/main" xmlns="" w="9525">
                 <a:solidFill>
                   <a:srgbClr val="000000"/>
                 </a:solidFill>
@@ -20242,7 +20811,7 @@
           </a:ln>
           <a:extLst>
             <a:ext uri="{91240B29-F687-4f45-9708-019B960494DF}">
-              <a14:hiddenLine xmlns="" xmlns:a14="http://schemas.microsoft.com/office/drawing/2010/main" w="12700" cap="sq">
+              <a14:hiddenLine xmlns:a14="http://schemas.microsoft.com/office/drawing/2010/main" xmlns="" w="12700" cap="sq">
                 <a:solidFill>
                   <a:srgbClr val="000000"/>
                 </a:solidFill>
@@ -20397,8 +20966,8 @@
         </p:nvSpPr>
         <p:spPr bwMode="auto">
           <a:xfrm>
-            <a:off x="1550334" y="4093167"/>
-            <a:ext cx="4016375" cy="408623"/>
+            <a:off x="1668571" y="4043189"/>
+            <a:ext cx="4016375" cy="578882"/>
           </a:xfrm>
           <a:prstGeom prst="wedgeRoundRectCallout">
             <a:avLst>
@@ -20420,7 +20989,7 @@
           </a:ln>
           <a:extLst>
             <a:ext uri="{909E8E84-426E-40dd-AFC4-6F175D3DCCD1}">
-              <a14:hiddenFill xmlns="" xmlns:a14="http://schemas.microsoft.com/office/drawing/2010/main">
+              <a14:hiddenFill xmlns:a14="http://schemas.microsoft.com/office/drawing/2010/main" xmlns="">
                 <a:solidFill>
                   <a:srgbClr val="FFFFFF"/>
                 </a:solidFill>
@@ -20436,15 +21005,15 @@
           <a:p>
             <a:pPr algn="ctr"/>
             <a:r>
-              <a:rPr lang="en-US" dirty="0"/>
+              <a:rPr lang="en-US" sz="2800" dirty="0"/>
               <a:t>Means ((</a:t>
             </a:r>
             <a:r>
-              <a:rPr lang="en-US" dirty="0" err="1"/>
+              <a:rPr lang="en-US" sz="2800" dirty="0" err="1"/>
               <a:t>mult</a:t>
             </a:r>
             <a:r>
-              <a:rPr lang="en-US" dirty="0"/>
+              <a:rPr lang="en-US" sz="2800" dirty="0"/>
               <a:t> x) y) z</a:t>
             </a:r>
           </a:p>
@@ -20478,14 +21047,14 @@
           </a:ln>
           <a:extLst>
             <a:ext uri="{909E8E84-426E-40dd-AFC4-6F175D3DCCD1}">
-              <a14:hiddenFill xmlns="" xmlns:a14="http://schemas.microsoft.com/office/drawing/2010/main">
+              <a14:hiddenFill xmlns:a14="http://schemas.microsoft.com/office/drawing/2010/main" xmlns="">
                 <a:solidFill>
                   <a:srgbClr val="FFFFFF"/>
                 </a:solidFill>
               </a14:hiddenFill>
             </a:ext>
             <a:ext uri="{91240B29-F687-4f45-9708-019B960494DF}">
-              <a14:hiddenLine xmlns="" xmlns:a14="http://schemas.microsoft.com/office/drawing/2010/main" w="12700" cap="sq">
+              <a14:hiddenLine xmlns:a14="http://schemas.microsoft.com/office/drawing/2010/main" xmlns="" w="12700" cap="sq">
                 <a:solidFill>
                   <a:srgbClr val="000000"/>
                 </a:solidFill>
@@ -20638,6 +21207,222 @@
   <p:clrMapOvr>
     <a:masterClrMapping/>
   </p:clrMapOvr>
+  <p:timing>
+    <p:tnLst>
+      <p:par>
+        <p:cTn id="1" dur="indefinite" restart="never" nodeType="tmRoot">
+          <p:childTnLst>
+            <p:seq concurrent="1" nextAc="seek">
+              <p:cTn id="2" dur="indefinite" nodeType="mainSeq">
+                <p:childTnLst>
+                  <p:par>
+                    <p:cTn id="3" fill="hold">
+                      <p:stCondLst>
+                        <p:cond delay="indefinite"/>
+                      </p:stCondLst>
+                      <p:childTnLst>
+                        <p:par>
+                          <p:cTn id="4" fill="hold">
+                            <p:stCondLst>
+                              <p:cond delay="0"/>
+                            </p:stCondLst>
+                            <p:childTnLst>
+                              <p:par>
+                                <p:cTn id="5" presetID="2" presetClass="entr" presetSubtype="4" fill="hold" grpId="0" nodeType="clickEffect">
+                                  <p:stCondLst>
+                                    <p:cond delay="0"/>
+                                  </p:stCondLst>
+                                  <p:childTnLst>
+                                    <p:set>
+                                      <p:cBhvr>
+                                        <p:cTn id="6" dur="1" fill="hold">
+                                          <p:stCondLst>
+                                            <p:cond delay="0"/>
+                                          </p:stCondLst>
+                                        </p:cTn>
+                                        <p:tgtEl>
+                                          <p:spTgt spid="6"/>
+                                        </p:tgtEl>
+                                        <p:attrNameLst>
+                                          <p:attrName>style.visibility</p:attrName>
+                                        </p:attrNameLst>
+                                      </p:cBhvr>
+                                      <p:to>
+                                        <p:strVal val="visible"/>
+                                      </p:to>
+                                    </p:set>
+                                    <p:anim calcmode="lin" valueType="num">
+                                      <p:cBhvr additive="base">
+                                        <p:cTn id="7" dur="500" fill="hold"/>
+                                        <p:tgtEl>
+                                          <p:spTgt spid="6"/>
+                                        </p:tgtEl>
+                                        <p:attrNameLst>
+                                          <p:attrName>ppt_x</p:attrName>
+                                        </p:attrNameLst>
+                                      </p:cBhvr>
+                                      <p:tavLst>
+                                        <p:tav tm="0">
+                                          <p:val>
+                                            <p:strVal val="#ppt_x"/>
+                                          </p:val>
+                                        </p:tav>
+                                        <p:tav tm="100000">
+                                          <p:val>
+                                            <p:strVal val="#ppt_x"/>
+                                          </p:val>
+                                        </p:tav>
+                                      </p:tavLst>
+                                    </p:anim>
+                                    <p:anim calcmode="lin" valueType="num">
+                                      <p:cBhvr additive="base">
+                                        <p:cTn id="8" dur="500" fill="hold"/>
+                                        <p:tgtEl>
+                                          <p:spTgt spid="6"/>
+                                        </p:tgtEl>
+                                        <p:attrNameLst>
+                                          <p:attrName>ppt_y</p:attrName>
+                                        </p:attrNameLst>
+                                      </p:cBhvr>
+                                      <p:tavLst>
+                                        <p:tav tm="0">
+                                          <p:val>
+                                            <p:strVal val="1+#ppt_h/2"/>
+                                          </p:val>
+                                        </p:tav>
+                                        <p:tav tm="100000">
+                                          <p:val>
+                                            <p:strVal val="#ppt_y"/>
+                                          </p:val>
+                                        </p:tav>
+                                      </p:tavLst>
+                                    </p:anim>
+                                  </p:childTnLst>
+                                </p:cTn>
+                              </p:par>
+                            </p:childTnLst>
+                          </p:cTn>
+                        </p:par>
+                      </p:childTnLst>
+                    </p:cTn>
+                  </p:par>
+                  <p:par>
+                    <p:cTn id="9" fill="hold">
+                      <p:stCondLst>
+                        <p:cond delay="indefinite"/>
+                      </p:stCondLst>
+                      <p:childTnLst>
+                        <p:par>
+                          <p:cTn id="10" fill="hold">
+                            <p:stCondLst>
+                              <p:cond delay="0"/>
+                            </p:stCondLst>
+                            <p:childTnLst>
+                              <p:par>
+                                <p:cTn id="11" presetID="2" presetClass="entr" presetSubtype="4" fill="hold" grpId="0" nodeType="clickEffect">
+                                  <p:stCondLst>
+                                    <p:cond delay="0"/>
+                                  </p:stCondLst>
+                                  <p:childTnLst>
+                                    <p:set>
+                                      <p:cBhvr>
+                                        <p:cTn id="12" dur="1" fill="hold">
+                                          <p:stCondLst>
+                                            <p:cond delay="0"/>
+                                          </p:stCondLst>
+                                        </p:cTn>
+                                        <p:tgtEl>
+                                          <p:spTgt spid="7"/>
+                                        </p:tgtEl>
+                                        <p:attrNameLst>
+                                          <p:attrName>style.visibility</p:attrName>
+                                        </p:attrNameLst>
+                                      </p:cBhvr>
+                                      <p:to>
+                                        <p:strVal val="visible"/>
+                                      </p:to>
+                                    </p:set>
+                                    <p:anim calcmode="lin" valueType="num">
+                                      <p:cBhvr additive="base">
+                                        <p:cTn id="13" dur="500" fill="hold"/>
+                                        <p:tgtEl>
+                                          <p:spTgt spid="7"/>
+                                        </p:tgtEl>
+                                        <p:attrNameLst>
+                                          <p:attrName>ppt_x</p:attrName>
+                                        </p:attrNameLst>
+                                      </p:cBhvr>
+                                      <p:tavLst>
+                                        <p:tav tm="0">
+                                          <p:val>
+                                            <p:strVal val="#ppt_x"/>
+                                          </p:val>
+                                        </p:tav>
+                                        <p:tav tm="100000">
+                                          <p:val>
+                                            <p:strVal val="#ppt_x"/>
+                                          </p:val>
+                                        </p:tav>
+                                      </p:tavLst>
+                                    </p:anim>
+                                    <p:anim calcmode="lin" valueType="num">
+                                      <p:cBhvr additive="base">
+                                        <p:cTn id="14" dur="500" fill="hold"/>
+                                        <p:tgtEl>
+                                          <p:spTgt spid="7"/>
+                                        </p:tgtEl>
+                                        <p:attrNameLst>
+                                          <p:attrName>ppt_y</p:attrName>
+                                        </p:attrNameLst>
+                                      </p:cBhvr>
+                                      <p:tavLst>
+                                        <p:tav tm="0">
+                                          <p:val>
+                                            <p:strVal val="1+#ppt_h/2"/>
+                                          </p:val>
+                                        </p:tav>
+                                        <p:tav tm="100000">
+                                          <p:val>
+                                            <p:strVal val="#ppt_y"/>
+                                          </p:val>
+                                        </p:tav>
+                                      </p:tavLst>
+                                    </p:anim>
+                                  </p:childTnLst>
+                                </p:cTn>
+                              </p:par>
+                            </p:childTnLst>
+                          </p:cTn>
+                        </p:par>
+                      </p:childTnLst>
+                    </p:cTn>
+                  </p:par>
+                </p:childTnLst>
+              </p:cTn>
+              <p:prevCondLst>
+                <p:cond evt="onPrev" delay="0">
+                  <p:tgtEl>
+                    <p:sldTgt/>
+                  </p:tgtEl>
+                </p:cond>
+              </p:prevCondLst>
+              <p:nextCondLst>
+                <p:cond evt="onNext" delay="0">
+                  <p:tgtEl>
+                    <p:sldTgt/>
+                  </p:tgtEl>
+                </p:cond>
+              </p:nextCondLst>
+            </p:seq>
+          </p:childTnLst>
+        </p:cTn>
+      </p:par>
+    </p:tnLst>
+    <p:bldLst>
+      <p:bldP spid="6" grpId="0" animBg="1"/>
+      <p:bldP spid="7" grpId="0"/>
+    </p:bldLst>
+  </p:timing>
 </p:sld>
 </file>
 
@@ -20699,14 +21484,14 @@
           <a:ln/>
           <a:extLst>
             <a:ext uri="{909E8E84-426E-40dd-AFC4-6F175D3DCCD1}">
-              <a14:hiddenFill xmlns="" xmlns:a14="http://schemas.microsoft.com/office/drawing/2010/main">
+              <a14:hiddenFill xmlns:a14="http://schemas.microsoft.com/office/drawing/2010/main" xmlns="">
                 <a:solidFill>
                   <a:srgbClr val="FFFFFF"/>
                 </a:solidFill>
               </a14:hiddenFill>
             </a:ext>
             <a:ext uri="{91240B29-F687-4f45-9708-019B960494DF}">
-              <a14:hiddenLine xmlns="" xmlns:a14="http://schemas.microsoft.com/office/drawing/2010/main" w="9525">
+              <a14:hiddenLine xmlns:a14="http://schemas.microsoft.com/office/drawing/2010/main" xmlns="" w="9525">
                 <a:solidFill>
                   <a:srgbClr val="000000"/>
                 </a:solidFill>
@@ -20859,14 +21644,14 @@
           </a:ln>
           <a:extLst>
             <a:ext uri="{909E8E84-426E-40dd-AFC4-6F175D3DCCD1}">
-              <a14:hiddenFill xmlns="" xmlns:a14="http://schemas.microsoft.com/office/drawing/2010/main">
+              <a14:hiddenFill xmlns:a14="http://schemas.microsoft.com/office/drawing/2010/main" xmlns="">
                 <a:solidFill>
                   <a:srgbClr val="FFFFFF"/>
                 </a:solidFill>
               </a14:hiddenFill>
             </a:ext>
             <a:ext uri="{91240B29-F687-4f45-9708-019B960494DF}">
-              <a14:hiddenLine xmlns="" xmlns:a14="http://schemas.microsoft.com/office/drawing/2010/main" w="12700" cap="sq">
+              <a14:hiddenLine xmlns:a14="http://schemas.microsoft.com/office/drawing/2010/main" xmlns="" w="12700" cap="sq">
                 <a:solidFill>
                   <a:srgbClr val="000000"/>
                 </a:solidFill>
@@ -21046,7 +21831,7 @@
           </a:ln>
           <a:extLst>
             <a:ext uri="{91240B29-F687-4f45-9708-019B960494DF}">
-              <a14:hiddenLine xmlns="" xmlns:a14="http://schemas.microsoft.com/office/drawing/2010/main" w="12700" cap="sq">
+              <a14:hiddenLine xmlns:a14="http://schemas.microsoft.com/office/drawing/2010/main" xmlns="" w="12700" cap="sq">
                 <a:solidFill>
                   <a:srgbClr val="000000"/>
                 </a:solidFill>
@@ -21225,7 +22010,7 @@
           </a:ln>
           <a:extLst>
             <a:ext uri="{909E8E84-426E-40dd-AFC4-6F175D3DCCD1}">
-              <a14:hiddenFill xmlns="" xmlns:a14="http://schemas.microsoft.com/office/drawing/2010/main">
+              <a14:hiddenFill xmlns:a14="http://schemas.microsoft.com/office/drawing/2010/main" xmlns="">
                 <a:solidFill>
                   <a:srgbClr val="FFFFFF"/>
                 </a:solidFill>
@@ -21241,7 +22026,7 @@
           <a:p>
             <a:pPr algn="ctr"/>
             <a:r>
-              <a:rPr lang="en-US" dirty="0"/>
+              <a:rPr lang="en-US" sz="2800" dirty="0"/>
               <a:t>For any type a, length takes a list of values of type a and returns an integer.</a:t>
             </a:r>
           </a:p>
@@ -21252,6 +22037,222 @@
   <p:clrMapOvr>
     <a:masterClrMapping/>
   </p:clrMapOvr>
+  <p:timing>
+    <p:tnLst>
+      <p:par>
+        <p:cTn id="1" dur="indefinite" restart="never" nodeType="tmRoot">
+          <p:childTnLst>
+            <p:seq concurrent="1" nextAc="seek">
+              <p:cTn id="2" dur="indefinite" nodeType="mainSeq">
+                <p:childTnLst>
+                  <p:par>
+                    <p:cTn id="3" fill="hold">
+                      <p:stCondLst>
+                        <p:cond delay="indefinite"/>
+                      </p:stCondLst>
+                      <p:childTnLst>
+                        <p:par>
+                          <p:cTn id="4" fill="hold">
+                            <p:stCondLst>
+                              <p:cond delay="0"/>
+                            </p:stCondLst>
+                            <p:childTnLst>
+                              <p:par>
+                                <p:cTn id="5" presetID="2" presetClass="entr" presetSubtype="4" fill="hold" grpId="0" nodeType="clickEffect">
+                                  <p:stCondLst>
+                                    <p:cond delay="0"/>
+                                  </p:stCondLst>
+                                  <p:childTnLst>
+                                    <p:set>
+                                      <p:cBhvr>
+                                        <p:cTn id="6" dur="1" fill="hold">
+                                          <p:stCondLst>
+                                            <p:cond delay="0"/>
+                                          </p:stCondLst>
+                                        </p:cTn>
+                                        <p:tgtEl>
+                                          <p:spTgt spid="33796"/>
+                                        </p:tgtEl>
+                                        <p:attrNameLst>
+                                          <p:attrName>style.visibility</p:attrName>
+                                        </p:attrNameLst>
+                                      </p:cBhvr>
+                                      <p:to>
+                                        <p:strVal val="visible"/>
+                                      </p:to>
+                                    </p:set>
+                                    <p:anim calcmode="lin" valueType="num">
+                                      <p:cBhvr additive="base">
+                                        <p:cTn id="7" dur="500" fill="hold"/>
+                                        <p:tgtEl>
+                                          <p:spTgt spid="33796"/>
+                                        </p:tgtEl>
+                                        <p:attrNameLst>
+                                          <p:attrName>ppt_x</p:attrName>
+                                        </p:attrNameLst>
+                                      </p:cBhvr>
+                                      <p:tavLst>
+                                        <p:tav tm="0">
+                                          <p:val>
+                                            <p:strVal val="#ppt_x"/>
+                                          </p:val>
+                                        </p:tav>
+                                        <p:tav tm="100000">
+                                          <p:val>
+                                            <p:strVal val="#ppt_x"/>
+                                          </p:val>
+                                        </p:tav>
+                                      </p:tavLst>
+                                    </p:anim>
+                                    <p:anim calcmode="lin" valueType="num">
+                                      <p:cBhvr additive="base">
+                                        <p:cTn id="8" dur="500" fill="hold"/>
+                                        <p:tgtEl>
+                                          <p:spTgt spid="33796"/>
+                                        </p:tgtEl>
+                                        <p:attrNameLst>
+                                          <p:attrName>ppt_y</p:attrName>
+                                        </p:attrNameLst>
+                                      </p:cBhvr>
+                                      <p:tavLst>
+                                        <p:tav tm="0">
+                                          <p:val>
+                                            <p:strVal val="1+#ppt_h/2"/>
+                                          </p:val>
+                                        </p:tav>
+                                        <p:tav tm="100000">
+                                          <p:val>
+                                            <p:strVal val="#ppt_y"/>
+                                          </p:val>
+                                        </p:tav>
+                                      </p:tavLst>
+                                    </p:anim>
+                                  </p:childTnLst>
+                                </p:cTn>
+                              </p:par>
+                            </p:childTnLst>
+                          </p:cTn>
+                        </p:par>
+                      </p:childTnLst>
+                    </p:cTn>
+                  </p:par>
+                  <p:par>
+                    <p:cTn id="9" fill="hold">
+                      <p:stCondLst>
+                        <p:cond delay="indefinite"/>
+                      </p:stCondLst>
+                      <p:childTnLst>
+                        <p:par>
+                          <p:cTn id="10" fill="hold">
+                            <p:stCondLst>
+                              <p:cond delay="0"/>
+                            </p:stCondLst>
+                            <p:childTnLst>
+                              <p:par>
+                                <p:cTn id="11" presetID="2" presetClass="entr" presetSubtype="4" fill="hold" grpId="0" nodeType="clickEffect">
+                                  <p:stCondLst>
+                                    <p:cond delay="0"/>
+                                  </p:stCondLst>
+                                  <p:childTnLst>
+                                    <p:set>
+                                      <p:cBhvr>
+                                        <p:cTn id="12" dur="1" fill="hold">
+                                          <p:stCondLst>
+                                            <p:cond delay="0"/>
+                                          </p:stCondLst>
+                                        </p:cTn>
+                                        <p:tgtEl>
+                                          <p:spTgt spid="33797"/>
+                                        </p:tgtEl>
+                                        <p:attrNameLst>
+                                          <p:attrName>style.visibility</p:attrName>
+                                        </p:attrNameLst>
+                                      </p:cBhvr>
+                                      <p:to>
+                                        <p:strVal val="visible"/>
+                                      </p:to>
+                                    </p:set>
+                                    <p:anim calcmode="lin" valueType="num">
+                                      <p:cBhvr additive="base">
+                                        <p:cTn id="13" dur="500" fill="hold"/>
+                                        <p:tgtEl>
+                                          <p:spTgt spid="33797"/>
+                                        </p:tgtEl>
+                                        <p:attrNameLst>
+                                          <p:attrName>ppt_x</p:attrName>
+                                        </p:attrNameLst>
+                                      </p:cBhvr>
+                                      <p:tavLst>
+                                        <p:tav tm="0">
+                                          <p:val>
+                                            <p:strVal val="#ppt_x"/>
+                                          </p:val>
+                                        </p:tav>
+                                        <p:tav tm="100000">
+                                          <p:val>
+                                            <p:strVal val="#ppt_x"/>
+                                          </p:val>
+                                        </p:tav>
+                                      </p:tavLst>
+                                    </p:anim>
+                                    <p:anim calcmode="lin" valueType="num">
+                                      <p:cBhvr additive="base">
+                                        <p:cTn id="14" dur="500" fill="hold"/>
+                                        <p:tgtEl>
+                                          <p:spTgt spid="33797"/>
+                                        </p:tgtEl>
+                                        <p:attrNameLst>
+                                          <p:attrName>ppt_y</p:attrName>
+                                        </p:attrNameLst>
+                                      </p:cBhvr>
+                                      <p:tavLst>
+                                        <p:tav tm="0">
+                                          <p:val>
+                                            <p:strVal val="1+#ppt_h/2"/>
+                                          </p:val>
+                                        </p:tav>
+                                        <p:tav tm="100000">
+                                          <p:val>
+                                            <p:strVal val="#ppt_y"/>
+                                          </p:val>
+                                        </p:tav>
+                                      </p:tavLst>
+                                    </p:anim>
+                                  </p:childTnLst>
+                                </p:cTn>
+                              </p:par>
+                            </p:childTnLst>
+                          </p:cTn>
+                        </p:par>
+                      </p:childTnLst>
+                    </p:cTn>
+                  </p:par>
+                </p:childTnLst>
+              </p:cTn>
+              <p:prevCondLst>
+                <p:cond evt="onPrev" delay="0">
+                  <p:tgtEl>
+                    <p:sldTgt/>
+                  </p:tgtEl>
+                </p:cond>
+              </p:prevCondLst>
+              <p:nextCondLst>
+                <p:cond evt="onNext" delay="0">
+                  <p:tgtEl>
+                    <p:sldTgt/>
+                  </p:tgtEl>
+                </p:cond>
+              </p:nextCondLst>
+            </p:seq>
+          </p:childTnLst>
+        </p:cTn>
+      </p:par>
+    </p:tnLst>
+    <p:bldLst>
+      <p:bldP spid="33796" grpId="0" animBg="1"/>
+      <p:bldP spid="33797" grpId="0" animBg="1"/>
+    </p:bldLst>
+  </p:timing>
 </p:sld>
 </file>
 
@@ -21393,14 +22394,14 @@
           </a:ln>
           <a:extLst>
             <a:ext uri="{909E8E84-426E-40dd-AFC4-6F175D3DCCD1}">
-              <a14:hiddenFill xmlns="" xmlns:a14="http://schemas.microsoft.com/office/drawing/2010/main">
+              <a14:hiddenFill xmlns:a14="http://schemas.microsoft.com/office/drawing/2010/main" xmlns="">
                 <a:solidFill>
                   <a:srgbClr val="FFFFFF"/>
                 </a:solidFill>
               </a14:hiddenFill>
             </a:ext>
             <a:ext uri="{91240B29-F687-4f45-9708-019B960494DF}">
-              <a14:hiddenLine xmlns="" xmlns:a14="http://schemas.microsoft.com/office/drawing/2010/main" w="9525">
+              <a14:hiddenLine xmlns:a14="http://schemas.microsoft.com/office/drawing/2010/main" xmlns="" w="9525">
                 <a:solidFill>
                   <a:srgbClr val="000000"/>
                 </a:solidFill>
@@ -21464,14 +22465,14 @@
           </a:ln>
           <a:extLst>
             <a:ext uri="{909E8E84-426E-40dd-AFC4-6F175D3DCCD1}">
-              <a14:hiddenFill xmlns="" xmlns:a14="http://schemas.microsoft.com/office/drawing/2010/main">
+              <a14:hiddenFill xmlns:a14="http://schemas.microsoft.com/office/drawing/2010/main" xmlns="">
                 <a:solidFill>
                   <a:srgbClr val="FFFFFF"/>
                 </a:solidFill>
               </a14:hiddenFill>
             </a:ext>
             <a:ext uri="{91240B29-F687-4f45-9708-019B960494DF}">
-              <a14:hiddenLine xmlns="" xmlns:a14="http://schemas.microsoft.com/office/drawing/2010/main" w="12700" cap="sq">
+              <a14:hiddenLine xmlns:a14="http://schemas.microsoft.com/office/drawing/2010/main" xmlns="" w="12700" cap="sq">
                 <a:solidFill>
                   <a:srgbClr val="000000"/>
                 </a:solidFill>
@@ -21630,14 +22631,14 @@
           </a:ln>
           <a:extLst>
             <a:ext uri="{909E8E84-426E-40dd-AFC4-6F175D3DCCD1}">
-              <a14:hiddenFill xmlns="" xmlns:a14="http://schemas.microsoft.com/office/drawing/2010/main">
+              <a14:hiddenFill xmlns:a14="http://schemas.microsoft.com/office/drawing/2010/main" xmlns="">
                 <a:solidFill>
                   <a:srgbClr val="FFFFFF"/>
                 </a:solidFill>
               </a14:hiddenFill>
             </a:ext>
             <a:ext uri="{91240B29-F687-4f45-9708-019B960494DF}">
-              <a14:hiddenLine xmlns="" xmlns:a14="http://schemas.microsoft.com/office/drawing/2010/main" w="9525">
+              <a14:hiddenLine xmlns:a14="http://schemas.microsoft.com/office/drawing/2010/main" xmlns="" w="9525">
                 <a:solidFill>
                   <a:srgbClr val="000000"/>
                 </a:solidFill>
@@ -21703,7 +22704,7 @@
           </a:ln>
           <a:extLst>
             <a:ext uri="{91240B29-F687-4f45-9708-019B960494DF}">
-              <a14:hiddenLine xmlns="" xmlns:a14="http://schemas.microsoft.com/office/drawing/2010/main" w="12700" cap="sq">
+              <a14:hiddenLine xmlns:a14="http://schemas.microsoft.com/office/drawing/2010/main" xmlns="" w="12700" cap="sq">
                 <a:solidFill>
                   <a:srgbClr val="000000"/>
                 </a:solidFill>
@@ -21882,8 +22883,8 @@
         </p:nvSpPr>
         <p:spPr bwMode="auto">
           <a:xfrm>
-            <a:off x="6126206" y="3371032"/>
-            <a:ext cx="1774825" cy="566738"/>
+            <a:off x="6126206" y="3364960"/>
+            <a:ext cx="1774825" cy="578882"/>
           </a:xfrm>
           <a:prstGeom prst="wedgeRoundRectCallout">
             <a:avLst>
@@ -21905,7 +22906,7 @@
           </a:ln>
           <a:extLst>
             <a:ext uri="{909E8E84-426E-40dd-AFC4-6F175D3DCCD1}">
-              <a14:hiddenFill xmlns="" xmlns:a14="http://schemas.microsoft.com/office/drawing/2010/main">
+              <a14:hiddenFill xmlns:a14="http://schemas.microsoft.com/office/drawing/2010/main" xmlns="">
                 <a:solidFill>
                   <a:srgbClr val="FFFFFF"/>
                 </a:solidFill>
@@ -21921,7 +22922,7 @@
           <a:p>
             <a:pPr algn="ctr"/>
             <a:r>
-              <a:rPr lang="en-US" dirty="0"/>
+              <a:rPr lang="en-US" sz="2800" dirty="0"/>
               <a:t>a = Bool</a:t>
             </a:r>
           </a:p>
@@ -21943,8 +22944,8 @@
         </p:nvSpPr>
         <p:spPr bwMode="auto">
           <a:xfrm>
-            <a:off x="6126207" y="4538478"/>
-            <a:ext cx="1774825" cy="566737"/>
+            <a:off x="6126207" y="4532406"/>
+            <a:ext cx="1774825" cy="578882"/>
           </a:xfrm>
           <a:prstGeom prst="wedgeRoundRectCallout">
             <a:avLst>
@@ -21966,7 +22967,7 @@
           </a:ln>
           <a:extLst>
             <a:ext uri="{909E8E84-426E-40dd-AFC4-6F175D3DCCD1}">
-              <a14:hiddenFill xmlns="" xmlns:a14="http://schemas.microsoft.com/office/drawing/2010/main">
+              <a14:hiddenFill xmlns:a14="http://schemas.microsoft.com/office/drawing/2010/main" xmlns="">
                 <a:solidFill>
                   <a:srgbClr val="FFFFFF"/>
                 </a:solidFill>
@@ -21982,14 +22983,14 @@
           <a:p>
             <a:pPr algn="ctr"/>
             <a:r>
-              <a:rPr lang="en-US" dirty="0"/>
+              <a:rPr lang="en-US" sz="2800" dirty="0"/>
               <a:t>a = </a:t>
             </a:r>
             <a:r>
-              <a:rPr lang="en-US" dirty="0" err="1"/>
+              <a:rPr lang="en-US" sz="2800" dirty="0" err="1"/>
               <a:t>Int</a:t>
             </a:r>
-            <a:endParaRPr lang="en-US" dirty="0"/>
+            <a:endParaRPr lang="en-US" sz="2800" dirty="0"/>
           </a:p>
         </p:txBody>
       </p:sp>
@@ -22023,7 +23024,7 @@
           </a:ln>
           <a:extLst>
             <a:ext uri="{91240B29-F687-4f45-9708-019B960494DF}">
-              <a14:hiddenLine xmlns="" xmlns:a14="http://schemas.microsoft.com/office/drawing/2010/main" w="12700" cap="sq">
+              <a14:hiddenLine xmlns:a14="http://schemas.microsoft.com/office/drawing/2010/main" xmlns="" w="12700" cap="sq">
                 <a:solidFill>
                   <a:srgbClr val="000000"/>
                 </a:solidFill>
@@ -22908,14 +23909,14 @@
           </a:ln>
           <a:extLst>
             <a:ext uri="{909E8E84-426E-40dd-AFC4-6F175D3DCCD1}">
-              <a14:hiddenFill xmlns="" xmlns:a14="http://schemas.microsoft.com/office/drawing/2010/main">
+              <a14:hiddenFill xmlns:a14="http://schemas.microsoft.com/office/drawing/2010/main" xmlns="">
                 <a:solidFill>
                   <a:srgbClr val="FFFFFF"/>
                 </a:solidFill>
               </a14:hiddenFill>
             </a:ext>
             <a:ext uri="{91240B29-F687-4f45-9708-019B960494DF}">
-              <a14:hiddenLine xmlns="" xmlns:a14="http://schemas.microsoft.com/office/drawing/2010/main" w="9525">
+              <a14:hiddenLine xmlns:a14="http://schemas.microsoft.com/office/drawing/2010/main" xmlns="" w="9525">
                 <a:solidFill>
                   <a:srgbClr val="000000"/>
                 </a:solidFill>
@@ -22967,8 +23968,8 @@
         </p:nvSpPr>
         <p:spPr bwMode="auto">
           <a:xfrm>
-            <a:off x="1680147" y="3244703"/>
-            <a:ext cx="5318061" cy="3293209"/>
+            <a:off x="814389" y="3343190"/>
+            <a:ext cx="6183820" cy="3096232"/>
           </a:xfrm>
           <a:prstGeom prst="rect">
             <a:avLst/>
@@ -22981,7 +23982,7 @@
           </a:ln>
           <a:extLst>
             <a:ext uri="{91240B29-F687-4f45-9708-019B960494DF}">
-              <a14:hiddenLine xmlns="" xmlns:a14="http://schemas.microsoft.com/office/drawing/2010/main" w="12700" cap="sq">
+              <a14:hiddenLine xmlns:a14="http://schemas.microsoft.com/office/drawing/2010/main" xmlns="" w="12700" cap="sq">
                 <a:solidFill>
                   <a:srgbClr val="000000"/>
                 </a:solidFill>
@@ -23111,41 +24112,10 @@
               </a:lnSpc>
             </a:pPr>
             <a:r>
-              <a:rPr lang="en-US" sz="2000" dirty="0" err="1">
-                <a:latin typeface="Lucida Sans Typewriter" charset="0"/>
-              </a:rPr>
-              <a:t>fst</a:t>
-            </a:r>
-            <a:r>
               <a:rPr lang="en-US" sz="2000" dirty="0">
                 <a:latin typeface="Lucida Sans Typewriter" charset="0"/>
               </a:rPr>
-              <a:t> :: (</a:t>
-            </a:r>
-            <a:r>
-              <a:rPr lang="en-US" sz="2000" dirty="0" err="1">
-                <a:latin typeface="Lucida Sans Typewriter" charset="0"/>
-              </a:rPr>
-              <a:t>a,b</a:t>
-            </a:r>
-            <a:r>
-              <a:rPr lang="en-US" sz="2000" dirty="0">
-                <a:latin typeface="Lucida Sans Typewriter" charset="0"/>
-              </a:rPr>
-              <a:t>) </a:t>
-            </a:r>
-            <a:r>
-              <a:rPr lang="en-US" sz="2000" dirty="0">
-                <a:latin typeface="Lucida Sans Typewriter" charset="0"/>
-                <a:sym typeface="Symbol" charset="0"/>
-              </a:rPr>
-              <a:t></a:t>
-            </a:r>
-            <a:r>
-              <a:rPr lang="en-US" sz="2000" dirty="0">
-                <a:latin typeface="Lucida Sans Typewriter" charset="0"/>
-              </a:rPr>
-              <a:t> a</a:t>
+              <a:t> </a:t>
             </a:r>
           </a:p>
           <a:p>
@@ -23154,20 +24124,7 @@
                 <a:spcPct val="80000"/>
               </a:lnSpc>
             </a:pPr>
-            <a:r>
-              <a:rPr lang="en-US" sz="2000" dirty="0">
-                <a:latin typeface="Lucida Sans Typewriter" charset="0"/>
-              </a:rPr>
-              <a:t> </a:t>
-            </a:r>
-          </a:p>
-          <a:p>
-            <a:pPr>
-              <a:lnSpc>
-                <a:spcPct val="80000"/>
-              </a:lnSpc>
-            </a:pPr>
-            <a:endParaRPr lang="en-US" sz="2000" dirty="0">
+            <a:endParaRPr lang="en-US" dirty="0">
               <a:latin typeface="Lucida Sans Typewriter" charset="0"/>
             </a:endParaRPr>
           </a:p>
@@ -23178,20 +24135,20 @@
               </a:lnSpc>
             </a:pPr>
             <a:r>
-              <a:rPr lang="en-US" sz="2000" dirty="0">
+              <a:rPr lang="en-US" dirty="0">
                 <a:latin typeface="Lucida Sans Typewriter" charset="0"/>
               </a:rPr>
               <a:t>head :: [a] </a:t>
             </a:r>
             <a:r>
-              <a:rPr lang="en-US" sz="2000" dirty="0">
+              <a:rPr lang="en-US" dirty="0">
                 <a:latin typeface="Lucida Sans Typewriter" charset="0"/>
                 <a:sym typeface="Symbol" charset="0"/>
               </a:rPr>
               <a:t></a:t>
             </a:r>
             <a:r>
-              <a:rPr lang="en-US" sz="2000" dirty="0">
+              <a:rPr lang="en-US" dirty="0">
                 <a:latin typeface="Lucida Sans Typewriter" charset="0"/>
               </a:rPr>
               <a:t> a</a:t>
@@ -23203,7 +24160,7 @@
                 <a:spcPct val="80000"/>
               </a:lnSpc>
             </a:pPr>
-            <a:endParaRPr lang="en-US" sz="2000" dirty="0">
+            <a:endParaRPr lang="en-US" dirty="0">
               <a:latin typeface="Lucida Sans Typewriter" charset="0"/>
             </a:endParaRPr>
           </a:p>
@@ -23213,7 +24170,7 @@
                 <a:spcPct val="80000"/>
               </a:lnSpc>
             </a:pPr>
-            <a:endParaRPr lang="en-US" sz="2000" dirty="0">
+            <a:endParaRPr lang="en-US" dirty="0">
               <a:latin typeface="Lucida Sans Typewriter" charset="0"/>
             </a:endParaRPr>
           </a:p>
@@ -23224,33 +24181,33 @@
               </a:lnSpc>
             </a:pPr>
             <a:r>
-              <a:rPr lang="en-US" sz="2000" dirty="0">
+              <a:rPr lang="en-US" dirty="0">
                 <a:latin typeface="Lucida Sans Typewriter" charset="0"/>
               </a:rPr>
               <a:t>take :: Int </a:t>
             </a:r>
             <a:r>
-              <a:rPr lang="en-US" sz="2000" dirty="0">
+              <a:rPr lang="en-US" dirty="0">
                 <a:latin typeface="Lucida Sans Typewriter" charset="0"/>
                 <a:sym typeface="Symbol" charset="0"/>
               </a:rPr>
               <a:t></a:t>
             </a:r>
             <a:r>
-              <a:rPr lang="en-US" sz="2000" dirty="0">
+              <a:rPr lang="en-US" dirty="0">
                 <a:latin typeface="Lucida Sans Typewriter" charset="0"/>
               </a:rPr>
               <a:t> [a] </a:t>
             </a:r>
             <a:r>
-              <a:rPr lang="en-US" sz="2000" dirty="0">
+              <a:rPr lang="en-US" dirty="0">
                 <a:latin typeface="Lucida Sans Typewriter" charset="0"/>
                 <a:sym typeface="Symbol" charset="0"/>
               </a:rPr>
               <a:t></a:t>
             </a:r>
             <a:r>
-              <a:rPr lang="en-US" sz="2000" dirty="0">
+              <a:rPr lang="en-US" dirty="0">
                 <a:latin typeface="Lucida Sans Typewriter" charset="0"/>
               </a:rPr>
               <a:t> [a]</a:t>
@@ -23262,7 +24219,7 @@
                 <a:spcPct val="80000"/>
               </a:lnSpc>
             </a:pPr>
-            <a:endParaRPr lang="en-US" sz="2000" dirty="0">
+            <a:endParaRPr lang="en-US" dirty="0">
               <a:latin typeface="Lucida Sans Typewriter" charset="0"/>
             </a:endParaRPr>
           </a:p>
@@ -23272,7 +24229,7 @@
                 <a:spcPct val="80000"/>
               </a:lnSpc>
             </a:pPr>
-            <a:endParaRPr lang="en-US" sz="2000" dirty="0">
+            <a:endParaRPr lang="en-US" dirty="0">
               <a:latin typeface="Lucida Sans Typewriter" charset="0"/>
             </a:endParaRPr>
           </a:p>
@@ -23283,91 +24240,20 @@
               </a:lnSpc>
             </a:pPr>
             <a:r>
-              <a:rPr lang="en-US" sz="2000" dirty="0">
+              <a:rPr lang="en-US" dirty="0">
                 <a:latin typeface="Lucida Sans Typewriter" charset="0"/>
               </a:rPr>
-              <a:t>zip :: [a] </a:t>
-            </a:r>
-            <a:r>
-              <a:rPr lang="en-US" sz="2000" dirty="0">
+              <a:t>id :: a </a:t>
+            </a:r>
+            <a:r>
+              <a:rPr lang="en-US" dirty="0">
                 <a:latin typeface="Lucida Sans Typewriter" charset="0"/>
                 <a:sym typeface="Symbol" charset="0"/>
               </a:rPr>
               <a:t></a:t>
             </a:r>
             <a:r>
-              <a:rPr lang="en-US" sz="2000" dirty="0">
-                <a:latin typeface="Lucida Sans Typewriter" charset="0"/>
-              </a:rPr>
-              <a:t> [b] </a:t>
-            </a:r>
-            <a:r>
-              <a:rPr lang="en-US" sz="2000" dirty="0">
-                <a:latin typeface="Lucida Sans Typewriter" charset="0"/>
-                <a:sym typeface="Symbol" charset="0"/>
-              </a:rPr>
-              <a:t></a:t>
-            </a:r>
-            <a:r>
-              <a:rPr lang="en-US" sz="2000" dirty="0">
-                <a:latin typeface="Lucida Sans Typewriter" charset="0"/>
-              </a:rPr>
-              <a:t> [(</a:t>
-            </a:r>
-            <a:r>
-              <a:rPr lang="en-US" sz="2000" dirty="0" err="1">
-                <a:latin typeface="Lucida Sans Typewriter" charset="0"/>
-              </a:rPr>
-              <a:t>a,b</a:t>
-            </a:r>
-            <a:r>
-              <a:rPr lang="en-US" sz="2000" dirty="0">
-                <a:latin typeface="Lucida Sans Typewriter" charset="0"/>
-              </a:rPr>
-              <a:t>)]</a:t>
-            </a:r>
-          </a:p>
-          <a:p>
-            <a:pPr>
-              <a:lnSpc>
-                <a:spcPct val="80000"/>
-              </a:lnSpc>
-            </a:pPr>
-            <a:endParaRPr lang="en-US" sz="2000" dirty="0">
-              <a:latin typeface="Lucida Sans Typewriter" charset="0"/>
-            </a:endParaRPr>
-          </a:p>
-          <a:p>
-            <a:pPr>
-              <a:lnSpc>
-                <a:spcPct val="80000"/>
-              </a:lnSpc>
-            </a:pPr>
-            <a:endParaRPr lang="en-US" sz="2000" dirty="0">
-              <a:latin typeface="Lucida Sans Typewriter" charset="0"/>
-            </a:endParaRPr>
-          </a:p>
-          <a:p>
-            <a:pPr>
-              <a:lnSpc>
-                <a:spcPct val="80000"/>
-              </a:lnSpc>
-            </a:pPr>
-            <a:r>
-              <a:rPr lang="en-US" sz="2000" dirty="0">
-                <a:latin typeface="Lucida Sans Typewriter" charset="0"/>
-              </a:rPr>
-              <a:t>id :: a </a:t>
-            </a:r>
-            <a:r>
-              <a:rPr lang="en-US" sz="2000" dirty="0">
-                <a:latin typeface="Lucida Sans Typewriter" charset="0"/>
-                <a:sym typeface="Symbol" charset="0"/>
-              </a:rPr>
-              <a:t></a:t>
-            </a:r>
-            <a:r>
-              <a:rPr lang="en-US" sz="2000" dirty="0">
+              <a:rPr lang="en-US" dirty="0">
                 <a:latin typeface="Lucida Sans Typewriter" charset="0"/>
               </a:rPr>
               <a:t> a</a:t>
@@ -23531,6 +24417,34 @@
       </p:grpSpPr>
       <p:sp>
         <p:nvSpPr>
+          <p:cNvPr id="2" name="Title 1">
+            <a:extLst>
+              <a:ext uri="{FF2B5EF4-FFF2-40B4-BE49-F238E27FC236}">
+                <a16:creationId xmlns:a16="http://schemas.microsoft.com/office/drawing/2014/main" id="{C0C488ED-C3E2-AD32-4297-00ACC815042C}"/>
+              </a:ext>
+            </a:extLst>
+          </p:cNvPr>
+          <p:cNvSpPr>
+            <a:spLocks noGrp="1"/>
+          </p:cNvSpPr>
+          <p:nvPr>
+            <p:ph type="title"/>
+          </p:nvPr>
+        </p:nvSpPr>
+        <p:spPr/>
+        <p:txBody>
+          <a:bodyPr/>
+          <a:lstStyle/>
+          <a:p>
+            <a:r>
+              <a:rPr lang="en-US" dirty="0"/>
+              <a:t>Constrained Types</a:t>
+            </a:r>
+          </a:p>
+        </p:txBody>
+      </p:sp>
+      <p:sp>
+        <p:nvSpPr>
           <p:cNvPr id="37889" name="Slide Number Placeholder 1"/>
           <p:cNvSpPr>
             <a:spLocks noGrp="1"/>
@@ -23544,14 +24458,14 @@
           <a:ln/>
           <a:extLst>
             <a:ext uri="{909E8E84-426E-40dd-AFC4-6F175D3DCCD1}">
-              <a14:hiddenFill xmlns="" xmlns:a14="http://schemas.microsoft.com/office/drawing/2010/main">
+              <a14:hiddenFill xmlns:a14="http://schemas.microsoft.com/office/drawing/2010/main" xmlns="">
                 <a:solidFill>
                   <a:srgbClr val="FFFFFF"/>
                 </a:solidFill>
               </a14:hiddenFill>
             </a:ext>
             <a:ext uri="{91240B29-F687-4f45-9708-019B960494DF}">
-              <a14:hiddenLine xmlns="" xmlns:a14="http://schemas.microsoft.com/office/drawing/2010/main" w="9525">
+              <a14:hiddenLine xmlns:a14="http://schemas.microsoft.com/office/drawing/2010/main" xmlns="" w="9525">
                 <a:solidFill>
                   <a:srgbClr val="000000"/>
                 </a:solidFill>
@@ -23692,8 +24606,8 @@
         </p:nvSpPr>
         <p:spPr bwMode="auto">
           <a:xfrm>
-            <a:off x="52451" y="1531937"/>
-            <a:ext cx="8239125" cy="1077913"/>
+            <a:off x="52451" y="2051050"/>
+            <a:ext cx="8634349" cy="1077913"/>
           </a:xfrm>
           <a:prstGeom prst="rect">
             <a:avLst/>
@@ -23704,14 +24618,14 @@
           </a:ln>
           <a:extLst>
             <a:ext uri="{909E8E84-426E-40dd-AFC4-6F175D3DCCD1}">
-              <a14:hiddenFill xmlns="" xmlns:a14="http://schemas.microsoft.com/office/drawing/2010/main">
+              <a14:hiddenFill xmlns:a14="http://schemas.microsoft.com/office/drawing/2010/main" xmlns="">
                 <a:solidFill>
                   <a:srgbClr val="FFFFFF"/>
                 </a:solidFill>
               </a14:hiddenFill>
             </a:ext>
             <a:ext uri="{91240B29-F687-4f45-9708-019B960494DF}">
-              <a14:hiddenLine xmlns="" xmlns:a14="http://schemas.microsoft.com/office/drawing/2010/main" w="9525">
+              <a14:hiddenLine xmlns:a14="http://schemas.microsoft.com/office/drawing/2010/main" xmlns="" w="9525">
                 <a:solidFill>
                   <a:srgbClr val="000000"/>
                 </a:solidFill>
@@ -23737,172 +24651,20 @@
               <a:buChar char="q"/>
             </a:pPr>
             <a:r>
+              <a:rPr kumimoji="1" lang="en-US" sz="2800" b="1" dirty="0">
+                <a:latin typeface="Tahoma" panose="020B0604030504040204" pitchFamily="34" charset="0"/>
+                <a:ea typeface="Tahoma" panose="020B0604030504040204" pitchFamily="34" charset="0"/>
+                <a:cs typeface="Tahoma" panose="020B0604030504040204" pitchFamily="34" charset="0"/>
+              </a:rPr>
+              <a:t>Constrained type variables </a:t>
+            </a:r>
+            <a:r>
               <a:rPr kumimoji="1" lang="en-US" sz="2800" dirty="0">
                 <a:latin typeface="Tahoma" panose="020B0604030504040204" pitchFamily="34" charset="0"/>
                 <a:ea typeface="Tahoma" panose="020B0604030504040204" pitchFamily="34" charset="0"/>
                 <a:cs typeface="Tahoma" panose="020B0604030504040204" pitchFamily="34" charset="0"/>
               </a:rPr>
-              <a:t>Constrained type variables can be instantiated to any types that satisfy the constraints:</a:t>
-            </a:r>
-          </a:p>
-        </p:txBody>
-      </p:sp>
-      <p:sp>
-        <p:nvSpPr>
-          <p:cNvPr id="37891" name="Text Box 3"/>
-          <p:cNvSpPr txBox="1">
-            <a:spLocks noChangeArrowheads="1"/>
-          </p:cNvSpPr>
-          <p:nvPr/>
-        </p:nvSpPr>
-        <p:spPr bwMode="auto">
-          <a:xfrm>
-            <a:off x="369888" y="422275"/>
-            <a:ext cx="1047750" cy="519113"/>
-          </a:xfrm>
-          <a:prstGeom prst="rect">
-            <a:avLst/>
-          </a:prstGeom>
-          <a:noFill/>
-          <a:ln>
-            <a:noFill/>
-          </a:ln>
-          <a:extLst>
-            <a:ext uri="{909E8E84-426E-40dd-AFC4-6F175D3DCCD1}">
-              <a14:hiddenFill xmlns="" xmlns:a14="http://schemas.microsoft.com/office/drawing/2010/main">
-                <a:solidFill>
-                  <a:srgbClr val="FFFFFF"/>
-                </a:solidFill>
-              </a14:hiddenFill>
-            </a:ext>
-            <a:ext uri="{91240B29-F687-4f45-9708-019B960494DF}">
-              <a14:hiddenLine xmlns="" xmlns:a14="http://schemas.microsoft.com/office/drawing/2010/main" w="12700" cap="sq">
-                <a:solidFill>
-                  <a:srgbClr val="000000"/>
-                </a:solidFill>
-                <a:miter lim="800000"/>
-                <a:headEnd/>
-                <a:tailEnd/>
-              </a14:hiddenLine>
-            </a:ext>
-          </a:extLst>
-        </p:spPr>
-        <p:txBody>
-          <a:bodyPr wrap="none" anchor="ctr">
-            <a:spAutoFit/>
-          </a:bodyPr>
-          <a:lstStyle>
-            <a:lvl1pPr>
-              <a:defRPr sz="2800">
-                <a:solidFill>
-                  <a:schemeClr val="tx1"/>
-                </a:solidFill>
-                <a:latin typeface="Tahoma" charset="0"/>
-                <a:ea typeface="ＭＳ Ｐゴシック" charset="0"/>
-                <a:cs typeface="ＭＳ Ｐゴシック" charset="0"/>
-              </a:defRPr>
-            </a:lvl1pPr>
-            <a:lvl2pPr marL="742950" indent="-285750">
-              <a:defRPr sz="2800">
-                <a:solidFill>
-                  <a:schemeClr val="tx1"/>
-                </a:solidFill>
-                <a:latin typeface="Tahoma" charset="0"/>
-                <a:ea typeface="ＭＳ Ｐゴシック" charset="0"/>
-              </a:defRPr>
-            </a:lvl2pPr>
-            <a:lvl3pPr marL="1143000" indent="-228600">
-              <a:defRPr sz="2800">
-                <a:solidFill>
-                  <a:schemeClr val="tx1"/>
-                </a:solidFill>
-                <a:latin typeface="Tahoma" charset="0"/>
-                <a:ea typeface="ＭＳ Ｐゴシック" charset="0"/>
-              </a:defRPr>
-            </a:lvl3pPr>
-            <a:lvl4pPr marL="1600200" indent="-228600">
-              <a:defRPr sz="2800">
-                <a:solidFill>
-                  <a:schemeClr val="tx1"/>
-                </a:solidFill>
-                <a:latin typeface="Tahoma" charset="0"/>
-                <a:ea typeface="ＭＳ Ｐゴシック" charset="0"/>
-              </a:defRPr>
-            </a:lvl4pPr>
-            <a:lvl5pPr marL="2057400" indent="-228600">
-              <a:defRPr sz="2800">
-                <a:solidFill>
-                  <a:schemeClr val="tx1"/>
-                </a:solidFill>
-                <a:latin typeface="Tahoma" charset="0"/>
-                <a:ea typeface="ＭＳ Ｐゴシック" charset="0"/>
-              </a:defRPr>
-            </a:lvl5pPr>
-            <a:lvl6pPr marL="2514600" indent="-228600" eaLnBrk="0" fontAlgn="base" hangingPunct="0">
-              <a:spcBef>
-                <a:spcPct val="0"/>
-              </a:spcBef>
-              <a:spcAft>
-                <a:spcPct val="0"/>
-              </a:spcAft>
-              <a:defRPr sz="2800">
-                <a:solidFill>
-                  <a:schemeClr val="tx1"/>
-                </a:solidFill>
-                <a:latin typeface="Tahoma" charset="0"/>
-                <a:ea typeface="ＭＳ Ｐゴシック" charset="0"/>
-              </a:defRPr>
-            </a:lvl6pPr>
-            <a:lvl7pPr marL="2971800" indent="-228600" eaLnBrk="0" fontAlgn="base" hangingPunct="0">
-              <a:spcBef>
-                <a:spcPct val="0"/>
-              </a:spcBef>
-              <a:spcAft>
-                <a:spcPct val="0"/>
-              </a:spcAft>
-              <a:defRPr sz="2800">
-                <a:solidFill>
-                  <a:schemeClr val="tx1"/>
-                </a:solidFill>
-                <a:latin typeface="Tahoma" charset="0"/>
-                <a:ea typeface="ＭＳ Ｐゴシック" charset="0"/>
-              </a:defRPr>
-            </a:lvl7pPr>
-            <a:lvl8pPr marL="3429000" indent="-228600" eaLnBrk="0" fontAlgn="base" hangingPunct="0">
-              <a:spcBef>
-                <a:spcPct val="0"/>
-              </a:spcBef>
-              <a:spcAft>
-                <a:spcPct val="0"/>
-              </a:spcAft>
-              <a:defRPr sz="2800">
-                <a:solidFill>
-                  <a:schemeClr val="tx1"/>
-                </a:solidFill>
-                <a:latin typeface="Tahoma" charset="0"/>
-                <a:ea typeface="ＭＳ Ｐゴシック" charset="0"/>
-              </a:defRPr>
-            </a:lvl8pPr>
-            <a:lvl9pPr marL="3886200" indent="-228600" eaLnBrk="0" fontAlgn="base" hangingPunct="0">
-              <a:spcBef>
-                <a:spcPct val="0"/>
-              </a:spcBef>
-              <a:spcAft>
-                <a:spcPct val="0"/>
-              </a:spcAft>
-              <a:defRPr sz="2800">
-                <a:solidFill>
-                  <a:schemeClr val="tx1"/>
-                </a:solidFill>
-                <a:latin typeface="Tahoma" charset="0"/>
-                <a:ea typeface="ＭＳ Ｐゴシック" charset="0"/>
-              </a:defRPr>
-            </a:lvl9pPr>
-          </a:lstStyle>
-          <a:p>
-            <a:r>
-              <a:rPr lang="en-US"/>
-              <a:t>Note:</a:t>
+              <a:t>can be instantiated to any types that satisfy the constraints:</a:t>
             </a:r>
           </a:p>
         </p:txBody>
@@ -23917,7 +24679,7 @@
         </p:nvSpPr>
         <p:spPr bwMode="auto">
           <a:xfrm>
-            <a:off x="1685925" y="2897188"/>
+            <a:off x="1581150" y="3406775"/>
             <a:ext cx="2292350" cy="3336925"/>
           </a:xfrm>
           <a:prstGeom prst="rect">
@@ -23931,7 +24693,7 @@
           </a:ln>
           <a:extLst>
             <a:ext uri="{91240B29-F687-4f45-9708-019B960494DF}">
-              <a14:hiddenLine xmlns="" xmlns:a14="http://schemas.microsoft.com/office/drawing/2010/main" w="12700" cap="sq">
+              <a14:hiddenLine xmlns:a14="http://schemas.microsoft.com/office/drawing/2010/main" xmlns="" w="12700" cap="sq">
                 <a:solidFill>
                   <a:srgbClr val="000000"/>
                 </a:solidFill>
@@ -24061,7 +24823,7 @@
               </a:lnSpc>
             </a:pPr>
             <a:r>
-              <a:rPr lang="en-US" sz="2400">
+              <a:rPr lang="en-US" sz="2400" dirty="0">
                 <a:latin typeface="Lucida Sans Typewriter" charset="0"/>
               </a:rPr>
               <a:t>&gt; 1 + 2</a:t>
@@ -24074,7 +24836,7 @@
               </a:lnSpc>
             </a:pPr>
             <a:r>
-              <a:rPr lang="en-US" sz="2400">
+              <a:rPr lang="en-US" sz="2400" dirty="0">
                 <a:latin typeface="Lucida Sans Typewriter" charset="0"/>
               </a:rPr>
               <a:t>3</a:t>
@@ -24086,7 +24848,7 @@
                 <a:spcPct val="110000"/>
               </a:lnSpc>
             </a:pPr>
-            <a:endParaRPr lang="en-US" sz="2400">
+            <a:endParaRPr lang="en-US" sz="2400" dirty="0">
               <a:latin typeface="Lucida Sans Typewriter" charset="0"/>
             </a:endParaRPr>
           </a:p>
@@ -24097,7 +24859,7 @@
               </a:lnSpc>
             </a:pPr>
             <a:r>
-              <a:rPr lang="en-US" sz="2400">
+              <a:rPr lang="en-US" sz="2400" dirty="0">
                 <a:latin typeface="Lucida Sans Typewriter" charset="0"/>
               </a:rPr>
               <a:t>&gt; 1.0 + 2.0</a:t>
@@ -24110,7 +24872,7 @@
               </a:lnSpc>
             </a:pPr>
             <a:r>
-              <a:rPr lang="en-US" sz="2400">
+              <a:rPr lang="en-US" sz="2400" dirty="0">
                 <a:latin typeface="Lucida Sans Typewriter" charset="0"/>
               </a:rPr>
               <a:t>3.0</a:t>
@@ -24122,7 +24884,7 @@
                 <a:spcPct val="110000"/>
               </a:lnSpc>
             </a:pPr>
-            <a:endParaRPr lang="en-US" sz="2400">
+            <a:endParaRPr lang="en-US" sz="2400" dirty="0">
               <a:latin typeface="Lucida Sans Typewriter" charset="0"/>
             </a:endParaRPr>
           </a:p>
@@ -24133,7 +24895,7 @@
               </a:lnSpc>
             </a:pPr>
             <a:r>
-              <a:rPr lang="en-US" sz="2400">
+              <a:rPr lang="en-US" sz="2400" dirty="0">
                 <a:latin typeface="Lucida Sans Typewriter" charset="0"/>
               </a:rPr>
               <a:t>&gt; </a:t>
@@ -24145,7 +24907,7 @@
               <a:t>’</a:t>
             </a:r>
             <a:r>
-              <a:rPr lang="en-US" altLang="ja-JP" sz="2400">
+              <a:rPr lang="en-US" altLang="ja-JP" sz="2400" dirty="0">
                 <a:latin typeface="Lucida Sans Typewriter" charset="0"/>
               </a:rPr>
               <a:t>a</a:t>
@@ -24157,7 +24919,7 @@
               <a:t>’</a:t>
             </a:r>
             <a:r>
-              <a:rPr lang="en-US" altLang="ja-JP" sz="2400">
+              <a:rPr lang="en-US" altLang="ja-JP" sz="2400" dirty="0">
                 <a:latin typeface="Lucida Sans Typewriter" charset="0"/>
               </a:rPr>
               <a:t> + </a:t>
@@ -24169,7 +24931,7 @@
               <a:t>’</a:t>
             </a:r>
             <a:r>
-              <a:rPr lang="en-US" altLang="ja-JP" sz="2400">
+              <a:rPr lang="en-US" altLang="ja-JP" sz="2400" dirty="0">
                 <a:latin typeface="Lucida Sans Typewriter" charset="0"/>
               </a:rPr>
               <a:t>b</a:t>
@@ -24180,7 +24942,7 @@
               </a:rPr>
               <a:t>’</a:t>
             </a:r>
-            <a:endParaRPr lang="en-US" altLang="ja-JP" sz="2400">
+            <a:endParaRPr lang="en-US" altLang="ja-JP" sz="2400" dirty="0">
               <a:latin typeface="Lucida Sans Typewriter" charset="0"/>
             </a:endParaRPr>
           </a:p>
@@ -24191,7 +24953,7 @@
               </a:lnSpc>
             </a:pPr>
             <a:r>
-              <a:rPr lang="en-US" sz="2400">
+              <a:rPr lang="en-US" sz="2400" dirty="0">
                 <a:latin typeface="Lucida Sans Typewriter" charset="0"/>
               </a:rPr>
               <a:t>ERROR</a:t>
@@ -24209,7 +24971,7 @@
         </p:nvSpPr>
         <p:spPr bwMode="auto">
           <a:xfrm>
-            <a:off x="5167313" y="5319713"/>
+            <a:off x="5062538" y="5829300"/>
             <a:ext cx="2530475" cy="1028700"/>
           </a:xfrm>
           <a:prstGeom prst="wedgeRoundRectCallout">
@@ -24232,7 +24994,7 @@
           </a:ln>
           <a:extLst>
             <a:ext uri="{909E8E84-426E-40dd-AFC4-6F175D3DCCD1}">
-              <a14:hiddenFill xmlns="" xmlns:a14="http://schemas.microsoft.com/office/drawing/2010/main">
+              <a14:hiddenFill xmlns:a14="http://schemas.microsoft.com/office/drawing/2010/main" xmlns="">
                 <a:solidFill>
                   <a:srgbClr val="FFFFFF"/>
                 </a:solidFill>
@@ -24264,7 +25026,7 @@
         </p:nvSpPr>
         <p:spPr bwMode="auto">
           <a:xfrm>
-            <a:off x="5545138" y="3040063"/>
+            <a:off x="5440363" y="3549650"/>
             <a:ext cx="1774825" cy="566737"/>
           </a:xfrm>
           <a:prstGeom prst="wedgeRoundRectCallout">
@@ -24287,7 +25049,7 @@
           </a:ln>
           <a:extLst>
             <a:ext uri="{909E8E84-426E-40dd-AFC4-6F175D3DCCD1}">
-              <a14:hiddenFill xmlns="" xmlns:a14="http://schemas.microsoft.com/office/drawing/2010/main">
+              <a14:hiddenFill xmlns:a14="http://schemas.microsoft.com/office/drawing/2010/main" xmlns="">
                 <a:solidFill>
                   <a:srgbClr val="FFFFFF"/>
                 </a:solidFill>
@@ -24324,7 +25086,7 @@
         </p:nvSpPr>
         <p:spPr bwMode="auto">
           <a:xfrm>
-            <a:off x="5537200" y="4248150"/>
+            <a:off x="5432425" y="4757737"/>
             <a:ext cx="1774825" cy="566738"/>
           </a:xfrm>
           <a:prstGeom prst="wedgeRoundRectCallout">
@@ -24347,7 +25109,7 @@
           </a:ln>
           <a:extLst>
             <a:ext uri="{909E8E84-426E-40dd-AFC4-6F175D3DCCD1}">
-              <a14:hiddenFill xmlns="" xmlns:a14="http://schemas.microsoft.com/office/drawing/2010/main">
+              <a14:hiddenFill xmlns:a14="http://schemas.microsoft.com/office/drawing/2010/main" xmlns="">
                 <a:solidFill>
                   <a:srgbClr val="FFFFFF"/>
                 </a:solidFill>
@@ -24374,6 +25136,406 @@
   <p:clrMapOvr>
     <a:masterClrMapping/>
   </p:clrMapOvr>
+  <p:timing>
+    <p:tnLst>
+      <p:par>
+        <p:cTn id="1" dur="indefinite" restart="never" nodeType="tmRoot">
+          <p:childTnLst>
+            <p:seq concurrent="1" nextAc="seek">
+              <p:cTn id="2" dur="indefinite" nodeType="mainSeq">
+                <p:childTnLst>
+                  <p:par>
+                    <p:cTn id="3" fill="hold">
+                      <p:stCondLst>
+                        <p:cond delay="indefinite"/>
+                      </p:stCondLst>
+                      <p:childTnLst>
+                        <p:par>
+                          <p:cTn id="4" fill="hold">
+                            <p:stCondLst>
+                              <p:cond delay="0"/>
+                            </p:stCondLst>
+                            <p:childTnLst>
+                              <p:par>
+                                <p:cTn id="5" presetID="2" presetClass="entr" presetSubtype="4" fill="hold" grpId="0" nodeType="clickEffect">
+                                  <p:stCondLst>
+                                    <p:cond delay="0"/>
+                                  </p:stCondLst>
+                                  <p:childTnLst>
+                                    <p:set>
+                                      <p:cBhvr>
+                                        <p:cTn id="6" dur="1" fill="hold">
+                                          <p:stCondLst>
+                                            <p:cond delay="0"/>
+                                          </p:stCondLst>
+                                        </p:cTn>
+                                        <p:tgtEl>
+                                          <p:spTgt spid="37892"/>
+                                        </p:tgtEl>
+                                        <p:attrNameLst>
+                                          <p:attrName>style.visibility</p:attrName>
+                                        </p:attrNameLst>
+                                      </p:cBhvr>
+                                      <p:to>
+                                        <p:strVal val="visible"/>
+                                      </p:to>
+                                    </p:set>
+                                    <p:anim calcmode="lin" valueType="num">
+                                      <p:cBhvr additive="base">
+                                        <p:cTn id="7" dur="500" fill="hold"/>
+                                        <p:tgtEl>
+                                          <p:spTgt spid="37892"/>
+                                        </p:tgtEl>
+                                        <p:attrNameLst>
+                                          <p:attrName>ppt_x</p:attrName>
+                                        </p:attrNameLst>
+                                      </p:cBhvr>
+                                      <p:tavLst>
+                                        <p:tav tm="0">
+                                          <p:val>
+                                            <p:strVal val="#ppt_x"/>
+                                          </p:val>
+                                        </p:tav>
+                                        <p:tav tm="100000">
+                                          <p:val>
+                                            <p:strVal val="#ppt_x"/>
+                                          </p:val>
+                                        </p:tav>
+                                      </p:tavLst>
+                                    </p:anim>
+                                    <p:anim calcmode="lin" valueType="num">
+                                      <p:cBhvr additive="base">
+                                        <p:cTn id="8" dur="500" fill="hold"/>
+                                        <p:tgtEl>
+                                          <p:spTgt spid="37892"/>
+                                        </p:tgtEl>
+                                        <p:attrNameLst>
+                                          <p:attrName>ppt_y</p:attrName>
+                                        </p:attrNameLst>
+                                      </p:cBhvr>
+                                      <p:tavLst>
+                                        <p:tav tm="0">
+                                          <p:val>
+                                            <p:strVal val="1+#ppt_h/2"/>
+                                          </p:val>
+                                        </p:tav>
+                                        <p:tav tm="100000">
+                                          <p:val>
+                                            <p:strVal val="#ppt_y"/>
+                                          </p:val>
+                                        </p:tav>
+                                      </p:tavLst>
+                                    </p:anim>
+                                  </p:childTnLst>
+                                </p:cTn>
+                              </p:par>
+                            </p:childTnLst>
+                          </p:cTn>
+                        </p:par>
+                      </p:childTnLst>
+                    </p:cTn>
+                  </p:par>
+                  <p:par>
+                    <p:cTn id="9" fill="hold">
+                      <p:stCondLst>
+                        <p:cond delay="indefinite"/>
+                      </p:stCondLst>
+                      <p:childTnLst>
+                        <p:par>
+                          <p:cTn id="10" fill="hold">
+                            <p:stCondLst>
+                              <p:cond delay="0"/>
+                            </p:stCondLst>
+                            <p:childTnLst>
+                              <p:par>
+                                <p:cTn id="11" presetID="2" presetClass="entr" presetSubtype="4" fill="hold" grpId="0" nodeType="clickEffect">
+                                  <p:stCondLst>
+                                    <p:cond delay="0"/>
+                                  </p:stCondLst>
+                                  <p:childTnLst>
+                                    <p:set>
+                                      <p:cBhvr>
+                                        <p:cTn id="12" dur="1" fill="hold">
+                                          <p:stCondLst>
+                                            <p:cond delay="0"/>
+                                          </p:stCondLst>
+                                        </p:cTn>
+                                        <p:tgtEl>
+                                          <p:spTgt spid="37894"/>
+                                        </p:tgtEl>
+                                        <p:attrNameLst>
+                                          <p:attrName>style.visibility</p:attrName>
+                                        </p:attrNameLst>
+                                      </p:cBhvr>
+                                      <p:to>
+                                        <p:strVal val="visible"/>
+                                      </p:to>
+                                    </p:set>
+                                    <p:anim calcmode="lin" valueType="num">
+                                      <p:cBhvr additive="base">
+                                        <p:cTn id="13" dur="500" fill="hold"/>
+                                        <p:tgtEl>
+                                          <p:spTgt spid="37894"/>
+                                        </p:tgtEl>
+                                        <p:attrNameLst>
+                                          <p:attrName>ppt_x</p:attrName>
+                                        </p:attrNameLst>
+                                      </p:cBhvr>
+                                      <p:tavLst>
+                                        <p:tav tm="0">
+                                          <p:val>
+                                            <p:strVal val="#ppt_x"/>
+                                          </p:val>
+                                        </p:tav>
+                                        <p:tav tm="100000">
+                                          <p:val>
+                                            <p:strVal val="#ppt_x"/>
+                                          </p:val>
+                                        </p:tav>
+                                      </p:tavLst>
+                                    </p:anim>
+                                    <p:anim calcmode="lin" valueType="num">
+                                      <p:cBhvr additive="base">
+                                        <p:cTn id="14" dur="500" fill="hold"/>
+                                        <p:tgtEl>
+                                          <p:spTgt spid="37894"/>
+                                        </p:tgtEl>
+                                        <p:attrNameLst>
+                                          <p:attrName>ppt_y</p:attrName>
+                                        </p:attrNameLst>
+                                      </p:cBhvr>
+                                      <p:tavLst>
+                                        <p:tav tm="0">
+                                          <p:val>
+                                            <p:strVal val="1+#ppt_h/2"/>
+                                          </p:val>
+                                        </p:tav>
+                                        <p:tav tm="100000">
+                                          <p:val>
+                                            <p:strVal val="#ppt_y"/>
+                                          </p:val>
+                                        </p:tav>
+                                      </p:tavLst>
+                                    </p:anim>
+                                  </p:childTnLst>
+                                </p:cTn>
+                              </p:par>
+                            </p:childTnLst>
+                          </p:cTn>
+                        </p:par>
+                      </p:childTnLst>
+                    </p:cTn>
+                  </p:par>
+                  <p:par>
+                    <p:cTn id="15" fill="hold">
+                      <p:stCondLst>
+                        <p:cond delay="indefinite"/>
+                      </p:stCondLst>
+                      <p:childTnLst>
+                        <p:par>
+                          <p:cTn id="16" fill="hold">
+                            <p:stCondLst>
+                              <p:cond delay="0"/>
+                            </p:stCondLst>
+                            <p:childTnLst>
+                              <p:par>
+                                <p:cTn id="17" presetID="2" presetClass="entr" presetSubtype="4" fill="hold" grpId="0" nodeType="clickEffect">
+                                  <p:stCondLst>
+                                    <p:cond delay="0"/>
+                                  </p:stCondLst>
+                                  <p:childTnLst>
+                                    <p:set>
+                                      <p:cBhvr>
+                                        <p:cTn id="18" dur="1" fill="hold">
+                                          <p:stCondLst>
+                                            <p:cond delay="0"/>
+                                          </p:stCondLst>
+                                        </p:cTn>
+                                        <p:tgtEl>
+                                          <p:spTgt spid="37895"/>
+                                        </p:tgtEl>
+                                        <p:attrNameLst>
+                                          <p:attrName>style.visibility</p:attrName>
+                                        </p:attrNameLst>
+                                      </p:cBhvr>
+                                      <p:to>
+                                        <p:strVal val="visible"/>
+                                      </p:to>
+                                    </p:set>
+                                    <p:anim calcmode="lin" valueType="num">
+                                      <p:cBhvr additive="base">
+                                        <p:cTn id="19" dur="500" fill="hold"/>
+                                        <p:tgtEl>
+                                          <p:spTgt spid="37895"/>
+                                        </p:tgtEl>
+                                        <p:attrNameLst>
+                                          <p:attrName>ppt_x</p:attrName>
+                                        </p:attrNameLst>
+                                      </p:cBhvr>
+                                      <p:tavLst>
+                                        <p:tav tm="0">
+                                          <p:val>
+                                            <p:strVal val="#ppt_x"/>
+                                          </p:val>
+                                        </p:tav>
+                                        <p:tav tm="100000">
+                                          <p:val>
+                                            <p:strVal val="#ppt_x"/>
+                                          </p:val>
+                                        </p:tav>
+                                      </p:tavLst>
+                                    </p:anim>
+                                    <p:anim calcmode="lin" valueType="num">
+                                      <p:cBhvr additive="base">
+                                        <p:cTn id="20" dur="500" fill="hold"/>
+                                        <p:tgtEl>
+                                          <p:spTgt spid="37895"/>
+                                        </p:tgtEl>
+                                        <p:attrNameLst>
+                                          <p:attrName>ppt_y</p:attrName>
+                                        </p:attrNameLst>
+                                      </p:cBhvr>
+                                      <p:tavLst>
+                                        <p:tav tm="0">
+                                          <p:val>
+                                            <p:strVal val="1+#ppt_h/2"/>
+                                          </p:val>
+                                        </p:tav>
+                                        <p:tav tm="100000">
+                                          <p:val>
+                                            <p:strVal val="#ppt_y"/>
+                                          </p:val>
+                                        </p:tav>
+                                      </p:tavLst>
+                                    </p:anim>
+                                  </p:childTnLst>
+                                </p:cTn>
+                              </p:par>
+                            </p:childTnLst>
+                          </p:cTn>
+                        </p:par>
+                      </p:childTnLst>
+                    </p:cTn>
+                  </p:par>
+                  <p:par>
+                    <p:cTn id="21" fill="hold">
+                      <p:stCondLst>
+                        <p:cond delay="indefinite"/>
+                      </p:stCondLst>
+                      <p:childTnLst>
+                        <p:par>
+                          <p:cTn id="22" fill="hold">
+                            <p:stCondLst>
+                              <p:cond delay="0"/>
+                            </p:stCondLst>
+                            <p:childTnLst>
+                              <p:par>
+                                <p:cTn id="23" presetID="2" presetClass="entr" presetSubtype="4" fill="hold" grpId="0" nodeType="clickEffect">
+                                  <p:stCondLst>
+                                    <p:cond delay="0"/>
+                                  </p:stCondLst>
+                                  <p:childTnLst>
+                                    <p:set>
+                                      <p:cBhvr>
+                                        <p:cTn id="24" dur="1" fill="hold">
+                                          <p:stCondLst>
+                                            <p:cond delay="0"/>
+                                          </p:stCondLst>
+                                        </p:cTn>
+                                        <p:tgtEl>
+                                          <p:spTgt spid="37893"/>
+                                        </p:tgtEl>
+                                        <p:attrNameLst>
+                                          <p:attrName>style.visibility</p:attrName>
+                                        </p:attrNameLst>
+                                      </p:cBhvr>
+                                      <p:to>
+                                        <p:strVal val="visible"/>
+                                      </p:to>
+                                    </p:set>
+                                    <p:anim calcmode="lin" valueType="num">
+                                      <p:cBhvr additive="base">
+                                        <p:cTn id="25" dur="500" fill="hold"/>
+                                        <p:tgtEl>
+                                          <p:spTgt spid="37893"/>
+                                        </p:tgtEl>
+                                        <p:attrNameLst>
+                                          <p:attrName>ppt_x</p:attrName>
+                                        </p:attrNameLst>
+                                      </p:cBhvr>
+                                      <p:tavLst>
+                                        <p:tav tm="0">
+                                          <p:val>
+                                            <p:strVal val="#ppt_x"/>
+                                          </p:val>
+                                        </p:tav>
+                                        <p:tav tm="100000">
+                                          <p:val>
+                                            <p:strVal val="#ppt_x"/>
+                                          </p:val>
+                                        </p:tav>
+                                      </p:tavLst>
+                                    </p:anim>
+                                    <p:anim calcmode="lin" valueType="num">
+                                      <p:cBhvr additive="base">
+                                        <p:cTn id="26" dur="500" fill="hold"/>
+                                        <p:tgtEl>
+                                          <p:spTgt spid="37893"/>
+                                        </p:tgtEl>
+                                        <p:attrNameLst>
+                                          <p:attrName>ppt_y</p:attrName>
+                                        </p:attrNameLst>
+                                      </p:cBhvr>
+                                      <p:tavLst>
+                                        <p:tav tm="0">
+                                          <p:val>
+                                            <p:strVal val="1+#ppt_h/2"/>
+                                          </p:val>
+                                        </p:tav>
+                                        <p:tav tm="100000">
+                                          <p:val>
+                                            <p:strVal val="#ppt_y"/>
+                                          </p:val>
+                                        </p:tav>
+                                      </p:tavLst>
+                                    </p:anim>
+                                  </p:childTnLst>
+                                </p:cTn>
+                              </p:par>
+                            </p:childTnLst>
+                          </p:cTn>
+                        </p:par>
+                      </p:childTnLst>
+                    </p:cTn>
+                  </p:par>
+                </p:childTnLst>
+              </p:cTn>
+              <p:prevCondLst>
+                <p:cond evt="onPrev" delay="0">
+                  <p:tgtEl>
+                    <p:sldTgt/>
+                  </p:tgtEl>
+                </p:cond>
+              </p:prevCondLst>
+              <p:nextCondLst>
+                <p:cond evt="onNext" delay="0">
+                  <p:tgtEl>
+                    <p:sldTgt/>
+                  </p:tgtEl>
+                </p:cond>
+              </p:nextCondLst>
+            </p:seq>
+          </p:childTnLst>
+        </p:cTn>
+      </p:par>
+    </p:tnLst>
+    <p:bldLst>
+      <p:bldP spid="37892" grpId="0" animBg="1"/>
+      <p:bldP spid="37893" grpId="0" animBg="1"/>
+      <p:bldP spid="37894" grpId="0" animBg="1"/>
+      <p:bldP spid="37895" grpId="0" animBg="1"/>
+    </p:bldLst>
+  </p:timing>
 </p:sld>
 </file>
 
@@ -24487,7 +25649,7 @@
           </a:ln>
           <a:extLst>
             <a:ext uri="{91240B29-F687-4f45-9708-019B960494DF}">
-              <a14:hiddenLine xmlns="" xmlns:a14="http://schemas.microsoft.com/office/drawing/2010/main" w="12700" cap="sq">
+              <a14:hiddenLine xmlns:a14="http://schemas.microsoft.com/office/drawing/2010/main" xmlns="" w="12700" cap="sq">
                 <a:solidFill>
                   <a:srgbClr val="000000"/>
                 </a:solidFill>
@@ -24649,14 +25811,14 @@
           </a:ln>
           <a:extLst>
             <a:ext uri="{909E8E84-426E-40dd-AFC4-6F175D3DCCD1}">
-              <a14:hiddenFill xmlns="" xmlns:a14="http://schemas.microsoft.com/office/drawing/2010/main">
+              <a14:hiddenFill xmlns:a14="http://schemas.microsoft.com/office/drawing/2010/main" xmlns="">
                 <a:solidFill>
                   <a:srgbClr val="FFFFFF"/>
                 </a:solidFill>
               </a14:hiddenFill>
             </a:ext>
             <a:ext uri="{91240B29-F687-4f45-9708-019B960494DF}">
-              <a14:hiddenLine xmlns="" xmlns:a14="http://schemas.microsoft.com/office/drawing/2010/main" w="12700" cap="sq">
+              <a14:hiddenLine xmlns:a14="http://schemas.microsoft.com/office/drawing/2010/main" xmlns="" w="12700" cap="sq">
                 <a:solidFill>
                   <a:srgbClr val="000000"/>
                 </a:solidFill>
@@ -24781,7 +25943,7 @@
           </a:lstStyle>
           <a:p>
             <a:r>
-              <a:rPr lang="en-US"/>
+              <a:rPr lang="en-US" dirty="0"/>
               <a:t>-  Numeric types</a:t>
             </a:r>
           </a:p>
@@ -24817,7 +25979,7 @@
           </a:ln>
           <a:extLst>
             <a:ext uri="{91240B29-F687-4f45-9708-019B960494DF}">
-              <a14:hiddenLine xmlns="" xmlns:a14="http://schemas.microsoft.com/office/drawing/2010/main" w="12700" cap="sq">
+              <a14:hiddenLine xmlns:a14="http://schemas.microsoft.com/office/drawing/2010/main" xmlns="" w="12700" cap="sq">
                 <a:solidFill>
                   <a:srgbClr val="000000"/>
                 </a:solidFill>
@@ -24943,7 +26105,7 @@
           <a:p>
             <a:pPr algn="ctr"/>
             <a:r>
-              <a:rPr lang="en-US" sz="2400">
+              <a:rPr lang="en-US" sz="2400" dirty="0">
                 <a:latin typeface="Lucida Sans Typewriter" charset="0"/>
               </a:rPr>
               <a:t>Eq</a:t>
@@ -24979,14 +26141,14 @@
           </a:ln>
           <a:extLst>
             <a:ext uri="{909E8E84-426E-40dd-AFC4-6F175D3DCCD1}">
-              <a14:hiddenFill xmlns="" xmlns:a14="http://schemas.microsoft.com/office/drawing/2010/main">
+              <a14:hiddenFill xmlns:a14="http://schemas.microsoft.com/office/drawing/2010/main" xmlns="">
                 <a:solidFill>
                   <a:srgbClr val="FFFFFF"/>
                 </a:solidFill>
               </a14:hiddenFill>
             </a:ext>
             <a:ext uri="{91240B29-F687-4f45-9708-019B960494DF}">
-              <a14:hiddenLine xmlns="" xmlns:a14="http://schemas.microsoft.com/office/drawing/2010/main" w="12700" cap="sq">
+              <a14:hiddenLine xmlns:a14="http://schemas.microsoft.com/office/drawing/2010/main" xmlns="" w="12700" cap="sq">
                 <a:solidFill>
                   <a:srgbClr val="000000"/>
                 </a:solidFill>
@@ -25147,7 +26309,7 @@
           </a:ln>
           <a:extLst>
             <a:ext uri="{91240B29-F687-4f45-9708-019B960494DF}">
-              <a14:hiddenLine xmlns="" xmlns:a14="http://schemas.microsoft.com/office/drawing/2010/main" w="12700" cap="sq">
+              <a14:hiddenLine xmlns:a14="http://schemas.microsoft.com/office/drawing/2010/main" xmlns="" w="12700" cap="sq">
                 <a:solidFill>
                   <a:srgbClr val="000000"/>
                 </a:solidFill>
@@ -25309,14 +26471,14 @@
           </a:ln>
           <a:extLst>
             <a:ext uri="{909E8E84-426E-40dd-AFC4-6F175D3DCCD1}">
-              <a14:hiddenFill xmlns="" xmlns:a14="http://schemas.microsoft.com/office/drawing/2010/main">
+              <a14:hiddenFill xmlns:a14="http://schemas.microsoft.com/office/drawing/2010/main" xmlns="">
                 <a:solidFill>
                   <a:srgbClr val="FFFFFF"/>
                 </a:solidFill>
               </a14:hiddenFill>
             </a:ext>
             <a:ext uri="{91240B29-F687-4f45-9708-019B960494DF}">
-              <a14:hiddenLine xmlns="" xmlns:a14="http://schemas.microsoft.com/office/drawing/2010/main" w="12700" cap="sq">
+              <a14:hiddenLine xmlns:a14="http://schemas.microsoft.com/office/drawing/2010/main" xmlns="" w="12700" cap="sq">
                 <a:solidFill>
                   <a:srgbClr val="000000"/>
                 </a:solidFill>
@@ -25499,6 +26661,536 @@
   <p:clrMapOvr>
     <a:masterClrMapping/>
   </p:clrMapOvr>
+  <p:timing>
+    <p:tnLst>
+      <p:par>
+        <p:cTn id="1" dur="indefinite" restart="never" nodeType="tmRoot">
+          <p:childTnLst>
+            <p:seq concurrent="1" nextAc="seek">
+              <p:cTn id="2" dur="indefinite" nodeType="mainSeq">
+                <p:childTnLst>
+                  <p:par>
+                    <p:cTn id="3" fill="hold">
+                      <p:stCondLst>
+                        <p:cond delay="indefinite"/>
+                      </p:stCondLst>
+                      <p:childTnLst>
+                        <p:par>
+                          <p:cTn id="4" fill="hold">
+                            <p:stCondLst>
+                              <p:cond delay="0"/>
+                            </p:stCondLst>
+                            <p:childTnLst>
+                              <p:par>
+                                <p:cTn id="5" presetID="2" presetClass="entr" presetSubtype="4" fill="hold" grpId="0" nodeType="clickEffect">
+                                  <p:stCondLst>
+                                    <p:cond delay="0"/>
+                                  </p:stCondLst>
+                                  <p:childTnLst>
+                                    <p:set>
+                                      <p:cBhvr>
+                                        <p:cTn id="6" dur="1" fill="hold">
+                                          <p:stCondLst>
+                                            <p:cond delay="0"/>
+                                          </p:stCondLst>
+                                        </p:cTn>
+                                        <p:tgtEl>
+                                          <p:spTgt spid="4"/>
+                                        </p:tgtEl>
+                                        <p:attrNameLst>
+                                          <p:attrName>style.visibility</p:attrName>
+                                        </p:attrNameLst>
+                                      </p:cBhvr>
+                                      <p:to>
+                                        <p:strVal val="visible"/>
+                                      </p:to>
+                                    </p:set>
+                                    <p:anim calcmode="lin" valueType="num">
+                                      <p:cBhvr additive="base">
+                                        <p:cTn id="7" dur="500" fill="hold"/>
+                                        <p:tgtEl>
+                                          <p:spTgt spid="4"/>
+                                        </p:tgtEl>
+                                        <p:attrNameLst>
+                                          <p:attrName>ppt_x</p:attrName>
+                                        </p:attrNameLst>
+                                      </p:cBhvr>
+                                      <p:tavLst>
+                                        <p:tav tm="0">
+                                          <p:val>
+                                            <p:strVal val="#ppt_x"/>
+                                          </p:val>
+                                        </p:tav>
+                                        <p:tav tm="100000">
+                                          <p:val>
+                                            <p:strVal val="#ppt_x"/>
+                                          </p:val>
+                                        </p:tav>
+                                      </p:tavLst>
+                                    </p:anim>
+                                    <p:anim calcmode="lin" valueType="num">
+                                      <p:cBhvr additive="base">
+                                        <p:cTn id="8" dur="500" fill="hold"/>
+                                        <p:tgtEl>
+                                          <p:spTgt spid="4"/>
+                                        </p:tgtEl>
+                                        <p:attrNameLst>
+                                          <p:attrName>ppt_y</p:attrName>
+                                        </p:attrNameLst>
+                                      </p:cBhvr>
+                                      <p:tavLst>
+                                        <p:tav tm="0">
+                                          <p:val>
+                                            <p:strVal val="1+#ppt_h/2"/>
+                                          </p:val>
+                                        </p:tav>
+                                        <p:tav tm="100000">
+                                          <p:val>
+                                            <p:strVal val="#ppt_y"/>
+                                          </p:val>
+                                        </p:tav>
+                                      </p:tavLst>
+                                    </p:anim>
+                                  </p:childTnLst>
+                                </p:cTn>
+                              </p:par>
+                              <p:par>
+                                <p:cTn id="9" presetID="2" presetClass="entr" presetSubtype="4" fill="hold" grpId="0" nodeType="withEffect">
+                                  <p:stCondLst>
+                                    <p:cond delay="0"/>
+                                  </p:stCondLst>
+                                  <p:childTnLst>
+                                    <p:set>
+                                      <p:cBhvr>
+                                        <p:cTn id="10" dur="1" fill="hold">
+                                          <p:stCondLst>
+                                            <p:cond delay="0"/>
+                                          </p:stCondLst>
+                                        </p:cTn>
+                                        <p:tgtEl>
+                                          <p:spTgt spid="5"/>
+                                        </p:tgtEl>
+                                        <p:attrNameLst>
+                                          <p:attrName>style.visibility</p:attrName>
+                                        </p:attrNameLst>
+                                      </p:cBhvr>
+                                      <p:to>
+                                        <p:strVal val="visible"/>
+                                      </p:to>
+                                    </p:set>
+                                    <p:anim calcmode="lin" valueType="num">
+                                      <p:cBhvr additive="base">
+                                        <p:cTn id="11" dur="500" fill="hold"/>
+                                        <p:tgtEl>
+                                          <p:spTgt spid="5"/>
+                                        </p:tgtEl>
+                                        <p:attrNameLst>
+                                          <p:attrName>ppt_x</p:attrName>
+                                        </p:attrNameLst>
+                                      </p:cBhvr>
+                                      <p:tavLst>
+                                        <p:tav tm="0">
+                                          <p:val>
+                                            <p:strVal val="#ppt_x"/>
+                                          </p:val>
+                                        </p:tav>
+                                        <p:tav tm="100000">
+                                          <p:val>
+                                            <p:strVal val="#ppt_x"/>
+                                          </p:val>
+                                        </p:tav>
+                                      </p:tavLst>
+                                    </p:anim>
+                                    <p:anim calcmode="lin" valueType="num">
+                                      <p:cBhvr additive="base">
+                                        <p:cTn id="12" dur="500" fill="hold"/>
+                                        <p:tgtEl>
+                                          <p:spTgt spid="5"/>
+                                        </p:tgtEl>
+                                        <p:attrNameLst>
+                                          <p:attrName>ppt_y</p:attrName>
+                                        </p:attrNameLst>
+                                      </p:cBhvr>
+                                      <p:tavLst>
+                                        <p:tav tm="0">
+                                          <p:val>
+                                            <p:strVal val="1+#ppt_h/2"/>
+                                          </p:val>
+                                        </p:tav>
+                                        <p:tav tm="100000">
+                                          <p:val>
+                                            <p:strVal val="#ppt_y"/>
+                                          </p:val>
+                                        </p:tav>
+                                      </p:tavLst>
+                                    </p:anim>
+                                  </p:childTnLst>
+                                </p:cTn>
+                              </p:par>
+                            </p:childTnLst>
+                          </p:cTn>
+                        </p:par>
+                      </p:childTnLst>
+                    </p:cTn>
+                  </p:par>
+                  <p:par>
+                    <p:cTn id="13" fill="hold">
+                      <p:stCondLst>
+                        <p:cond delay="indefinite"/>
+                      </p:stCondLst>
+                      <p:childTnLst>
+                        <p:par>
+                          <p:cTn id="14" fill="hold">
+                            <p:stCondLst>
+                              <p:cond delay="0"/>
+                            </p:stCondLst>
+                            <p:childTnLst>
+                              <p:par>
+                                <p:cTn id="15" presetID="2" presetClass="entr" presetSubtype="4" fill="hold" grpId="0" nodeType="clickEffect">
+                                  <p:stCondLst>
+                                    <p:cond delay="0"/>
+                                  </p:stCondLst>
+                                  <p:childTnLst>
+                                    <p:set>
+                                      <p:cBhvr>
+                                        <p:cTn id="16" dur="1" fill="hold">
+                                          <p:stCondLst>
+                                            <p:cond delay="0"/>
+                                          </p:stCondLst>
+                                        </p:cTn>
+                                        <p:tgtEl>
+                                          <p:spTgt spid="6"/>
+                                        </p:tgtEl>
+                                        <p:attrNameLst>
+                                          <p:attrName>style.visibility</p:attrName>
+                                        </p:attrNameLst>
+                                      </p:cBhvr>
+                                      <p:to>
+                                        <p:strVal val="visible"/>
+                                      </p:to>
+                                    </p:set>
+                                    <p:anim calcmode="lin" valueType="num">
+                                      <p:cBhvr additive="base">
+                                        <p:cTn id="17" dur="500" fill="hold"/>
+                                        <p:tgtEl>
+                                          <p:spTgt spid="6"/>
+                                        </p:tgtEl>
+                                        <p:attrNameLst>
+                                          <p:attrName>ppt_x</p:attrName>
+                                        </p:attrNameLst>
+                                      </p:cBhvr>
+                                      <p:tavLst>
+                                        <p:tav tm="0">
+                                          <p:val>
+                                            <p:strVal val="#ppt_x"/>
+                                          </p:val>
+                                        </p:tav>
+                                        <p:tav tm="100000">
+                                          <p:val>
+                                            <p:strVal val="#ppt_x"/>
+                                          </p:val>
+                                        </p:tav>
+                                      </p:tavLst>
+                                    </p:anim>
+                                    <p:anim calcmode="lin" valueType="num">
+                                      <p:cBhvr additive="base">
+                                        <p:cTn id="18" dur="500" fill="hold"/>
+                                        <p:tgtEl>
+                                          <p:spTgt spid="6"/>
+                                        </p:tgtEl>
+                                        <p:attrNameLst>
+                                          <p:attrName>ppt_y</p:attrName>
+                                        </p:attrNameLst>
+                                      </p:cBhvr>
+                                      <p:tavLst>
+                                        <p:tav tm="0">
+                                          <p:val>
+                                            <p:strVal val="1+#ppt_h/2"/>
+                                          </p:val>
+                                        </p:tav>
+                                        <p:tav tm="100000">
+                                          <p:val>
+                                            <p:strVal val="#ppt_y"/>
+                                          </p:val>
+                                        </p:tav>
+                                      </p:tavLst>
+                                    </p:anim>
+                                  </p:childTnLst>
+                                </p:cTn>
+                              </p:par>
+                              <p:par>
+                                <p:cTn id="19" presetID="2" presetClass="entr" presetSubtype="4" fill="hold" grpId="0" nodeType="withEffect">
+                                  <p:stCondLst>
+                                    <p:cond delay="0"/>
+                                  </p:stCondLst>
+                                  <p:childTnLst>
+                                    <p:set>
+                                      <p:cBhvr>
+                                        <p:cTn id="20" dur="1" fill="hold">
+                                          <p:stCondLst>
+                                            <p:cond delay="0"/>
+                                          </p:stCondLst>
+                                        </p:cTn>
+                                        <p:tgtEl>
+                                          <p:spTgt spid="7"/>
+                                        </p:tgtEl>
+                                        <p:attrNameLst>
+                                          <p:attrName>style.visibility</p:attrName>
+                                        </p:attrNameLst>
+                                      </p:cBhvr>
+                                      <p:to>
+                                        <p:strVal val="visible"/>
+                                      </p:to>
+                                    </p:set>
+                                    <p:anim calcmode="lin" valueType="num">
+                                      <p:cBhvr additive="base">
+                                        <p:cTn id="21" dur="500" fill="hold"/>
+                                        <p:tgtEl>
+                                          <p:spTgt spid="7"/>
+                                        </p:tgtEl>
+                                        <p:attrNameLst>
+                                          <p:attrName>ppt_x</p:attrName>
+                                        </p:attrNameLst>
+                                      </p:cBhvr>
+                                      <p:tavLst>
+                                        <p:tav tm="0">
+                                          <p:val>
+                                            <p:strVal val="#ppt_x"/>
+                                          </p:val>
+                                        </p:tav>
+                                        <p:tav tm="100000">
+                                          <p:val>
+                                            <p:strVal val="#ppt_x"/>
+                                          </p:val>
+                                        </p:tav>
+                                      </p:tavLst>
+                                    </p:anim>
+                                    <p:anim calcmode="lin" valueType="num">
+                                      <p:cBhvr additive="base">
+                                        <p:cTn id="22" dur="500" fill="hold"/>
+                                        <p:tgtEl>
+                                          <p:spTgt spid="7"/>
+                                        </p:tgtEl>
+                                        <p:attrNameLst>
+                                          <p:attrName>ppt_y</p:attrName>
+                                        </p:attrNameLst>
+                                      </p:cBhvr>
+                                      <p:tavLst>
+                                        <p:tav tm="0">
+                                          <p:val>
+                                            <p:strVal val="1+#ppt_h/2"/>
+                                          </p:val>
+                                        </p:tav>
+                                        <p:tav tm="100000">
+                                          <p:val>
+                                            <p:strVal val="#ppt_y"/>
+                                          </p:val>
+                                        </p:tav>
+                                      </p:tavLst>
+                                    </p:anim>
+                                  </p:childTnLst>
+                                </p:cTn>
+                              </p:par>
+                            </p:childTnLst>
+                          </p:cTn>
+                        </p:par>
+                      </p:childTnLst>
+                    </p:cTn>
+                  </p:par>
+                  <p:par>
+                    <p:cTn id="23" fill="hold">
+                      <p:stCondLst>
+                        <p:cond delay="indefinite"/>
+                      </p:stCondLst>
+                      <p:childTnLst>
+                        <p:par>
+                          <p:cTn id="24" fill="hold">
+                            <p:stCondLst>
+                              <p:cond delay="0"/>
+                            </p:stCondLst>
+                            <p:childTnLst>
+                              <p:par>
+                                <p:cTn id="25" presetID="2" presetClass="entr" presetSubtype="4" fill="hold" grpId="0" nodeType="clickEffect">
+                                  <p:stCondLst>
+                                    <p:cond delay="0"/>
+                                  </p:stCondLst>
+                                  <p:childTnLst>
+                                    <p:set>
+                                      <p:cBhvr>
+                                        <p:cTn id="26" dur="1" fill="hold">
+                                          <p:stCondLst>
+                                            <p:cond delay="0"/>
+                                          </p:stCondLst>
+                                        </p:cTn>
+                                        <p:tgtEl>
+                                          <p:spTgt spid="8"/>
+                                        </p:tgtEl>
+                                        <p:attrNameLst>
+                                          <p:attrName>style.visibility</p:attrName>
+                                        </p:attrNameLst>
+                                      </p:cBhvr>
+                                      <p:to>
+                                        <p:strVal val="visible"/>
+                                      </p:to>
+                                    </p:set>
+                                    <p:anim calcmode="lin" valueType="num">
+                                      <p:cBhvr additive="base">
+                                        <p:cTn id="27" dur="500" fill="hold"/>
+                                        <p:tgtEl>
+                                          <p:spTgt spid="8"/>
+                                        </p:tgtEl>
+                                        <p:attrNameLst>
+                                          <p:attrName>ppt_x</p:attrName>
+                                        </p:attrNameLst>
+                                      </p:cBhvr>
+                                      <p:tavLst>
+                                        <p:tav tm="0">
+                                          <p:val>
+                                            <p:strVal val="#ppt_x"/>
+                                          </p:val>
+                                        </p:tav>
+                                        <p:tav tm="100000">
+                                          <p:val>
+                                            <p:strVal val="#ppt_x"/>
+                                          </p:val>
+                                        </p:tav>
+                                      </p:tavLst>
+                                    </p:anim>
+                                    <p:anim calcmode="lin" valueType="num">
+                                      <p:cBhvr additive="base">
+                                        <p:cTn id="28" dur="500" fill="hold"/>
+                                        <p:tgtEl>
+                                          <p:spTgt spid="8"/>
+                                        </p:tgtEl>
+                                        <p:attrNameLst>
+                                          <p:attrName>ppt_y</p:attrName>
+                                        </p:attrNameLst>
+                                      </p:cBhvr>
+                                      <p:tavLst>
+                                        <p:tav tm="0">
+                                          <p:val>
+                                            <p:strVal val="1+#ppt_h/2"/>
+                                          </p:val>
+                                        </p:tav>
+                                        <p:tav tm="100000">
+                                          <p:val>
+                                            <p:strVal val="#ppt_y"/>
+                                          </p:val>
+                                        </p:tav>
+                                      </p:tavLst>
+                                    </p:anim>
+                                  </p:childTnLst>
+                                </p:cTn>
+                              </p:par>
+                              <p:par>
+                                <p:cTn id="29" presetID="2" presetClass="entr" presetSubtype="4" fill="hold" grpId="0" nodeType="withEffect">
+                                  <p:stCondLst>
+                                    <p:cond delay="0"/>
+                                  </p:stCondLst>
+                                  <p:childTnLst>
+                                    <p:set>
+                                      <p:cBhvr>
+                                        <p:cTn id="30" dur="1" fill="hold">
+                                          <p:stCondLst>
+                                            <p:cond delay="0"/>
+                                          </p:stCondLst>
+                                        </p:cTn>
+                                        <p:tgtEl>
+                                          <p:spTgt spid="9"/>
+                                        </p:tgtEl>
+                                        <p:attrNameLst>
+                                          <p:attrName>style.visibility</p:attrName>
+                                        </p:attrNameLst>
+                                      </p:cBhvr>
+                                      <p:to>
+                                        <p:strVal val="visible"/>
+                                      </p:to>
+                                    </p:set>
+                                    <p:anim calcmode="lin" valueType="num">
+                                      <p:cBhvr additive="base">
+                                        <p:cTn id="31" dur="500" fill="hold"/>
+                                        <p:tgtEl>
+                                          <p:spTgt spid="9"/>
+                                        </p:tgtEl>
+                                        <p:attrNameLst>
+                                          <p:attrName>ppt_x</p:attrName>
+                                        </p:attrNameLst>
+                                      </p:cBhvr>
+                                      <p:tavLst>
+                                        <p:tav tm="0">
+                                          <p:val>
+                                            <p:strVal val="#ppt_x"/>
+                                          </p:val>
+                                        </p:tav>
+                                        <p:tav tm="100000">
+                                          <p:val>
+                                            <p:strVal val="#ppt_x"/>
+                                          </p:val>
+                                        </p:tav>
+                                      </p:tavLst>
+                                    </p:anim>
+                                    <p:anim calcmode="lin" valueType="num">
+                                      <p:cBhvr additive="base">
+                                        <p:cTn id="32" dur="500" fill="hold"/>
+                                        <p:tgtEl>
+                                          <p:spTgt spid="9"/>
+                                        </p:tgtEl>
+                                        <p:attrNameLst>
+                                          <p:attrName>ppt_y</p:attrName>
+                                        </p:attrNameLst>
+                                      </p:cBhvr>
+                                      <p:tavLst>
+                                        <p:tav tm="0">
+                                          <p:val>
+                                            <p:strVal val="1+#ppt_h/2"/>
+                                          </p:val>
+                                        </p:tav>
+                                        <p:tav tm="100000">
+                                          <p:val>
+                                            <p:strVal val="#ppt_y"/>
+                                          </p:val>
+                                        </p:tav>
+                                      </p:tavLst>
+                                    </p:anim>
+                                  </p:childTnLst>
+                                </p:cTn>
+                              </p:par>
+                            </p:childTnLst>
+                          </p:cTn>
+                        </p:par>
+                      </p:childTnLst>
+                    </p:cTn>
+                  </p:par>
+                </p:childTnLst>
+              </p:cTn>
+              <p:prevCondLst>
+                <p:cond evt="onPrev" delay="0">
+                  <p:tgtEl>
+                    <p:sldTgt/>
+                  </p:tgtEl>
+                </p:cond>
+              </p:prevCondLst>
+              <p:nextCondLst>
+                <p:cond evt="onNext" delay="0">
+                  <p:tgtEl>
+                    <p:sldTgt/>
+                  </p:tgtEl>
+                </p:cond>
+              </p:nextCondLst>
+            </p:seq>
+          </p:childTnLst>
+        </p:cTn>
+      </p:par>
+    </p:tnLst>
+    <p:bldLst>
+      <p:bldP spid="4" grpId="0" animBg="1"/>
+      <p:bldP spid="5" grpId="0"/>
+      <p:bldP spid="6" grpId="0" animBg="1"/>
+      <p:bldP spid="7" grpId="0"/>
+      <p:bldP spid="8" grpId="0" animBg="1"/>
+      <p:bldP spid="9" grpId="0"/>
+    </p:bldLst>
+  </p:timing>
 </p:sld>
 </file>
 
@@ -25666,7 +27358,7 @@
         </p:nvGraphicFramePr>
         <p:xfrm>
           <a:off x="2731361" y="3723044"/>
-          <a:ext cx="6096000" cy="2255520"/>
+          <a:ext cx="6096000" cy="2529840"/>
         </p:xfrm>
         <a:graphic>
           <a:graphicData uri="http://schemas.openxmlformats.org/drawingml/2006/table">
@@ -27662,8 +29354,8 @@
         </p:nvSpPr>
         <p:spPr>
           <a:xfrm>
-            <a:off x="308487" y="2161513"/>
-            <a:ext cx="7613904" cy="2246769"/>
+            <a:off x="308486" y="2161513"/>
+            <a:ext cx="8527025" cy="1200329"/>
           </a:xfrm>
           <a:prstGeom prst="rect">
             <a:avLst/>
@@ -27677,7 +29369,7 @@
           <a:lstStyle/>
           <a:p>
             <a:r>
-              <a:rPr lang="en-IE" sz="2800" dirty="0">
+              <a:rPr lang="en-IE" sz="2400" dirty="0">
                 <a:latin typeface="Tahoma" panose="020B0604030504040204" pitchFamily="34" charset="0"/>
                 <a:ea typeface="Tahoma" panose="020B0604030504040204" pitchFamily="34" charset="0"/>
                 <a:cs typeface="Tahoma" panose="020B0604030504040204" pitchFamily="34" charset="0"/>
@@ -27685,7 +29377,7 @@
               <a:t>The Ord type class is for types that can be ordered. It extends </a:t>
             </a:r>
             <a:r>
-              <a:rPr lang="en-IE" sz="2800" dirty="0" err="1">
+              <a:rPr lang="en-IE" sz="2400" dirty="0" err="1">
                 <a:latin typeface="Tahoma" panose="020B0604030504040204" pitchFamily="34" charset="0"/>
                 <a:ea typeface="Tahoma" panose="020B0604030504040204" pitchFamily="34" charset="0"/>
                 <a:cs typeface="Tahoma" panose="020B0604030504040204" pitchFamily="34" charset="0"/>
@@ -27693,7 +29385,7 @@
               <a:t>Eq</a:t>
             </a:r>
             <a:r>
-              <a:rPr lang="en-IE" sz="2800" dirty="0">
+              <a:rPr lang="en-IE" sz="2400" dirty="0">
                 <a:latin typeface="Tahoma" panose="020B0604030504040204" pitchFamily="34" charset="0"/>
                 <a:ea typeface="Tahoma" panose="020B0604030504040204" pitchFamily="34" charset="0"/>
                 <a:cs typeface="Tahoma" panose="020B0604030504040204" pitchFamily="34" charset="0"/>
@@ -27701,7 +29393,7 @@
               <a:t> (so any type in Ord must also implement </a:t>
             </a:r>
             <a:r>
-              <a:rPr lang="en-IE" sz="2800" dirty="0" err="1">
+              <a:rPr lang="en-IE" sz="2400" dirty="0" err="1">
                 <a:latin typeface="Tahoma" panose="020B0604030504040204" pitchFamily="34" charset="0"/>
                 <a:ea typeface="Tahoma" panose="020B0604030504040204" pitchFamily="34" charset="0"/>
                 <a:cs typeface="Tahoma" panose="020B0604030504040204" pitchFamily="34" charset="0"/>
@@ -27709,7 +29401,7 @@
               <a:t>Eq</a:t>
             </a:r>
             <a:r>
-              <a:rPr lang="en-IE" sz="2800" dirty="0">
+              <a:rPr lang="en-IE" sz="2400" dirty="0">
                 <a:latin typeface="Tahoma" panose="020B0604030504040204" pitchFamily="34" charset="0"/>
                 <a:ea typeface="Tahoma" panose="020B0604030504040204" pitchFamily="34" charset="0"/>
                 <a:cs typeface="Tahoma" panose="020B0604030504040204" pitchFamily="34" charset="0"/>
@@ -27734,7 +29426,7 @@
         <p:spPr>
           <a:xfrm>
             <a:off x="433188" y="5961433"/>
-            <a:ext cx="7613904" cy="954107"/>
+            <a:ext cx="8573086" cy="830997"/>
           </a:xfrm>
           <a:prstGeom prst="rect">
             <a:avLst/>
@@ -27748,11 +29440,11 @@
           <a:lstStyle/>
           <a:p>
             <a:r>
-              <a:rPr lang="en-IE" sz="2800" b="1" dirty="0"/>
+              <a:rPr lang="en-IE" sz="2400" b="1" dirty="0"/>
               <a:t>Example</a:t>
             </a:r>
             <a:r>
-              <a:rPr lang="en-IE" sz="2800" dirty="0"/>
+              <a:rPr lang="en-IE" sz="2400" dirty="0"/>
               <a:t>: Int, Char, Float, Double, String (needed for any sorting function)</a:t>
             </a:r>
           </a:p>
@@ -27773,14 +29465,14 @@
           <p:nvPr>
             <p:extLst>
               <p:ext uri="{D42A27DB-BD31-4B8C-83A1-F6EECF244321}">
-                <p14:modId xmlns:p14="http://schemas.microsoft.com/office/powerpoint/2010/main" val="971142309"/>
+                <p14:modId xmlns:p14="http://schemas.microsoft.com/office/powerpoint/2010/main" val="1881563883"/>
               </p:ext>
             </p:extLst>
           </p:nvPr>
         </p:nvGraphicFramePr>
         <p:xfrm>
-          <a:off x="2739512" y="4325644"/>
-          <a:ext cx="6096000" cy="1376680"/>
+          <a:off x="2479437" y="3496159"/>
+          <a:ext cx="6096000" cy="2194560"/>
         </p:xfrm>
         <a:graphic>
           <a:graphicData uri="http://schemas.openxmlformats.org/drawingml/2006/table">
@@ -28289,7 +29981,7 @@
         </p:nvSpPr>
         <p:spPr>
           <a:xfrm>
-            <a:off x="121087" y="4753954"/>
+            <a:off x="-14288" y="4339901"/>
             <a:ext cx="1182801" cy="369332"/>
           </a:xfrm>
           <a:prstGeom prst="rect">
@@ -28324,7 +30016,7 @@
         </p:nvSpPr>
         <p:spPr>
           <a:xfrm>
-            <a:off x="1568053" y="4735629"/>
+            <a:off x="1432678" y="4321576"/>
             <a:ext cx="929463" cy="405983"/>
           </a:xfrm>
           <a:prstGeom prst="rightArrow">
@@ -28933,6 +30625,139 @@
   <p:clrMapOvr>
     <a:masterClrMapping/>
   </p:clrMapOvr>
+  <p:timing>
+    <p:tnLst>
+      <p:par>
+        <p:cTn id="1" dur="indefinite" restart="never" nodeType="tmRoot">
+          <p:childTnLst>
+            <p:seq concurrent="1" nextAc="seek">
+              <p:cTn id="2" dur="indefinite" nodeType="mainSeq">
+                <p:childTnLst>
+                  <p:par>
+                    <p:cTn id="3" fill="hold">
+                      <p:stCondLst>
+                        <p:cond delay="indefinite"/>
+                      </p:stCondLst>
+                      <p:childTnLst>
+                        <p:par>
+                          <p:cTn id="4" fill="hold">
+                            <p:stCondLst>
+                              <p:cond delay="0"/>
+                            </p:stCondLst>
+                            <p:childTnLst>
+                              <p:par>
+                                <p:cTn id="5" presetID="2" presetClass="entr" presetSubtype="4" fill="hold" nodeType="clickEffect">
+                                  <p:stCondLst>
+                                    <p:cond delay="0"/>
+                                  </p:stCondLst>
+                                  <p:childTnLst>
+                                    <p:set>
+                                      <p:cBhvr>
+                                        <p:cTn id="6" dur="1" fill="hold">
+                                          <p:stCondLst>
+                                            <p:cond delay="0"/>
+                                          </p:stCondLst>
+                                        </p:cTn>
+                                        <p:tgtEl>
+                                          <p:spTgt spid="5">
+                                            <p:txEl>
+                                              <p:pRg st="2" end="2"/>
+                                            </p:txEl>
+                                          </p:spTgt>
+                                        </p:tgtEl>
+                                        <p:attrNameLst>
+                                          <p:attrName>style.visibility</p:attrName>
+                                        </p:attrNameLst>
+                                      </p:cBhvr>
+                                      <p:to>
+                                        <p:strVal val="visible"/>
+                                      </p:to>
+                                    </p:set>
+                                    <p:anim calcmode="lin" valueType="num">
+                                      <p:cBhvr additive="base">
+                                        <p:cTn id="7" dur="500" fill="hold"/>
+                                        <p:tgtEl>
+                                          <p:spTgt spid="5">
+                                            <p:txEl>
+                                              <p:pRg st="2" end="2"/>
+                                            </p:txEl>
+                                          </p:spTgt>
+                                        </p:tgtEl>
+                                        <p:attrNameLst>
+                                          <p:attrName>ppt_x</p:attrName>
+                                        </p:attrNameLst>
+                                      </p:cBhvr>
+                                      <p:tavLst>
+                                        <p:tav tm="0">
+                                          <p:val>
+                                            <p:strVal val="#ppt_x"/>
+                                          </p:val>
+                                        </p:tav>
+                                        <p:tav tm="100000">
+                                          <p:val>
+                                            <p:strVal val="#ppt_x"/>
+                                          </p:val>
+                                        </p:tav>
+                                      </p:tavLst>
+                                    </p:anim>
+                                    <p:anim calcmode="lin" valueType="num">
+                                      <p:cBhvr additive="base">
+                                        <p:cTn id="8" dur="500" fill="hold"/>
+                                        <p:tgtEl>
+                                          <p:spTgt spid="5">
+                                            <p:txEl>
+                                              <p:pRg st="2" end="2"/>
+                                            </p:txEl>
+                                          </p:spTgt>
+                                        </p:tgtEl>
+                                        <p:attrNameLst>
+                                          <p:attrName>ppt_y</p:attrName>
+                                        </p:attrNameLst>
+                                      </p:cBhvr>
+                                      <p:tavLst>
+                                        <p:tav tm="0">
+                                          <p:val>
+                                            <p:strVal val="1+#ppt_h/2"/>
+                                          </p:val>
+                                        </p:tav>
+                                        <p:tav tm="100000">
+                                          <p:val>
+                                            <p:strVal val="#ppt_y"/>
+                                          </p:val>
+                                        </p:tav>
+                                      </p:tavLst>
+                                    </p:anim>
+                                  </p:childTnLst>
+                                </p:cTn>
+                              </p:par>
+                            </p:childTnLst>
+                          </p:cTn>
+                        </p:par>
+                      </p:childTnLst>
+                    </p:cTn>
+                  </p:par>
+                </p:childTnLst>
+              </p:cTn>
+              <p:prevCondLst>
+                <p:cond evt="onPrev" delay="0">
+                  <p:tgtEl>
+                    <p:sldTgt/>
+                  </p:tgtEl>
+                </p:cond>
+              </p:prevCondLst>
+              <p:nextCondLst>
+                <p:cond evt="onNext" delay="0">
+                  <p:tgtEl>
+                    <p:sldTgt/>
+                  </p:tgtEl>
+                </p:cond>
+              </p:nextCondLst>
+            </p:seq>
+          </p:childTnLst>
+        </p:cTn>
+      </p:par>
+    </p:tnLst>
+  </p:timing>
 </p:sld>
 </file>
 
@@ -28994,14 +30819,14 @@
           <a:ln/>
           <a:extLst>
             <a:ext uri="{909E8E84-426E-40dd-AFC4-6F175D3DCCD1}">
-              <a14:hiddenFill xmlns:a14="http://schemas.microsoft.com/office/drawing/2010/main" xmlns="">
+              <a14:hiddenFill xmlns="" xmlns:a14="http://schemas.microsoft.com/office/drawing/2010/main">
                 <a:solidFill>
                   <a:srgbClr val="FFFFFF"/>
                 </a:solidFill>
               </a14:hiddenFill>
             </a:ext>
             <a:ext uri="{91240B29-F687-4f45-9708-019B960494DF}">
-              <a14:hiddenLine xmlns:a14="http://schemas.microsoft.com/office/drawing/2010/main" xmlns="" w="9525">
+              <a14:hiddenLine xmlns="" xmlns:a14="http://schemas.microsoft.com/office/drawing/2010/main" w="9525">
                 <a:solidFill>
                   <a:srgbClr val="000000"/>
                 </a:solidFill>
@@ -29154,14 +30979,14 @@
           </a:ln>
           <a:extLst>
             <a:ext uri="{909E8E84-426E-40dd-AFC4-6F175D3DCCD1}">
-              <a14:hiddenFill xmlns:a14="http://schemas.microsoft.com/office/drawing/2010/main" xmlns="">
+              <a14:hiddenFill xmlns="" xmlns:a14="http://schemas.microsoft.com/office/drawing/2010/main">
                 <a:solidFill>
                   <a:srgbClr val="FFFFFF"/>
                 </a:solidFill>
               </a14:hiddenFill>
             </a:ext>
             <a:ext uri="{91240B29-F687-4f45-9708-019B960494DF}">
-              <a14:hiddenLine xmlns:a14="http://schemas.microsoft.com/office/drawing/2010/main" xmlns="" w="12700" cap="sq">
+              <a14:hiddenLine xmlns="" xmlns:a14="http://schemas.microsoft.com/office/drawing/2010/main" w="12700" cap="sq">
                 <a:solidFill>
                   <a:srgbClr val="000000"/>
                 </a:solidFill>
@@ -29340,7 +31165,7 @@
             </a:ln>
             <a:extLst>
               <a:ext uri="{91240B29-F687-4f45-9708-019B960494DF}">
-                <a14:hiddenLine xmlns:a14="http://schemas.microsoft.com/office/drawing/2010/main" xmlns="" w="12700" cap="sq">
+                <a14:hiddenLine xmlns="" xmlns:a14="http://schemas.microsoft.com/office/drawing/2010/main" w="12700" cap="sq">
                   <a:solidFill>
                     <a:srgbClr val="000000"/>
                   </a:solidFill>
@@ -29498,7 +31323,7 @@
             </a:ln>
             <a:extLst>
               <a:ext uri="{91240B29-F687-4f45-9708-019B960494DF}">
-                <a14:hiddenLine xmlns:a14="http://schemas.microsoft.com/office/drawing/2010/main" xmlns="" w="12700" cap="sq">
+                <a14:hiddenLine xmlns="" xmlns:a14="http://schemas.microsoft.com/office/drawing/2010/main" w="12700" cap="sq">
                   <a:solidFill>
                     <a:srgbClr val="000000"/>
                   </a:solidFill>
@@ -29657,7 +31482,7 @@
           </a:ln>
           <a:extLst>
             <a:ext uri="{91240B29-F687-4f45-9708-019B960494DF}">
-              <a14:hiddenLine xmlns:a14="http://schemas.microsoft.com/office/drawing/2010/main" xmlns="" w="12700" cap="sq">
+              <a14:hiddenLine xmlns="" xmlns:a14="http://schemas.microsoft.com/office/drawing/2010/main" w="12700" cap="sq">
                 <a:solidFill>
                   <a:srgbClr val="000000"/>
                 </a:solidFill>
@@ -29813,14 +31638,14 @@
           </a:ln>
           <a:extLst>
             <a:ext uri="{909E8E84-426E-40dd-AFC4-6F175D3DCCD1}">
-              <a14:hiddenFill xmlns:a14="http://schemas.microsoft.com/office/drawing/2010/main" xmlns="">
+              <a14:hiddenFill xmlns="" xmlns:a14="http://schemas.microsoft.com/office/drawing/2010/main">
                 <a:solidFill>
                   <a:srgbClr val="FFFFFF"/>
                 </a:solidFill>
               </a14:hiddenFill>
             </a:ext>
             <a:ext uri="{91240B29-F687-4f45-9708-019B960494DF}">
-              <a14:hiddenLine xmlns:a14="http://schemas.microsoft.com/office/drawing/2010/main" xmlns="" w="12700" cap="sq">
+              <a14:hiddenLine xmlns="" xmlns:a14="http://schemas.microsoft.com/office/drawing/2010/main" w="12700" cap="sq">
                 <a:solidFill>
                   <a:srgbClr val="000000"/>
                 </a:solidFill>
@@ -30276,6 +32101,139 @@
   <p:clrMapOvr>
     <a:masterClrMapping/>
   </p:clrMapOvr>
+  <p:timing>
+    <p:tnLst>
+      <p:par>
+        <p:cTn id="1" dur="indefinite" restart="never" nodeType="tmRoot">
+          <p:childTnLst>
+            <p:seq concurrent="1" nextAc="seek">
+              <p:cTn id="2" dur="indefinite" nodeType="mainSeq">
+                <p:childTnLst>
+                  <p:par>
+                    <p:cTn id="3" fill="hold">
+                      <p:stCondLst>
+                        <p:cond delay="indefinite"/>
+                      </p:stCondLst>
+                      <p:childTnLst>
+                        <p:par>
+                          <p:cTn id="4" fill="hold">
+                            <p:stCondLst>
+                              <p:cond delay="0"/>
+                            </p:stCondLst>
+                            <p:childTnLst>
+                              <p:par>
+                                <p:cTn id="5" presetID="2" presetClass="entr" presetSubtype="4" fill="hold" nodeType="clickEffect">
+                                  <p:stCondLst>
+                                    <p:cond delay="0"/>
+                                  </p:stCondLst>
+                                  <p:childTnLst>
+                                    <p:set>
+                                      <p:cBhvr>
+                                        <p:cTn id="6" dur="1" fill="hold">
+                                          <p:stCondLst>
+                                            <p:cond delay="0"/>
+                                          </p:stCondLst>
+                                        </p:cTn>
+                                        <p:tgtEl>
+                                          <p:spTgt spid="5">
+                                            <p:txEl>
+                                              <p:pRg st="4" end="4"/>
+                                            </p:txEl>
+                                          </p:spTgt>
+                                        </p:tgtEl>
+                                        <p:attrNameLst>
+                                          <p:attrName>style.visibility</p:attrName>
+                                        </p:attrNameLst>
+                                      </p:cBhvr>
+                                      <p:to>
+                                        <p:strVal val="visible"/>
+                                      </p:to>
+                                    </p:set>
+                                    <p:anim calcmode="lin" valueType="num">
+                                      <p:cBhvr additive="base">
+                                        <p:cTn id="7" dur="500" fill="hold"/>
+                                        <p:tgtEl>
+                                          <p:spTgt spid="5">
+                                            <p:txEl>
+                                              <p:pRg st="4" end="4"/>
+                                            </p:txEl>
+                                          </p:spTgt>
+                                        </p:tgtEl>
+                                        <p:attrNameLst>
+                                          <p:attrName>ppt_x</p:attrName>
+                                        </p:attrNameLst>
+                                      </p:cBhvr>
+                                      <p:tavLst>
+                                        <p:tav tm="0">
+                                          <p:val>
+                                            <p:strVal val="#ppt_x"/>
+                                          </p:val>
+                                        </p:tav>
+                                        <p:tav tm="100000">
+                                          <p:val>
+                                            <p:strVal val="#ppt_x"/>
+                                          </p:val>
+                                        </p:tav>
+                                      </p:tavLst>
+                                    </p:anim>
+                                    <p:anim calcmode="lin" valueType="num">
+                                      <p:cBhvr additive="base">
+                                        <p:cTn id="8" dur="500" fill="hold"/>
+                                        <p:tgtEl>
+                                          <p:spTgt spid="5">
+                                            <p:txEl>
+                                              <p:pRg st="4" end="4"/>
+                                            </p:txEl>
+                                          </p:spTgt>
+                                        </p:tgtEl>
+                                        <p:attrNameLst>
+                                          <p:attrName>ppt_y</p:attrName>
+                                        </p:attrNameLst>
+                                      </p:cBhvr>
+                                      <p:tavLst>
+                                        <p:tav tm="0">
+                                          <p:val>
+                                            <p:strVal val="1+#ppt_h/2"/>
+                                          </p:val>
+                                        </p:tav>
+                                        <p:tav tm="100000">
+                                          <p:val>
+                                            <p:strVal val="#ppt_y"/>
+                                          </p:val>
+                                        </p:tav>
+                                      </p:tavLst>
+                                    </p:anim>
+                                  </p:childTnLst>
+                                </p:cTn>
+                              </p:par>
+                            </p:childTnLst>
+                          </p:cTn>
+                        </p:par>
+                      </p:childTnLst>
+                    </p:cTn>
+                  </p:par>
+                </p:childTnLst>
+              </p:cTn>
+              <p:prevCondLst>
+                <p:cond evt="onPrev" delay="0">
+                  <p:tgtEl>
+                    <p:sldTgt/>
+                  </p:tgtEl>
+                </p:cond>
+              </p:prevCondLst>
+              <p:nextCondLst>
+                <p:cond evt="onNext" delay="0">
+                  <p:tgtEl>
+                    <p:sldTgt/>
+                  </p:tgtEl>
+                </p:cond>
+              </p:nextCondLst>
+            </p:seq>
+          </p:childTnLst>
+        </p:cTn>
+      </p:par>
+    </p:tnLst>
+  </p:timing>
 </p:sld>
 </file>
 
@@ -30335,7 +32293,7 @@
           </a:ln>
           <a:extLst>
             <a:ext uri="{909E8E84-426E-40dd-AFC4-6F175D3DCCD1}">
-              <a14:hiddenFill xmlns="" xmlns:a14="http://schemas.microsoft.com/office/drawing/2010/main">
+              <a14:hiddenFill xmlns:a14="http://schemas.microsoft.com/office/drawing/2010/main" xmlns="">
                 <a:solidFill>
                   <a:srgbClr val="FFFFFF"/>
                 </a:solidFill>
@@ -30398,14 +32356,14 @@
           <a:ln/>
           <a:extLst>
             <a:ext uri="{909E8E84-426E-40dd-AFC4-6F175D3DCCD1}">
-              <a14:hiddenFill xmlns="" xmlns:a14="http://schemas.microsoft.com/office/drawing/2010/main">
+              <a14:hiddenFill xmlns:a14="http://schemas.microsoft.com/office/drawing/2010/main" xmlns="">
                 <a:solidFill>
                   <a:srgbClr val="FFFFFF"/>
                 </a:solidFill>
               </a14:hiddenFill>
             </a:ext>
             <a:ext uri="{91240B29-F687-4f45-9708-019B960494DF}">
-              <a14:hiddenLine xmlns="" xmlns:a14="http://schemas.microsoft.com/office/drawing/2010/main" w="9525">
+              <a14:hiddenLine xmlns:a14="http://schemas.microsoft.com/office/drawing/2010/main" xmlns="" w="9525">
                 <a:solidFill>
                   <a:srgbClr val="000000"/>
                 </a:solidFill>
@@ -30558,14 +32516,14 @@
           </a:ln>
           <a:extLst>
             <a:ext uri="{909E8E84-426E-40dd-AFC4-6F175D3DCCD1}">
-              <a14:hiddenFill xmlns="" xmlns:a14="http://schemas.microsoft.com/office/drawing/2010/main">
+              <a14:hiddenFill xmlns:a14="http://schemas.microsoft.com/office/drawing/2010/main" xmlns="">
                 <a:solidFill>
                   <a:srgbClr val="FFFFFF"/>
                 </a:solidFill>
               </a14:hiddenFill>
             </a:ext>
             <a:ext uri="{91240B29-F687-4f45-9708-019B960494DF}">
-              <a14:hiddenLine xmlns="" xmlns:a14="http://schemas.microsoft.com/office/drawing/2010/main" w="12700" cap="sq">
+              <a14:hiddenLine xmlns:a14="http://schemas.microsoft.com/office/drawing/2010/main" xmlns="" w="12700" cap="sq">
                 <a:solidFill>
                   <a:srgbClr val="000000"/>
                 </a:solidFill>
@@ -30728,7 +32686,7 @@
           </a:ln>
           <a:extLst>
             <a:ext uri="{91240B29-F687-4f45-9708-019B960494DF}">
-              <a14:hiddenLine xmlns="" xmlns:a14="http://schemas.microsoft.com/office/drawing/2010/main" w="12700" cap="sq">
+              <a14:hiddenLine xmlns:a14="http://schemas.microsoft.com/office/drawing/2010/main" xmlns="" w="12700" cap="sq">
                 <a:solidFill>
                   <a:srgbClr val="000000"/>
                 </a:solidFill>
@@ -30907,7 +32865,7 @@
           </a:ln>
           <a:extLst>
             <a:ext uri="{909E8E84-426E-40dd-AFC4-6F175D3DCCD1}">
-              <a14:hiddenFill xmlns="" xmlns:a14="http://schemas.microsoft.com/office/drawing/2010/main">
+              <a14:hiddenFill xmlns:a14="http://schemas.microsoft.com/office/drawing/2010/main" xmlns="">
                 <a:solidFill>
                   <a:srgbClr val="FFFFFF"/>
                 </a:solidFill>
@@ -30968,7 +32926,7 @@
           </a:ln>
           <a:extLst>
             <a:ext uri="{909E8E84-426E-40dd-AFC4-6F175D3DCCD1}">
-              <a14:hiddenFill xmlns="" xmlns:a14="http://schemas.microsoft.com/office/drawing/2010/main">
+              <a14:hiddenFill xmlns:a14="http://schemas.microsoft.com/office/drawing/2010/main" xmlns="">
                 <a:solidFill>
                   <a:srgbClr val="FFFFFF"/>
                 </a:solidFill>
@@ -31649,7 +33607,7 @@
         <p:spPr>
           <a:xfrm>
             <a:off x="498122" y="2100066"/>
-            <a:ext cx="8147756" cy="3132613"/>
+            <a:ext cx="8147756" cy="4615059"/>
           </a:xfrm>
         </p:spPr>
         <p:txBody>
@@ -31738,14 +33696,14 @@
           <a:ln/>
           <a:extLst>
             <a:ext uri="{909E8E84-426E-40dd-AFC4-6F175D3DCCD1}">
-              <a14:hiddenFill xmlns="" xmlns:a14="http://schemas.microsoft.com/office/drawing/2010/main">
+              <a14:hiddenFill xmlns:a14="http://schemas.microsoft.com/office/drawing/2010/main" xmlns="">
                 <a:solidFill>
                   <a:srgbClr val="FFFFFF"/>
                 </a:solidFill>
               </a14:hiddenFill>
             </a:ext>
             <a:ext uri="{91240B29-F687-4f45-9708-019B960494DF}">
-              <a14:hiddenLine xmlns="" xmlns:a14="http://schemas.microsoft.com/office/drawing/2010/main" w="9525">
+              <a14:hiddenLine xmlns:a14="http://schemas.microsoft.com/office/drawing/2010/main" xmlns="" w="9525">
                 <a:solidFill>
                   <a:srgbClr val="000000"/>
                 </a:solidFill>
@@ -31881,6 +33839,242 @@
   <p:clrMapOvr>
     <a:masterClrMapping/>
   </p:clrMapOvr>
+  <p:timing>
+    <p:tnLst>
+      <p:par>
+        <p:cTn id="1" dur="indefinite" restart="never" nodeType="tmRoot">
+          <p:childTnLst>
+            <p:seq concurrent="1" nextAc="seek">
+              <p:cTn id="2" dur="indefinite" nodeType="mainSeq">
+                <p:childTnLst>
+                  <p:par>
+                    <p:cTn id="3" fill="hold">
+                      <p:stCondLst>
+                        <p:cond delay="indefinite"/>
+                      </p:stCondLst>
+                      <p:childTnLst>
+                        <p:par>
+                          <p:cTn id="4" fill="hold">
+                            <p:stCondLst>
+                              <p:cond delay="0"/>
+                            </p:stCondLst>
+                            <p:childTnLst>
+                              <p:par>
+                                <p:cTn id="5" presetID="2" presetClass="entr" presetSubtype="4" fill="hold" nodeType="clickEffect">
+                                  <p:stCondLst>
+                                    <p:cond delay="0"/>
+                                  </p:stCondLst>
+                                  <p:childTnLst>
+                                    <p:set>
+                                      <p:cBhvr>
+                                        <p:cTn id="6" dur="1" fill="hold">
+                                          <p:stCondLst>
+                                            <p:cond delay="0"/>
+                                          </p:stCondLst>
+                                        </p:cTn>
+                                        <p:tgtEl>
+                                          <p:spTgt spid="39939">
+                                            <p:txEl>
+                                              <p:pRg st="2" end="2"/>
+                                            </p:txEl>
+                                          </p:spTgt>
+                                        </p:tgtEl>
+                                        <p:attrNameLst>
+                                          <p:attrName>style.visibility</p:attrName>
+                                        </p:attrNameLst>
+                                      </p:cBhvr>
+                                      <p:to>
+                                        <p:strVal val="visible"/>
+                                      </p:to>
+                                    </p:set>
+                                    <p:anim calcmode="lin" valueType="num">
+                                      <p:cBhvr additive="base">
+                                        <p:cTn id="7" dur="500" fill="hold"/>
+                                        <p:tgtEl>
+                                          <p:spTgt spid="39939">
+                                            <p:txEl>
+                                              <p:pRg st="2" end="2"/>
+                                            </p:txEl>
+                                          </p:spTgt>
+                                        </p:tgtEl>
+                                        <p:attrNameLst>
+                                          <p:attrName>ppt_x</p:attrName>
+                                        </p:attrNameLst>
+                                      </p:cBhvr>
+                                      <p:tavLst>
+                                        <p:tav tm="0">
+                                          <p:val>
+                                            <p:strVal val="#ppt_x"/>
+                                          </p:val>
+                                        </p:tav>
+                                        <p:tav tm="100000">
+                                          <p:val>
+                                            <p:strVal val="#ppt_x"/>
+                                          </p:val>
+                                        </p:tav>
+                                      </p:tavLst>
+                                    </p:anim>
+                                    <p:anim calcmode="lin" valueType="num">
+                                      <p:cBhvr additive="base">
+                                        <p:cTn id="8" dur="500" fill="hold"/>
+                                        <p:tgtEl>
+                                          <p:spTgt spid="39939">
+                                            <p:txEl>
+                                              <p:pRg st="2" end="2"/>
+                                            </p:txEl>
+                                          </p:spTgt>
+                                        </p:tgtEl>
+                                        <p:attrNameLst>
+                                          <p:attrName>ppt_y</p:attrName>
+                                        </p:attrNameLst>
+                                      </p:cBhvr>
+                                      <p:tavLst>
+                                        <p:tav tm="0">
+                                          <p:val>
+                                            <p:strVal val="1+#ppt_h/2"/>
+                                          </p:val>
+                                        </p:tav>
+                                        <p:tav tm="100000">
+                                          <p:val>
+                                            <p:strVal val="#ppt_y"/>
+                                          </p:val>
+                                        </p:tav>
+                                      </p:tavLst>
+                                    </p:anim>
+                                  </p:childTnLst>
+                                </p:cTn>
+                              </p:par>
+                            </p:childTnLst>
+                          </p:cTn>
+                        </p:par>
+                      </p:childTnLst>
+                    </p:cTn>
+                  </p:par>
+                  <p:par>
+                    <p:cTn id="9" fill="hold">
+                      <p:stCondLst>
+                        <p:cond delay="indefinite"/>
+                      </p:stCondLst>
+                      <p:childTnLst>
+                        <p:par>
+                          <p:cTn id="10" fill="hold">
+                            <p:stCondLst>
+                              <p:cond delay="0"/>
+                            </p:stCondLst>
+                            <p:childTnLst>
+                              <p:par>
+                                <p:cTn id="11" presetID="2" presetClass="entr" presetSubtype="4" fill="hold" nodeType="clickEffect">
+                                  <p:stCondLst>
+                                    <p:cond delay="0"/>
+                                  </p:stCondLst>
+                                  <p:childTnLst>
+                                    <p:set>
+                                      <p:cBhvr>
+                                        <p:cTn id="12" dur="1" fill="hold">
+                                          <p:stCondLst>
+                                            <p:cond delay="0"/>
+                                          </p:stCondLst>
+                                        </p:cTn>
+                                        <p:tgtEl>
+                                          <p:spTgt spid="39939">
+                                            <p:txEl>
+                                              <p:pRg st="4" end="4"/>
+                                            </p:txEl>
+                                          </p:spTgt>
+                                        </p:tgtEl>
+                                        <p:attrNameLst>
+                                          <p:attrName>style.visibility</p:attrName>
+                                        </p:attrNameLst>
+                                      </p:cBhvr>
+                                      <p:to>
+                                        <p:strVal val="visible"/>
+                                      </p:to>
+                                    </p:set>
+                                    <p:anim calcmode="lin" valueType="num">
+                                      <p:cBhvr additive="base">
+                                        <p:cTn id="13" dur="500" fill="hold"/>
+                                        <p:tgtEl>
+                                          <p:spTgt spid="39939">
+                                            <p:txEl>
+                                              <p:pRg st="4" end="4"/>
+                                            </p:txEl>
+                                          </p:spTgt>
+                                        </p:tgtEl>
+                                        <p:attrNameLst>
+                                          <p:attrName>ppt_x</p:attrName>
+                                        </p:attrNameLst>
+                                      </p:cBhvr>
+                                      <p:tavLst>
+                                        <p:tav tm="0">
+                                          <p:val>
+                                            <p:strVal val="#ppt_x"/>
+                                          </p:val>
+                                        </p:tav>
+                                        <p:tav tm="100000">
+                                          <p:val>
+                                            <p:strVal val="#ppt_x"/>
+                                          </p:val>
+                                        </p:tav>
+                                      </p:tavLst>
+                                    </p:anim>
+                                    <p:anim calcmode="lin" valueType="num">
+                                      <p:cBhvr additive="base">
+                                        <p:cTn id="14" dur="500" fill="hold"/>
+                                        <p:tgtEl>
+                                          <p:spTgt spid="39939">
+                                            <p:txEl>
+                                              <p:pRg st="4" end="4"/>
+                                            </p:txEl>
+                                          </p:spTgt>
+                                        </p:tgtEl>
+                                        <p:attrNameLst>
+                                          <p:attrName>ppt_y</p:attrName>
+                                        </p:attrNameLst>
+                                      </p:cBhvr>
+                                      <p:tavLst>
+                                        <p:tav tm="0">
+                                          <p:val>
+                                            <p:strVal val="1+#ppt_h/2"/>
+                                          </p:val>
+                                        </p:tav>
+                                        <p:tav tm="100000">
+                                          <p:val>
+                                            <p:strVal val="#ppt_y"/>
+                                          </p:val>
+                                        </p:tav>
+                                      </p:tavLst>
+                                    </p:anim>
+                                  </p:childTnLst>
+                                </p:cTn>
+                              </p:par>
+                            </p:childTnLst>
+                          </p:cTn>
+                        </p:par>
+                      </p:childTnLst>
+                    </p:cTn>
+                  </p:par>
+                </p:childTnLst>
+              </p:cTn>
+              <p:prevCondLst>
+                <p:cond evt="onPrev" delay="0">
+                  <p:tgtEl>
+                    <p:sldTgt/>
+                  </p:tgtEl>
+                </p:cond>
+              </p:prevCondLst>
+              <p:nextCondLst>
+                <p:cond evt="onNext" delay="0">
+                  <p:tgtEl>
+                    <p:sldTgt/>
+                  </p:tgtEl>
+                </p:cond>
+              </p:nextCondLst>
+            </p:seq>
+          </p:childTnLst>
+        </p:cTn>
+      </p:par>
+    </p:tnLst>
+  </p:timing>
 </p:sld>
 </file>
 
@@ -31945,14 +34139,14 @@
         <p:spPr>
           <a:extLst>
             <a:ext uri="{909E8E84-426E-40dd-AFC4-6F175D3DCCD1}">
-              <a14:hiddenFill xmlns="" xmlns:a14="http://schemas.microsoft.com/office/drawing/2010/main">
+              <a14:hiddenFill xmlns:a14="http://schemas.microsoft.com/office/drawing/2010/main" xmlns="">
                 <a:solidFill>
                   <a:srgbClr val="FFFFFF"/>
                 </a:solidFill>
               </a14:hiddenFill>
             </a:ext>
             <a:ext uri="{91240B29-F687-4f45-9708-019B960494DF}">
-              <a14:hiddenLine xmlns="" xmlns:a14="http://schemas.microsoft.com/office/drawing/2010/main" w="9525">
+              <a14:hiddenLine xmlns:a14="http://schemas.microsoft.com/office/drawing/2010/main" xmlns="" w="9525">
                 <a:solidFill>
                   <a:srgbClr val="000000"/>
                 </a:solidFill>
@@ -32197,14 +34391,14 @@
           <a:ln/>
           <a:extLst>
             <a:ext uri="{909E8E84-426E-40dd-AFC4-6F175D3DCCD1}">
-              <a14:hiddenFill xmlns="" xmlns:a14="http://schemas.microsoft.com/office/drawing/2010/main">
+              <a14:hiddenFill xmlns:a14="http://schemas.microsoft.com/office/drawing/2010/main" xmlns="">
                 <a:solidFill>
                   <a:srgbClr val="FFFFFF"/>
                 </a:solidFill>
               </a14:hiddenFill>
             </a:ext>
             <a:ext uri="{91240B29-F687-4f45-9708-019B960494DF}">
-              <a14:hiddenLine xmlns="" xmlns:a14="http://schemas.microsoft.com/office/drawing/2010/main" w="9525">
+              <a14:hiddenLine xmlns:a14="http://schemas.microsoft.com/office/drawing/2010/main" xmlns="" w="9525">
                 <a:solidFill>
                   <a:srgbClr val="000000"/>
                 </a:solidFill>
@@ -32357,14 +34551,14 @@
           </a:ln>
           <a:extLst>
             <a:ext uri="{909E8E84-426E-40dd-AFC4-6F175D3DCCD1}">
-              <a14:hiddenFill xmlns="" xmlns:a14="http://schemas.microsoft.com/office/drawing/2010/main">
+              <a14:hiddenFill xmlns:a14="http://schemas.microsoft.com/office/drawing/2010/main" xmlns="">
                 <a:solidFill>
                   <a:srgbClr val="FFFFFF"/>
                 </a:solidFill>
               </a14:hiddenFill>
             </a:ext>
             <a:ext uri="{91240B29-F687-4f45-9708-019B960494DF}">
-              <a14:hiddenLine xmlns="" xmlns:a14="http://schemas.microsoft.com/office/drawing/2010/main" w="12700" cap="sq">
+              <a14:hiddenLine xmlns:a14="http://schemas.microsoft.com/office/drawing/2010/main" xmlns="" w="12700" cap="sq">
                 <a:solidFill>
                   <a:srgbClr val="000000"/>
                 </a:solidFill>
@@ -32527,7 +34721,7 @@
           </a:ln>
           <a:extLst>
             <a:ext uri="{91240B29-F687-4f45-9708-019B960494DF}">
-              <a14:hiddenLine xmlns="" xmlns:a14="http://schemas.microsoft.com/office/drawing/2010/main" w="12700" cap="sq">
+              <a14:hiddenLine xmlns:a14="http://schemas.microsoft.com/office/drawing/2010/main" xmlns="" w="12700" cap="sq">
                 <a:solidFill>
                   <a:srgbClr val="000000"/>
                 </a:solidFill>
@@ -32711,7 +34905,7 @@
           </a:ln>
           <a:extLst>
             <a:ext uri="{909E8E84-426E-40dd-AFC4-6F175D3DCCD1}">
-              <a14:hiddenFill xmlns="" xmlns:a14="http://schemas.microsoft.com/office/drawing/2010/main">
+              <a14:hiddenFill xmlns:a14="http://schemas.microsoft.com/office/drawing/2010/main" xmlns="">
                 <a:solidFill>
                   <a:srgbClr val="FFFFFF"/>
                 </a:solidFill>
@@ -32974,14 +35168,14 @@
           <a:ln/>
           <a:extLst>
             <a:ext uri="{909E8E84-426E-40dd-AFC4-6F175D3DCCD1}">
-              <a14:hiddenFill xmlns="" xmlns:a14="http://schemas.microsoft.com/office/drawing/2010/main">
+              <a14:hiddenFill xmlns:a14="http://schemas.microsoft.com/office/drawing/2010/main" xmlns="">
                 <a:solidFill>
                   <a:srgbClr val="FFFFFF"/>
                 </a:solidFill>
               </a14:hiddenFill>
             </a:ext>
             <a:ext uri="{91240B29-F687-4f45-9708-019B960494DF}">
-              <a14:hiddenLine xmlns="" xmlns:a14="http://schemas.microsoft.com/office/drawing/2010/main" w="9525">
+              <a14:hiddenLine xmlns:a14="http://schemas.microsoft.com/office/drawing/2010/main" xmlns="" w="9525">
                 <a:solidFill>
                   <a:srgbClr val="000000"/>
                 </a:solidFill>
@@ -33136,7 +35330,7 @@
           </a:ln>
           <a:extLst>
             <a:ext uri="{91240B29-F687-4f45-9708-019B960494DF}">
-              <a14:hiddenLine xmlns="" xmlns:a14="http://schemas.microsoft.com/office/drawing/2010/main" w="12700" cap="sq">
+              <a14:hiddenLine xmlns:a14="http://schemas.microsoft.com/office/drawing/2010/main" xmlns="" w="12700" cap="sq">
                 <a:solidFill>
                   <a:srgbClr val="000000"/>
                 </a:solidFill>
@@ -33291,14 +35485,14 @@
           </a:ln>
           <a:extLst>
             <a:ext uri="{909E8E84-426E-40dd-AFC4-6F175D3DCCD1}">
-              <a14:hiddenFill xmlns="" xmlns:a14="http://schemas.microsoft.com/office/drawing/2010/main">
+              <a14:hiddenFill xmlns:a14="http://schemas.microsoft.com/office/drawing/2010/main" xmlns="">
                 <a:solidFill>
                   <a:srgbClr val="FFFFFF"/>
                 </a:solidFill>
               </a14:hiddenFill>
             </a:ext>
             <a:ext uri="{91240B29-F687-4f45-9708-019B960494DF}">
-              <a14:hiddenLine xmlns="" xmlns:a14="http://schemas.microsoft.com/office/drawing/2010/main" w="9525">
+              <a14:hiddenLine xmlns:a14="http://schemas.microsoft.com/office/drawing/2010/main" xmlns="" w="9525">
                 <a:solidFill>
                   <a:srgbClr val="000000"/>
                 </a:solidFill>
@@ -33618,14 +35812,14 @@
           <a:ln/>
           <a:extLst>
             <a:ext uri="{909E8E84-426E-40dd-AFC4-6F175D3DCCD1}">
-              <a14:hiddenFill xmlns:a14="http://schemas.microsoft.com/office/drawing/2010/main" xmlns="">
+              <a14:hiddenFill xmlns="" xmlns:a14="http://schemas.microsoft.com/office/drawing/2010/main">
                 <a:solidFill>
                   <a:srgbClr val="FFFFFF"/>
                 </a:solidFill>
               </a14:hiddenFill>
             </a:ext>
             <a:ext uri="{91240B29-F687-4f45-9708-019B960494DF}">
-              <a14:hiddenLine xmlns:a14="http://schemas.microsoft.com/office/drawing/2010/main" xmlns="" w="9525">
+              <a14:hiddenLine xmlns="" xmlns:a14="http://schemas.microsoft.com/office/drawing/2010/main" w="9525">
                 <a:solidFill>
                   <a:srgbClr val="000000"/>
                 </a:solidFill>
@@ -33784,14 +35978,14 @@
           </a:ln>
           <a:extLst>
             <a:ext uri="{909E8E84-426E-40dd-AFC4-6F175D3DCCD1}">
-              <a14:hiddenFill xmlns="" xmlns:a14="http://schemas.microsoft.com/office/drawing/2010/main">
+              <a14:hiddenFill xmlns:a14="http://schemas.microsoft.com/office/drawing/2010/main" xmlns="">
                 <a:solidFill>
                   <a:srgbClr val="FFFFFF"/>
                 </a:solidFill>
               </a14:hiddenFill>
             </a:ext>
             <a:ext uri="{91240B29-F687-4f45-9708-019B960494DF}">
-              <a14:hiddenLine xmlns="" xmlns:a14="http://schemas.microsoft.com/office/drawing/2010/main" w="9525">
+              <a14:hiddenLine xmlns:a14="http://schemas.microsoft.com/office/drawing/2010/main" xmlns="" w="9525">
                 <a:solidFill>
                   <a:srgbClr val="000000"/>
                 </a:solidFill>
@@ -33863,43 +36057,7 @@
             </a:r>
             <a:r>
               <a:rPr kumimoji="1" lang="en-US" dirty="0"/>
-              <a:t>, the </a:t>
-            </a:r>
-          </a:p>
-          <a:p>
-            <a:pPr>
-              <a:spcBef>
-                <a:spcPct val="20000"/>
-              </a:spcBef>
-              <a:buClr>
-                <a:schemeClr val="accent2"/>
-              </a:buClr>
-            </a:pPr>
-            <a:r>
-              <a:rPr kumimoji="1" lang="en-US" dirty="0"/>
-              <a:t>                                      </a:t>
-            </a:r>
-            <a:r>
-              <a:rPr kumimoji="1" lang="en-US" b="1" dirty="0">
-                <a:solidFill>
-                  <a:schemeClr val="bg1"/>
-                </a:solidFill>
-              </a:rPr>
-              <a:t>:type   (can be shortened to :t) </a:t>
-            </a:r>
-          </a:p>
-          <a:p>
-            <a:pPr>
-              <a:spcBef>
-                <a:spcPct val="20000"/>
-              </a:spcBef>
-              <a:buClr>
-                <a:schemeClr val="accent2"/>
-              </a:buClr>
-            </a:pPr>
-            <a:r>
-              <a:rPr kumimoji="1" lang="en-US" dirty="0"/>
-              <a:t>command calculates the type of an expression, without evaluating it:</a:t>
+              <a:t>, the command calculates the type of an expression, without evaluating it:</a:t>
             </a:r>
           </a:p>
         </p:txBody>
@@ -33920,7 +36078,7 @@
         </p:nvSpPr>
         <p:spPr bwMode="auto">
           <a:xfrm>
-            <a:off x="2692153" y="4430713"/>
+            <a:off x="2592141" y="3816351"/>
             <a:ext cx="3314700" cy="2100263"/>
           </a:xfrm>
           <a:prstGeom prst="rect">
@@ -33934,7 +36092,7 @@
           </a:ln>
           <a:extLst>
             <a:ext uri="{91240B29-F687-4f45-9708-019B960494DF}">
-              <a14:hiddenLine xmlns="" xmlns:a14="http://schemas.microsoft.com/office/drawing/2010/main" w="12700" cap="sq">
+              <a14:hiddenLine xmlns:a14="http://schemas.microsoft.com/office/drawing/2010/main" xmlns="" w="12700" cap="sq">
                 <a:solidFill>
                   <a:srgbClr val="000000"/>
                 </a:solidFill>
@@ -34121,6 +36279,52 @@
           </a:p>
         </p:txBody>
       </p:sp>
+      <p:sp>
+        <p:nvSpPr>
+          <p:cNvPr id="3" name="TextBox 2">
+            <a:extLst>
+              <a:ext uri="{FF2B5EF4-FFF2-40B4-BE49-F238E27FC236}">
+                <a16:creationId xmlns:a16="http://schemas.microsoft.com/office/drawing/2014/main" id="{9CE8307C-F932-B4FC-DE0B-5EF1A5902A36}"/>
+              </a:ext>
+            </a:extLst>
+          </p:cNvPr>
+          <p:cNvSpPr txBox="1"/>
+          <p:nvPr/>
+        </p:nvSpPr>
+        <p:spPr>
+          <a:xfrm>
+            <a:off x="1835944" y="6230422"/>
+            <a:ext cx="4586286" cy="369332"/>
+          </a:xfrm>
+          <a:prstGeom prst="rect">
+            <a:avLst/>
+          </a:prstGeom>
+          <a:solidFill>
+            <a:schemeClr val="accent4"/>
+          </a:solidFill>
+        </p:spPr>
+        <p:txBody>
+          <a:bodyPr wrap="square">
+            <a:spAutoFit/>
+          </a:bodyPr>
+          <a:lstStyle/>
+          <a:p>
+            <a:r>
+              <a:rPr kumimoji="1" lang="en-US" dirty="0"/>
+              <a:t> </a:t>
+            </a:r>
+            <a:r>
+              <a:rPr kumimoji="1" lang="en-US" b="1" dirty="0">
+                <a:solidFill>
+                  <a:schemeClr val="bg1"/>
+                </a:solidFill>
+              </a:rPr>
+              <a:t>:type   (can be shortened to :t) </a:t>
+            </a:r>
+            <a:endParaRPr lang="en-US" dirty="0"/>
+          </a:p>
+        </p:txBody>
+      </p:sp>
     </p:spTree>
     <p:extLst>
       <p:ext uri="{BB962C8B-B14F-4D97-AF65-F5344CB8AC3E}">
@@ -34131,6 +36335,325 @@
   <p:clrMapOvr>
     <a:masterClrMapping/>
   </p:clrMapOvr>
+  <p:timing>
+    <p:tnLst>
+      <p:par>
+        <p:cTn id="1" dur="indefinite" restart="never" nodeType="tmRoot">
+          <p:childTnLst>
+            <p:seq concurrent="1" nextAc="seek">
+              <p:cTn id="2" dur="indefinite" nodeType="mainSeq">
+                <p:childTnLst>
+                  <p:par>
+                    <p:cTn id="3" fill="hold">
+                      <p:stCondLst>
+                        <p:cond delay="indefinite"/>
+                      </p:stCondLst>
+                      <p:childTnLst>
+                        <p:par>
+                          <p:cTn id="4" fill="hold">
+                            <p:stCondLst>
+                              <p:cond delay="0"/>
+                            </p:stCondLst>
+                            <p:childTnLst>
+                              <p:par>
+                                <p:cTn id="5" presetID="2" presetClass="entr" presetSubtype="4" fill="hold" nodeType="clickEffect">
+                                  <p:stCondLst>
+                                    <p:cond delay="0"/>
+                                  </p:stCondLst>
+                                  <p:childTnLst>
+                                    <p:set>
+                                      <p:cBhvr>
+                                        <p:cTn id="6" dur="1" fill="hold">
+                                          <p:stCondLst>
+                                            <p:cond delay="0"/>
+                                          </p:stCondLst>
+                                        </p:cTn>
+                                        <p:tgtEl>
+                                          <p:spTgt spid="4">
+                                            <p:txEl>
+                                              <p:pRg st="2" end="2"/>
+                                            </p:txEl>
+                                          </p:spTgt>
+                                        </p:tgtEl>
+                                        <p:attrNameLst>
+                                          <p:attrName>style.visibility</p:attrName>
+                                        </p:attrNameLst>
+                                      </p:cBhvr>
+                                      <p:to>
+                                        <p:strVal val="visible"/>
+                                      </p:to>
+                                    </p:set>
+                                    <p:anim calcmode="lin" valueType="num">
+                                      <p:cBhvr additive="base">
+                                        <p:cTn id="7" dur="500" fill="hold"/>
+                                        <p:tgtEl>
+                                          <p:spTgt spid="4">
+                                            <p:txEl>
+                                              <p:pRg st="2" end="2"/>
+                                            </p:txEl>
+                                          </p:spTgt>
+                                        </p:tgtEl>
+                                        <p:attrNameLst>
+                                          <p:attrName>ppt_x</p:attrName>
+                                        </p:attrNameLst>
+                                      </p:cBhvr>
+                                      <p:tavLst>
+                                        <p:tav tm="0">
+                                          <p:val>
+                                            <p:strVal val="#ppt_x"/>
+                                          </p:val>
+                                        </p:tav>
+                                        <p:tav tm="100000">
+                                          <p:val>
+                                            <p:strVal val="#ppt_x"/>
+                                          </p:val>
+                                        </p:tav>
+                                      </p:tavLst>
+                                    </p:anim>
+                                    <p:anim calcmode="lin" valueType="num">
+                                      <p:cBhvr additive="base">
+                                        <p:cTn id="8" dur="500" fill="hold"/>
+                                        <p:tgtEl>
+                                          <p:spTgt spid="4">
+                                            <p:txEl>
+                                              <p:pRg st="2" end="2"/>
+                                            </p:txEl>
+                                          </p:spTgt>
+                                        </p:tgtEl>
+                                        <p:attrNameLst>
+                                          <p:attrName>ppt_y</p:attrName>
+                                        </p:attrNameLst>
+                                      </p:cBhvr>
+                                      <p:tavLst>
+                                        <p:tav tm="0">
+                                          <p:val>
+                                            <p:strVal val="1+#ppt_h/2"/>
+                                          </p:val>
+                                        </p:tav>
+                                        <p:tav tm="100000">
+                                          <p:val>
+                                            <p:strVal val="#ppt_y"/>
+                                          </p:val>
+                                        </p:tav>
+                                      </p:tavLst>
+                                    </p:anim>
+                                  </p:childTnLst>
+                                </p:cTn>
+                              </p:par>
+                            </p:childTnLst>
+                          </p:cTn>
+                        </p:par>
+                      </p:childTnLst>
+                    </p:cTn>
+                  </p:par>
+                  <p:par>
+                    <p:cTn id="9" fill="hold">
+                      <p:stCondLst>
+                        <p:cond delay="indefinite"/>
+                      </p:stCondLst>
+                      <p:childTnLst>
+                        <p:par>
+                          <p:cTn id="10" fill="hold">
+                            <p:stCondLst>
+                              <p:cond delay="0"/>
+                            </p:stCondLst>
+                            <p:childTnLst>
+                              <p:par>
+                                <p:cTn id="11" presetID="2" presetClass="entr" presetSubtype="4" fill="hold" grpId="0" nodeType="clickEffect">
+                                  <p:stCondLst>
+                                    <p:cond delay="0"/>
+                                  </p:stCondLst>
+                                  <p:childTnLst>
+                                    <p:set>
+                                      <p:cBhvr>
+                                        <p:cTn id="12" dur="1" fill="hold">
+                                          <p:stCondLst>
+                                            <p:cond delay="0"/>
+                                          </p:stCondLst>
+                                        </p:cTn>
+                                        <p:tgtEl>
+                                          <p:spTgt spid="5"/>
+                                        </p:tgtEl>
+                                        <p:attrNameLst>
+                                          <p:attrName>style.visibility</p:attrName>
+                                        </p:attrNameLst>
+                                      </p:cBhvr>
+                                      <p:to>
+                                        <p:strVal val="visible"/>
+                                      </p:to>
+                                    </p:set>
+                                    <p:anim calcmode="lin" valueType="num">
+                                      <p:cBhvr additive="base">
+                                        <p:cTn id="13" dur="500" fill="hold"/>
+                                        <p:tgtEl>
+                                          <p:spTgt spid="5"/>
+                                        </p:tgtEl>
+                                        <p:attrNameLst>
+                                          <p:attrName>ppt_x</p:attrName>
+                                        </p:attrNameLst>
+                                      </p:cBhvr>
+                                      <p:tavLst>
+                                        <p:tav tm="0">
+                                          <p:val>
+                                            <p:strVal val="#ppt_x"/>
+                                          </p:val>
+                                        </p:tav>
+                                        <p:tav tm="100000">
+                                          <p:val>
+                                            <p:strVal val="#ppt_x"/>
+                                          </p:val>
+                                        </p:tav>
+                                      </p:tavLst>
+                                    </p:anim>
+                                    <p:anim calcmode="lin" valueType="num">
+                                      <p:cBhvr additive="base">
+                                        <p:cTn id="14" dur="500" fill="hold"/>
+                                        <p:tgtEl>
+                                          <p:spTgt spid="5"/>
+                                        </p:tgtEl>
+                                        <p:attrNameLst>
+                                          <p:attrName>ppt_y</p:attrName>
+                                        </p:attrNameLst>
+                                      </p:cBhvr>
+                                      <p:tavLst>
+                                        <p:tav tm="0">
+                                          <p:val>
+                                            <p:strVal val="1+#ppt_h/2"/>
+                                          </p:val>
+                                        </p:tav>
+                                        <p:tav tm="100000">
+                                          <p:val>
+                                            <p:strVal val="#ppt_y"/>
+                                          </p:val>
+                                        </p:tav>
+                                      </p:tavLst>
+                                    </p:anim>
+                                  </p:childTnLst>
+                                </p:cTn>
+                              </p:par>
+                            </p:childTnLst>
+                          </p:cTn>
+                        </p:par>
+                      </p:childTnLst>
+                    </p:cTn>
+                  </p:par>
+                  <p:par>
+                    <p:cTn id="15" fill="hold">
+                      <p:stCondLst>
+                        <p:cond delay="indefinite"/>
+                      </p:stCondLst>
+                      <p:childTnLst>
+                        <p:par>
+                          <p:cTn id="16" fill="hold">
+                            <p:stCondLst>
+                              <p:cond delay="0"/>
+                            </p:stCondLst>
+                            <p:childTnLst>
+                              <p:par>
+                                <p:cTn id="17" presetID="2" presetClass="entr" presetSubtype="4" fill="hold" grpId="0" nodeType="clickEffect">
+                                  <p:stCondLst>
+                                    <p:cond delay="0"/>
+                                  </p:stCondLst>
+                                  <p:childTnLst>
+                                    <p:set>
+                                      <p:cBhvr>
+                                        <p:cTn id="18" dur="1" fill="hold">
+                                          <p:stCondLst>
+                                            <p:cond delay="0"/>
+                                          </p:stCondLst>
+                                        </p:cTn>
+                                        <p:tgtEl>
+                                          <p:spTgt spid="3"/>
+                                        </p:tgtEl>
+                                        <p:attrNameLst>
+                                          <p:attrName>style.visibility</p:attrName>
+                                        </p:attrNameLst>
+                                      </p:cBhvr>
+                                      <p:to>
+                                        <p:strVal val="visible"/>
+                                      </p:to>
+                                    </p:set>
+                                    <p:anim calcmode="lin" valueType="num">
+                                      <p:cBhvr additive="base">
+                                        <p:cTn id="19" dur="500" fill="hold"/>
+                                        <p:tgtEl>
+                                          <p:spTgt spid="3"/>
+                                        </p:tgtEl>
+                                        <p:attrNameLst>
+                                          <p:attrName>ppt_x</p:attrName>
+                                        </p:attrNameLst>
+                                      </p:cBhvr>
+                                      <p:tavLst>
+                                        <p:tav tm="0">
+                                          <p:val>
+                                            <p:strVal val="#ppt_x"/>
+                                          </p:val>
+                                        </p:tav>
+                                        <p:tav tm="100000">
+                                          <p:val>
+                                            <p:strVal val="#ppt_x"/>
+                                          </p:val>
+                                        </p:tav>
+                                      </p:tavLst>
+                                    </p:anim>
+                                    <p:anim calcmode="lin" valueType="num">
+                                      <p:cBhvr additive="base">
+                                        <p:cTn id="20" dur="500" fill="hold"/>
+                                        <p:tgtEl>
+                                          <p:spTgt spid="3"/>
+                                        </p:tgtEl>
+                                        <p:attrNameLst>
+                                          <p:attrName>ppt_y</p:attrName>
+                                        </p:attrNameLst>
+                                      </p:cBhvr>
+                                      <p:tavLst>
+                                        <p:tav tm="0">
+                                          <p:val>
+                                            <p:strVal val="1+#ppt_h/2"/>
+                                          </p:val>
+                                        </p:tav>
+                                        <p:tav tm="100000">
+                                          <p:val>
+                                            <p:strVal val="#ppt_y"/>
+                                          </p:val>
+                                        </p:tav>
+                                      </p:tavLst>
+                                    </p:anim>
+                                  </p:childTnLst>
+                                </p:cTn>
+                              </p:par>
+                            </p:childTnLst>
+                          </p:cTn>
+                        </p:par>
+                      </p:childTnLst>
+                    </p:cTn>
+                  </p:par>
+                </p:childTnLst>
+              </p:cTn>
+              <p:prevCondLst>
+                <p:cond evt="onPrev" delay="0">
+                  <p:tgtEl>
+                    <p:sldTgt/>
+                  </p:tgtEl>
+                </p:cond>
+              </p:prevCondLst>
+              <p:nextCondLst>
+                <p:cond evt="onNext" delay="0">
+                  <p:tgtEl>
+                    <p:sldTgt/>
+                  </p:tgtEl>
+                </p:cond>
+              </p:nextCondLst>
+            </p:seq>
+          </p:childTnLst>
+        </p:cTn>
+      </p:par>
+    </p:tnLst>
+    <p:bldLst>
+      <p:bldP spid="5" grpId="0" animBg="1"/>
+      <p:bldP spid="3" grpId="0" animBg="1"/>
+    </p:bldLst>
+  </p:timing>
 </p:sld>
 </file>
 
@@ -34192,14 +36715,14 @@
           <a:ln/>
           <a:extLst>
             <a:ext uri="{909E8E84-426E-40dd-AFC4-6F175D3DCCD1}">
-              <a14:hiddenFill xmlns="" xmlns:a14="http://schemas.microsoft.com/office/drawing/2010/main">
+              <a14:hiddenFill xmlns:a14="http://schemas.microsoft.com/office/drawing/2010/main" xmlns="">
                 <a:solidFill>
                   <a:srgbClr val="FFFFFF"/>
                 </a:solidFill>
               </a14:hiddenFill>
             </a:ext>
             <a:ext uri="{91240B29-F687-4f45-9708-019B960494DF}">
-              <a14:hiddenLine xmlns="" xmlns:a14="http://schemas.microsoft.com/office/drawing/2010/main" w="9525">
+              <a14:hiddenLine xmlns:a14="http://schemas.microsoft.com/office/drawing/2010/main" xmlns="" w="9525">
                 <a:solidFill>
                   <a:srgbClr val="000000"/>
                 </a:solidFill>
@@ -34352,14 +36875,14 @@
           </a:ln>
           <a:extLst>
             <a:ext uri="{909E8E84-426E-40dd-AFC4-6F175D3DCCD1}">
-              <a14:hiddenFill xmlns="" xmlns:a14="http://schemas.microsoft.com/office/drawing/2010/main">
+              <a14:hiddenFill xmlns:a14="http://schemas.microsoft.com/office/drawing/2010/main" xmlns="">
                 <a:solidFill>
                   <a:srgbClr val="FFFFFF"/>
                 </a:solidFill>
               </a14:hiddenFill>
             </a:ext>
             <a:ext uri="{91240B29-F687-4f45-9708-019B960494DF}">
-              <a14:hiddenLine xmlns="" xmlns:a14="http://schemas.microsoft.com/office/drawing/2010/main" w="12700" cap="sq">
+              <a14:hiddenLine xmlns:a14="http://schemas.microsoft.com/office/drawing/2010/main" xmlns="" w="12700" cap="sq">
                 <a:solidFill>
                   <a:srgbClr val="000000"/>
                 </a:solidFill>
@@ -34554,7 +37077,7 @@
               </a:ln>
               <a:extLst>
                 <a:ext uri="{91240B29-F687-4f45-9708-019B960494DF}">
-                  <a14:hiddenLine xmlns="" xmlns:a14="http://schemas.microsoft.com/office/drawing/2010/main" w="12700" cap="sq">
+                  <a14:hiddenLine xmlns:a14="http://schemas.microsoft.com/office/drawing/2010/main" xmlns="" w="12700" cap="sq">
                     <a:solidFill>
                       <a:srgbClr val="000000"/>
                     </a:solidFill>
@@ -34710,14 +37233,14 @@
               </a:ln>
               <a:extLst>
                 <a:ext uri="{909E8E84-426E-40dd-AFC4-6F175D3DCCD1}">
-                  <a14:hiddenFill xmlns="" xmlns:a14="http://schemas.microsoft.com/office/drawing/2010/main">
+                  <a14:hiddenFill xmlns:a14="http://schemas.microsoft.com/office/drawing/2010/main" xmlns="">
                     <a:solidFill>
                       <a:srgbClr val="FFFFFF"/>
                     </a:solidFill>
                   </a14:hiddenFill>
                 </a:ext>
                 <a:ext uri="{91240B29-F687-4f45-9708-019B960494DF}">
-                  <a14:hiddenLine xmlns="" xmlns:a14="http://schemas.microsoft.com/office/drawing/2010/main" w="12700" cap="sq">
+                  <a14:hiddenLine xmlns:a14="http://schemas.microsoft.com/office/drawing/2010/main" xmlns="" w="12700" cap="sq">
                     <a:solidFill>
                       <a:srgbClr val="000000"/>
                     </a:solidFill>
@@ -34889,7 +37412,7 @@
               </a:ln>
               <a:extLst>
                 <a:ext uri="{91240B29-F687-4f45-9708-019B960494DF}">
-                  <a14:hiddenLine xmlns="" xmlns:a14="http://schemas.microsoft.com/office/drawing/2010/main" w="12700" cap="sq">
+                  <a14:hiddenLine xmlns:a14="http://schemas.microsoft.com/office/drawing/2010/main" xmlns="" w="12700" cap="sq">
                     <a:solidFill>
                       <a:srgbClr val="000000"/>
                     </a:solidFill>
@@ -35015,7 +37538,7 @@
               <a:p>
                 <a:pPr algn="ctr"/>
                 <a:r>
-                  <a:rPr lang="en-US" sz="2400">
+                  <a:rPr lang="en-US" sz="2400" dirty="0">
                     <a:latin typeface="Lucida Sans Typewriter" charset="0"/>
                   </a:rPr>
                   <a:t>Char</a:t>
@@ -35045,14 +37568,14 @@
               </a:ln>
               <a:extLst>
                 <a:ext uri="{909E8E84-426E-40dd-AFC4-6F175D3DCCD1}">
-                  <a14:hiddenFill xmlns="" xmlns:a14="http://schemas.microsoft.com/office/drawing/2010/main">
+                  <a14:hiddenFill xmlns:a14="http://schemas.microsoft.com/office/drawing/2010/main" xmlns="">
                     <a:solidFill>
                       <a:srgbClr val="FFFFFF"/>
                     </a:solidFill>
                   </a14:hiddenFill>
                 </a:ext>
                 <a:ext uri="{91240B29-F687-4f45-9708-019B960494DF}">
-                  <a14:hiddenLine xmlns="" xmlns:a14="http://schemas.microsoft.com/office/drawing/2010/main" w="12700" cap="sq">
+                  <a14:hiddenLine xmlns:a14="http://schemas.microsoft.com/office/drawing/2010/main" xmlns="" w="12700" cap="sq">
                     <a:solidFill>
                       <a:srgbClr val="000000"/>
                     </a:solidFill>
@@ -35224,7 +37747,7 @@
               </a:ln>
               <a:extLst>
                 <a:ext uri="{91240B29-F687-4f45-9708-019B960494DF}">
-                  <a14:hiddenLine xmlns="" xmlns:a14="http://schemas.microsoft.com/office/drawing/2010/main" w="12700" cap="sq">
+                  <a14:hiddenLine xmlns:a14="http://schemas.microsoft.com/office/drawing/2010/main" xmlns="" w="12700" cap="sq">
                     <a:solidFill>
                       <a:srgbClr val="000000"/>
                     </a:solidFill>
@@ -35380,14 +37903,14 @@
               </a:ln>
               <a:extLst>
                 <a:ext uri="{909E8E84-426E-40dd-AFC4-6F175D3DCCD1}">
-                  <a14:hiddenFill xmlns="" xmlns:a14="http://schemas.microsoft.com/office/drawing/2010/main">
+                  <a14:hiddenFill xmlns:a14="http://schemas.microsoft.com/office/drawing/2010/main" xmlns="">
                     <a:solidFill>
                       <a:srgbClr val="FFFFFF"/>
                     </a:solidFill>
                   </a14:hiddenFill>
                 </a:ext>
                 <a:ext uri="{91240B29-F687-4f45-9708-019B960494DF}">
-                  <a14:hiddenLine xmlns="" xmlns:a14="http://schemas.microsoft.com/office/drawing/2010/main" w="12700" cap="sq">
+                  <a14:hiddenLine xmlns:a14="http://schemas.microsoft.com/office/drawing/2010/main" xmlns="" w="12700" cap="sq">
                     <a:solidFill>
                       <a:srgbClr val="000000"/>
                     </a:solidFill>
@@ -35559,7 +38082,7 @@
               </a:ln>
               <a:extLst>
                 <a:ext uri="{91240B29-F687-4f45-9708-019B960494DF}">
-                  <a14:hiddenLine xmlns="" xmlns:a14="http://schemas.microsoft.com/office/drawing/2010/main" w="12700" cap="sq">
+                  <a14:hiddenLine xmlns:a14="http://schemas.microsoft.com/office/drawing/2010/main" xmlns="" w="12700" cap="sq">
                     <a:solidFill>
                       <a:srgbClr val="000000"/>
                     </a:solidFill>
@@ -35715,14 +38238,14 @@
               </a:ln>
               <a:extLst>
                 <a:ext uri="{909E8E84-426E-40dd-AFC4-6F175D3DCCD1}">
-                  <a14:hiddenFill xmlns="" xmlns:a14="http://schemas.microsoft.com/office/drawing/2010/main">
+                  <a14:hiddenFill xmlns:a14="http://schemas.microsoft.com/office/drawing/2010/main" xmlns="">
                     <a:solidFill>
                       <a:srgbClr val="FFFFFF"/>
                     </a:solidFill>
                   </a14:hiddenFill>
                 </a:ext>
                 <a:ext uri="{91240B29-F687-4f45-9708-019B960494DF}">
-                  <a14:hiddenLine xmlns="" xmlns:a14="http://schemas.microsoft.com/office/drawing/2010/main" w="12700" cap="sq">
+                  <a14:hiddenLine xmlns:a14="http://schemas.microsoft.com/office/drawing/2010/main" xmlns="" w="12700" cap="sq">
                     <a:solidFill>
                       <a:srgbClr val="000000"/>
                     </a:solidFill>
@@ -35894,7 +38417,7 @@
               </a:ln>
               <a:extLst>
                 <a:ext uri="{91240B29-F687-4f45-9708-019B960494DF}">
-                  <a14:hiddenLine xmlns="" xmlns:a14="http://schemas.microsoft.com/office/drawing/2010/main" w="12700" cap="sq">
+                  <a14:hiddenLine xmlns:a14="http://schemas.microsoft.com/office/drawing/2010/main" xmlns="" w="12700" cap="sq">
                     <a:solidFill>
                       <a:srgbClr val="000000"/>
                     </a:solidFill>
@@ -36050,14 +38573,14 @@
               </a:ln>
               <a:extLst>
                 <a:ext uri="{909E8E84-426E-40dd-AFC4-6F175D3DCCD1}">
-                  <a14:hiddenFill xmlns="" xmlns:a14="http://schemas.microsoft.com/office/drawing/2010/main">
+                  <a14:hiddenFill xmlns:a14="http://schemas.microsoft.com/office/drawing/2010/main" xmlns="">
                     <a:solidFill>
                       <a:srgbClr val="FFFFFF"/>
                     </a:solidFill>
                   </a14:hiddenFill>
                 </a:ext>
                 <a:ext uri="{91240B29-F687-4f45-9708-019B960494DF}">
-                  <a14:hiddenLine xmlns="" xmlns:a14="http://schemas.microsoft.com/office/drawing/2010/main" w="12700" cap="sq">
+                  <a14:hiddenLine xmlns:a14="http://schemas.microsoft.com/office/drawing/2010/main" xmlns="" w="12700" cap="sq">
                     <a:solidFill>
                       <a:srgbClr val="000000"/>
                     </a:solidFill>
@@ -36229,7 +38752,7 @@
               </a:ln>
               <a:extLst>
                 <a:ext uri="{91240B29-F687-4f45-9708-019B960494DF}">
-                  <a14:hiddenLine xmlns="" xmlns:a14="http://schemas.microsoft.com/office/drawing/2010/main" w="12700" cap="sq">
+                  <a14:hiddenLine xmlns:a14="http://schemas.microsoft.com/office/drawing/2010/main" xmlns="" w="12700" cap="sq">
                     <a:solidFill>
                       <a:srgbClr val="000000"/>
                     </a:solidFill>
@@ -36385,14 +38908,14 @@
               </a:ln>
               <a:extLst>
                 <a:ext uri="{909E8E84-426E-40dd-AFC4-6F175D3DCCD1}">
-                  <a14:hiddenFill xmlns="" xmlns:a14="http://schemas.microsoft.com/office/drawing/2010/main">
+                  <a14:hiddenFill xmlns:a14="http://schemas.microsoft.com/office/drawing/2010/main" xmlns="">
                     <a:solidFill>
                       <a:srgbClr val="FFFFFF"/>
                     </a:solidFill>
                   </a14:hiddenFill>
                 </a:ext>
                 <a:ext uri="{91240B29-F687-4f45-9708-019B960494DF}">
-                  <a14:hiddenLine xmlns="" xmlns:a14="http://schemas.microsoft.com/office/drawing/2010/main" w="12700" cap="sq">
+                  <a14:hiddenLine xmlns:a14="http://schemas.microsoft.com/office/drawing/2010/main" xmlns="" w="12700" cap="sq">
                     <a:solidFill>
                       <a:srgbClr val="000000"/>
                     </a:solidFill>
@@ -36712,14 +39235,14 @@
           <a:ln/>
           <a:extLst>
             <a:ext uri="{909E8E84-426E-40dd-AFC4-6F175D3DCCD1}">
-              <a14:hiddenFill xmlns="" xmlns:a14="http://schemas.microsoft.com/office/drawing/2010/main">
+              <a14:hiddenFill xmlns:a14="http://schemas.microsoft.com/office/drawing/2010/main" xmlns="">
                 <a:solidFill>
                   <a:srgbClr val="FFFFFF"/>
                 </a:solidFill>
               </a14:hiddenFill>
             </a:ext>
             <a:ext uri="{91240B29-F687-4f45-9708-019B960494DF}">
-              <a14:hiddenLine xmlns="" xmlns:a14="http://schemas.microsoft.com/office/drawing/2010/main" w="9525">
+              <a14:hiddenLine xmlns:a14="http://schemas.microsoft.com/office/drawing/2010/main" xmlns="" w="9525">
                 <a:solidFill>
                   <a:srgbClr val="000000"/>
                 </a:solidFill>
@@ -36874,7 +39397,7 @@
           </a:ln>
           <a:extLst>
             <a:ext uri="{91240B29-F687-4f45-9708-019B960494DF}">
-              <a14:hiddenLine xmlns="" xmlns:a14="http://schemas.microsoft.com/office/drawing/2010/main" w="12700" cap="sq">
+              <a14:hiddenLine xmlns:a14="http://schemas.microsoft.com/office/drawing/2010/main" xmlns="" w="12700" cap="sq">
                 <a:solidFill>
                   <a:srgbClr val="000000"/>
                 </a:solidFill>
@@ -37168,14 +39691,14 @@
           </a:ln>
           <a:extLst>
             <a:ext uri="{909E8E84-426E-40dd-AFC4-6F175D3DCCD1}">
-              <a14:hiddenFill xmlns="" xmlns:a14="http://schemas.microsoft.com/office/drawing/2010/main">
+              <a14:hiddenFill xmlns:a14="http://schemas.microsoft.com/office/drawing/2010/main" xmlns="">
                 <a:solidFill>
                   <a:srgbClr val="FFFFFF"/>
                 </a:solidFill>
               </a14:hiddenFill>
             </a:ext>
             <a:ext uri="{91240B29-F687-4f45-9708-019B960494DF}">
-              <a14:hiddenLine xmlns="" xmlns:a14="http://schemas.microsoft.com/office/drawing/2010/main" w="12700" cap="sq">
+              <a14:hiddenLine xmlns:a14="http://schemas.microsoft.com/office/drawing/2010/main" xmlns="" w="12700" cap="sq">
                 <a:solidFill>
                   <a:srgbClr val="000000"/>
                 </a:solidFill>
@@ -37328,14 +39851,14 @@
           </a:ln>
           <a:extLst>
             <a:ext uri="{909E8E84-426E-40dd-AFC4-6F175D3DCCD1}">
-              <a14:hiddenFill xmlns="" xmlns:a14="http://schemas.microsoft.com/office/drawing/2010/main">
+              <a14:hiddenFill xmlns:a14="http://schemas.microsoft.com/office/drawing/2010/main" xmlns="">
                 <a:solidFill>
                   <a:srgbClr val="FFFFFF"/>
                 </a:solidFill>
               </a14:hiddenFill>
             </a:ext>
             <a:ext uri="{91240B29-F687-4f45-9708-019B960494DF}">
-              <a14:hiddenLine xmlns="" xmlns:a14="http://schemas.microsoft.com/office/drawing/2010/main" w="12700" cap="sq">
+              <a14:hiddenLine xmlns:a14="http://schemas.microsoft.com/office/drawing/2010/main" xmlns="" w="12700" cap="sq">
                 <a:solidFill>
                   <a:srgbClr val="000000"/>
                 </a:solidFill>
@@ -37504,14 +40027,14 @@
           </a:ln>
           <a:extLst>
             <a:ext uri="{909E8E84-426E-40dd-AFC4-6F175D3DCCD1}">
-              <a14:hiddenFill xmlns="" xmlns:a14="http://schemas.microsoft.com/office/drawing/2010/main">
+              <a14:hiddenFill xmlns:a14="http://schemas.microsoft.com/office/drawing/2010/main" xmlns="">
                 <a:solidFill>
                   <a:srgbClr val="FFFFFF"/>
                 </a:solidFill>
               </a14:hiddenFill>
             </a:ext>
             <a:ext uri="{91240B29-F687-4f45-9708-019B960494DF}">
-              <a14:hiddenLine xmlns="" xmlns:a14="http://schemas.microsoft.com/office/drawing/2010/main" w="12700" cap="sq">
+              <a14:hiddenLine xmlns:a14="http://schemas.microsoft.com/office/drawing/2010/main" xmlns="" w="12700" cap="sq">
                 <a:solidFill>
                   <a:srgbClr val="000000"/>
                 </a:solidFill>
@@ -37998,14 +40521,14 @@
           <a:ln/>
           <a:extLst>
             <a:ext uri="{909E8E84-426E-40dd-AFC4-6F175D3DCCD1}">
-              <a14:hiddenFill xmlns:a14="http://schemas.microsoft.com/office/drawing/2010/main" xmlns="">
+              <a14:hiddenFill xmlns="" xmlns:a14="http://schemas.microsoft.com/office/drawing/2010/main">
                 <a:solidFill>
                   <a:srgbClr val="FFFFFF"/>
                 </a:solidFill>
               </a14:hiddenFill>
             </a:ext>
             <a:ext uri="{91240B29-F687-4f45-9708-019B960494DF}">
-              <a14:hiddenLine xmlns:a14="http://schemas.microsoft.com/office/drawing/2010/main" xmlns="" w="9525">
+              <a14:hiddenLine xmlns="" xmlns:a14="http://schemas.microsoft.com/office/drawing/2010/main" w="9525">
                 <a:solidFill>
                   <a:srgbClr val="000000"/>
                 </a:solidFill>
@@ -38164,14 +40687,14 @@
           </a:ln>
           <a:extLst>
             <a:ext uri="{909E8E84-426E-40dd-AFC4-6F175D3DCCD1}">
-              <a14:hiddenFill xmlns="" xmlns:a14="http://schemas.microsoft.com/office/drawing/2010/main">
+              <a14:hiddenFill xmlns:a14="http://schemas.microsoft.com/office/drawing/2010/main" xmlns="">
                 <a:solidFill>
                   <a:srgbClr val="FFFFFF"/>
                 </a:solidFill>
               </a14:hiddenFill>
             </a:ext>
             <a:ext uri="{91240B29-F687-4f45-9708-019B960494DF}">
-              <a14:hiddenLine xmlns="" xmlns:a14="http://schemas.microsoft.com/office/drawing/2010/main" w="9525">
+              <a14:hiddenLine xmlns:a14="http://schemas.microsoft.com/office/drawing/2010/main" xmlns="" w="9525">
                 <a:solidFill>
                   <a:srgbClr val="000000"/>
                 </a:solidFill>
@@ -38233,7 +40756,7 @@
           </a:ln>
           <a:extLst>
             <a:ext uri="{91240B29-F687-4f45-9708-019B960494DF}">
-              <a14:hiddenLine xmlns="" xmlns:a14="http://schemas.microsoft.com/office/drawing/2010/main" w="12700" cap="sq">
+              <a14:hiddenLine xmlns:a14="http://schemas.microsoft.com/office/drawing/2010/main" xmlns="" w="12700" cap="sq">
                 <a:solidFill>
                   <a:srgbClr val="000000"/>
                 </a:solidFill>
@@ -38448,7 +40971,7 @@
           </a:ln>
           <a:extLst>
             <a:ext uri="{91240B29-F687-4f45-9708-019B960494DF}">
-              <a14:hiddenLine xmlns="" xmlns:a14="http://schemas.microsoft.com/office/drawing/2010/main" w="12700" cap="sq">
+              <a14:hiddenLine xmlns:a14="http://schemas.microsoft.com/office/drawing/2010/main" xmlns="" w="12700" cap="sq">
                 <a:solidFill>
                   <a:srgbClr val="000000"/>
                 </a:solidFill>
@@ -38689,14 +41212,14 @@
           </a:ln>
           <a:extLst>
             <a:ext uri="{909E8E84-426E-40dd-AFC4-6F175D3DCCD1}">
-              <a14:hiddenFill xmlns="" xmlns:a14="http://schemas.microsoft.com/office/drawing/2010/main">
+              <a14:hiddenFill xmlns:a14="http://schemas.microsoft.com/office/drawing/2010/main" xmlns="">
                 <a:solidFill>
                   <a:srgbClr val="FFFFFF"/>
                 </a:solidFill>
               </a14:hiddenFill>
             </a:ext>
             <a:ext uri="{91240B29-F687-4f45-9708-019B960494DF}">
-              <a14:hiddenLine xmlns="" xmlns:a14="http://schemas.microsoft.com/office/drawing/2010/main" w="12700" cap="sq">
+              <a14:hiddenLine xmlns:a14="http://schemas.microsoft.com/office/drawing/2010/main" xmlns="" w="12700" cap="sq">
                 <a:solidFill>
                   <a:srgbClr val="000000"/>
                 </a:solidFill>
@@ -38855,14 +41378,14 @@
           </a:ln>
           <a:extLst>
             <a:ext uri="{909E8E84-426E-40dd-AFC4-6F175D3DCCD1}">
-              <a14:hiddenFill xmlns="" xmlns:a14="http://schemas.microsoft.com/office/drawing/2010/main">
+              <a14:hiddenFill xmlns:a14="http://schemas.microsoft.com/office/drawing/2010/main" xmlns="">
                 <a:solidFill>
                   <a:srgbClr val="FFFFFF"/>
                 </a:solidFill>
               </a14:hiddenFill>
             </a:ext>
             <a:ext uri="{91240B29-F687-4f45-9708-019B960494DF}">
-              <a14:hiddenLine xmlns="" xmlns:a14="http://schemas.microsoft.com/office/drawing/2010/main" w="9525">
+              <a14:hiddenLine xmlns:a14="http://schemas.microsoft.com/office/drawing/2010/main" xmlns="" w="9525">
                 <a:solidFill>
                   <a:srgbClr val="000000"/>
                 </a:solidFill>

--- a/topic03-types-and-classes/unit-03a-lectures/talk-1/a-types-and-classes.pptx
+++ b/topic03-types-and-classes/unit-03a-lectures/talk-1/a-types-and-classes.pptx
@@ -568,14 +568,14 @@
           </a:ln>
           <a:extLst>
             <a:ext uri="{909E8E84-426E-40dd-AFC4-6F175D3DCCD1}">
-              <a14:hiddenFill xmlns:a14="http://schemas.microsoft.com/office/drawing/2010/main" xmlns="">
+              <a14:hiddenFill xmlns="" xmlns:a14="http://schemas.microsoft.com/office/drawing/2010/main">
                 <a:solidFill>
                   <a:srgbClr val="FFFFFF"/>
                 </a:solidFill>
               </a14:hiddenFill>
             </a:ext>
             <a:ext uri="{FAA26D3D-D897-4be2-8F04-BA451C77F1D7}">
-              <ma14:placeholderFlag xmlns:ma14="http://schemas.microsoft.com/office/mac/drawingml/2011/main" xmlns="" val="1"/>
+              <ma14:placeholderFlag xmlns="" xmlns:ma14="http://schemas.microsoft.com/office/mac/drawingml/2011/main" val="1"/>
             </a:ext>
           </a:extLst>
         </p:spPr>
@@ -1257,7 +1257,7 @@
             <a:fld id="{08B9EBBA-996F-894A-B54A-D6246ED52CEA}" type="datetimeFigureOut">
               <a:rPr lang="en-US" smtClean="0"/>
               <a:pPr/>
-              <a:t>1/23/26</a:t>
+              <a:t>1/27/26</a:t>
             </a:fld>
             <a:endParaRPr lang="en-US" dirty="0"/>
           </a:p>
@@ -1697,7 +1697,7 @@
             <a:fld id="{09B482E8-6E0E-1B4F-B1FD-C69DB9E858D9}" type="datetimeFigureOut">
               <a:rPr lang="en-US" smtClean="0"/>
               <a:pPr/>
-              <a:t>1/23/26</a:t>
+              <a:t>1/27/26</a:t>
             </a:fld>
             <a:endParaRPr lang="en-US" dirty="0"/>
           </a:p>
@@ -2054,7 +2054,7 @@
             <a:fld id="{09B482E8-6E0E-1B4F-B1FD-C69DB9E858D9}" type="datetimeFigureOut">
               <a:rPr lang="en-US" smtClean="0"/>
               <a:pPr/>
-              <a:t>1/23/26</a:t>
+              <a:t>1/27/26</a:t>
             </a:fld>
             <a:endParaRPr lang="en-US" dirty="0"/>
           </a:p>
@@ -2480,7 +2480,7 @@
             <a:fld id="{09B482E8-6E0E-1B4F-B1FD-C69DB9E858D9}" type="datetimeFigureOut">
               <a:rPr lang="en-US" smtClean="0"/>
               <a:pPr/>
-              <a:t>1/23/26</a:t>
+              <a:t>1/27/26</a:t>
             </a:fld>
             <a:endParaRPr lang="en-US" dirty="0"/>
           </a:p>
@@ -3069,7 +3069,7 @@
             <a:fld id="{09B482E8-6E0E-1B4F-B1FD-C69DB9E858D9}" type="datetimeFigureOut">
               <a:rPr lang="en-US" smtClean="0"/>
               <a:pPr/>
-              <a:t>1/23/26</a:t>
+              <a:t>1/27/26</a:t>
             </a:fld>
             <a:endParaRPr lang="en-US" dirty="0"/>
           </a:p>
@@ -3771,7 +3771,7 @@
             <a:fld id="{09B482E8-6E0E-1B4F-B1FD-C69DB9E858D9}" type="datetimeFigureOut">
               <a:rPr lang="en-US" smtClean="0"/>
               <a:pPr/>
-              <a:t>1/23/26</a:t>
+              <a:t>1/27/26</a:t>
             </a:fld>
             <a:endParaRPr lang="en-US" dirty="0"/>
           </a:p>
@@ -4705,7 +4705,7 @@
             <a:fld id="{09B482E8-6E0E-1B4F-B1FD-C69DB9E858D9}" type="datetimeFigureOut">
               <a:rPr lang="en-US" smtClean="0"/>
               <a:pPr/>
-              <a:t>1/23/26</a:t>
+              <a:t>1/27/26</a:t>
             </a:fld>
             <a:endParaRPr lang="en-US" dirty="0"/>
           </a:p>
@@ -5044,7 +5044,7 @@
             <a:fld id="{09B482E8-6E0E-1B4F-B1FD-C69DB9E858D9}" type="datetimeFigureOut">
               <a:rPr lang="en-US" smtClean="0"/>
               <a:pPr/>
-              <a:t>1/23/26</a:t>
+              <a:t>1/27/26</a:t>
             </a:fld>
             <a:endParaRPr lang="en-US" dirty="0"/>
           </a:p>
@@ -5330,7 +5330,7 @@
             <a:fld id="{09B482E8-6E0E-1B4F-B1FD-C69DB9E858D9}" type="datetimeFigureOut">
               <a:rPr lang="en-US" smtClean="0"/>
               <a:pPr/>
-              <a:t>1/23/26</a:t>
+              <a:t>1/27/26</a:t>
             </a:fld>
             <a:endParaRPr lang="en-US" dirty="0"/>
           </a:p>
@@ -5673,7 +5673,7 @@
             <a:fld id="{09B482E8-6E0E-1B4F-B1FD-C69DB9E858D9}" type="datetimeFigureOut">
               <a:rPr lang="en-US" smtClean="0"/>
               <a:pPr/>
-              <a:t>1/23/26</a:t>
+              <a:t>1/27/26</a:t>
             </a:fld>
             <a:endParaRPr lang="en-US" dirty="0"/>
           </a:p>
@@ -6087,7 +6087,7 @@
             <a:fld id="{8DFA1846-DA80-1C48-A609-854EA85C59AD}" type="datetimeFigureOut">
               <a:rPr lang="en-US" smtClean="0"/>
               <a:pPr/>
-              <a:t>1/23/26</a:t>
+              <a:t>1/27/26</a:t>
             </a:fld>
             <a:endParaRPr lang="en-US" dirty="0"/>
           </a:p>
@@ -6493,7 +6493,7 @@
             <a:fld id="{09B482E8-6E0E-1B4F-B1FD-C69DB9E858D9}" type="datetimeFigureOut">
               <a:rPr lang="en-US" smtClean="0"/>
               <a:pPr/>
-              <a:t>1/23/26</a:t>
+              <a:t>1/27/26</a:t>
             </a:fld>
             <a:endParaRPr lang="en-US" dirty="0"/>
           </a:p>
@@ -7019,7 +7019,7 @@
             <a:fld id="{09B482E8-6E0E-1B4F-B1FD-C69DB9E858D9}" type="datetimeFigureOut">
               <a:rPr lang="en-US" smtClean="0"/>
               <a:pPr/>
-              <a:t>1/23/26</a:t>
+              <a:t>1/27/26</a:t>
             </a:fld>
             <a:endParaRPr lang="en-US" dirty="0"/>
           </a:p>
@@ -7296,7 +7296,7 @@
             <a:fld id="{F13A34C8-038E-2045-AF43-DF7DBB8E0E9E}" type="datetimeFigureOut">
               <a:rPr lang="en-US" smtClean="0"/>
               <a:pPr/>
-              <a:t>1/23/26</a:t>
+              <a:t>1/27/26</a:t>
             </a:fld>
             <a:endParaRPr lang="en-US" dirty="0"/>
           </a:p>
@@ -7472,7 +7472,7 @@
             <a:fld id="{8818C68F-D26B-8F47-958C-23B49CF8A634}" type="datetimeFigureOut">
               <a:rPr lang="en-US" smtClean="0"/>
               <a:pPr/>
-              <a:t>1/23/26</a:t>
+              <a:t>1/27/26</a:t>
             </a:fld>
             <a:endParaRPr lang="en-US" dirty="0"/>
           </a:p>
@@ -7882,7 +7882,7 @@
             <a:fld id="{09B482E8-6E0E-1B4F-B1FD-C69DB9E858D9}" type="datetimeFigureOut">
               <a:rPr lang="en-US" smtClean="0"/>
               <a:pPr/>
-              <a:t>1/23/26</a:t>
+              <a:t>1/27/26</a:t>
             </a:fld>
             <a:endParaRPr lang="en-US" dirty="0"/>
           </a:p>
@@ -8311,7 +8311,7 @@
             <a:fld id="{09B482E8-6E0E-1B4F-B1FD-C69DB9E858D9}" type="datetimeFigureOut">
               <a:rPr lang="en-US" smtClean="0"/>
               <a:pPr/>
-              <a:t>1/23/26</a:t>
+              <a:t>1/27/26</a:t>
             </a:fld>
             <a:endParaRPr lang="en-US" dirty="0"/>
           </a:p>
@@ -8432,7 +8432,7 @@
           </a:prstGeom>
           <a:extLst>
             <a:ext uri="{909E8E84-426E-40dd-AFC4-6F175D3DCCD1}">
-              <a14:hiddenFill xmlns="" xmlns:a14="http://schemas.microsoft.com/office/drawing/2010/main">
+              <a14:hiddenFill xmlns:a14="http://schemas.microsoft.com/office/drawing/2010/main" xmlns="">
                 <a:solidFill>
                   <a:srgbClr val="FFFFFF"/>
                 </a:solidFill>
@@ -8572,7 +8572,7 @@
             <a:fld id="{09B482E8-6E0E-1B4F-B1FD-C69DB9E858D9}" type="datetimeFigureOut">
               <a:rPr lang="en-US" smtClean="0"/>
               <a:pPr/>
-              <a:t>1/23/26</a:t>
+              <a:t>1/27/26</a:t>
             </a:fld>
             <a:endParaRPr lang="en-US" dirty="0"/>
           </a:p>
@@ -9010,14 +9010,14 @@
           <a:ln/>
           <a:extLst>
             <a:ext uri="{909E8E84-426E-40dd-AFC4-6F175D3DCCD1}">
-              <a14:hiddenFill xmlns:a14="http://schemas.microsoft.com/office/drawing/2010/main" xmlns="">
+              <a14:hiddenFill xmlns="" xmlns:a14="http://schemas.microsoft.com/office/drawing/2010/main">
                 <a:solidFill>
                   <a:srgbClr val="FFFFFF"/>
                 </a:solidFill>
               </a14:hiddenFill>
             </a:ext>
             <a:ext uri="{91240B29-F687-4f45-9708-019B960494DF}">
-              <a14:hiddenLine xmlns:a14="http://schemas.microsoft.com/office/drawing/2010/main" xmlns="" w="9525">
+              <a14:hiddenLine xmlns="" xmlns:a14="http://schemas.microsoft.com/office/drawing/2010/main" w="9525">
                 <a:solidFill>
                   <a:srgbClr val="000000"/>
                 </a:solidFill>
@@ -9170,14 +9170,14 @@
           </a:ln>
           <a:extLst>
             <a:ext uri="{909E8E84-426E-40dd-AFC4-6F175D3DCCD1}">
-              <a14:hiddenFill xmlns:a14="http://schemas.microsoft.com/office/drawing/2010/main" xmlns="">
+              <a14:hiddenFill xmlns="" xmlns:a14="http://schemas.microsoft.com/office/drawing/2010/main">
                 <a:solidFill>
                   <a:srgbClr val="FFFFFF"/>
                 </a:solidFill>
               </a14:hiddenFill>
             </a:ext>
             <a:ext uri="{91240B29-F687-4f45-9708-019B960494DF}">
-              <a14:hiddenLine xmlns:a14="http://schemas.microsoft.com/office/drawing/2010/main" xmlns="" w="9525">
+              <a14:hiddenLine xmlns="" xmlns:a14="http://schemas.microsoft.com/office/drawing/2010/main" w="9525">
                 <a:solidFill>
                   <a:srgbClr val="000000"/>
                 </a:solidFill>
@@ -9336,14 +9336,14 @@
           </a:ln>
           <a:extLst>
             <a:ext uri="{909E8E84-426E-40dd-AFC4-6F175D3DCCD1}">
-              <a14:hiddenFill xmlns:a14="http://schemas.microsoft.com/office/drawing/2010/main" xmlns="">
+              <a14:hiddenFill xmlns="" xmlns:a14="http://schemas.microsoft.com/office/drawing/2010/main">
                 <a:solidFill>
                   <a:srgbClr val="FFFFFF"/>
                 </a:solidFill>
               </a14:hiddenFill>
             </a:ext>
             <a:ext uri="{91240B29-F687-4f45-9708-019B960494DF}">
-              <a14:hiddenLine xmlns:a14="http://schemas.microsoft.com/office/drawing/2010/main" xmlns="" w="9525">
+              <a14:hiddenLine xmlns="" xmlns:a14="http://schemas.microsoft.com/office/drawing/2010/main" w="9525">
                 <a:solidFill>
                   <a:srgbClr val="000000"/>
                 </a:solidFill>
@@ -9360,8 +9360,12 @@
           <a:p>
             <a:pPr algn="ctr"/>
             <a:r>
+              <a:rPr kumimoji="1" lang="en-US" sz="3200"/>
+              <a:t>Topic </a:t>
+            </a:r>
+            <a:r>
               <a:rPr kumimoji="1" lang="en-US" sz="3200" dirty="0"/>
-              <a:t>Chapter 3 - Types and Classes</a:t>
+              <a:t>3 - Types and Classes</a:t>
             </a:r>
           </a:p>
         </p:txBody>
@@ -9401,14 +9405,14 @@
           </a:ln>
           <a:extLst>
             <a:ext uri="{909E8E84-426E-40dd-AFC4-6F175D3DCCD1}">
-              <a14:hiddenFill xmlns:a14="http://schemas.microsoft.com/office/drawing/2010/main" xmlns="">
+              <a14:hiddenFill xmlns="" xmlns:a14="http://schemas.microsoft.com/office/drawing/2010/main">
                 <a:solidFill>
                   <a:srgbClr val="FFFFFF"/>
                 </a:solidFill>
               </a14:hiddenFill>
             </a:ext>
             <a:ext uri="{91240B29-F687-4f45-9708-019B960494DF}">
-              <a14:hiddenLine xmlns:a14="http://schemas.microsoft.com/office/drawing/2010/main" xmlns="" w="9525">
+              <a14:hiddenLine xmlns="" xmlns:a14="http://schemas.microsoft.com/office/drawing/2010/main" w="9525">
                 <a:solidFill>
                   <a:srgbClr val="000000"/>
                 </a:solidFill>
@@ -9486,14 +9490,14 @@
           <a:ln/>
           <a:extLst>
             <a:ext uri="{909E8E84-426E-40dd-AFC4-6F175D3DCCD1}">
-              <a14:hiddenFill xmlns:a14="http://schemas.microsoft.com/office/drawing/2010/main" xmlns="">
+              <a14:hiddenFill xmlns="" xmlns:a14="http://schemas.microsoft.com/office/drawing/2010/main">
                 <a:solidFill>
                   <a:srgbClr val="FFFFFF"/>
                 </a:solidFill>
               </a14:hiddenFill>
             </a:ext>
             <a:ext uri="{91240B29-F687-4f45-9708-019B960494DF}">
-              <a14:hiddenLine xmlns:a14="http://schemas.microsoft.com/office/drawing/2010/main" xmlns="" w="9525">
+              <a14:hiddenLine xmlns="" xmlns:a14="http://schemas.microsoft.com/office/drawing/2010/main" w="9525">
                 <a:solidFill>
                   <a:srgbClr val="000000"/>
                 </a:solidFill>
@@ -9646,14 +9650,14 @@
           </a:ln>
           <a:extLst>
             <a:ext uri="{909E8E84-426E-40dd-AFC4-6F175D3DCCD1}">
-              <a14:hiddenFill xmlns:a14="http://schemas.microsoft.com/office/drawing/2010/main" xmlns="">
+              <a14:hiddenFill xmlns="" xmlns:a14="http://schemas.microsoft.com/office/drawing/2010/main">
                 <a:solidFill>
                   <a:srgbClr val="FFFFFF"/>
                 </a:solidFill>
               </a14:hiddenFill>
             </a:ext>
             <a:ext uri="{91240B29-F687-4f45-9708-019B960494DF}">
-              <a14:hiddenLine xmlns:a14="http://schemas.microsoft.com/office/drawing/2010/main" xmlns="" w="12700" cap="sq">
+              <a14:hiddenLine xmlns="" xmlns:a14="http://schemas.microsoft.com/office/drawing/2010/main" w="12700" cap="sq">
                 <a:solidFill>
                   <a:srgbClr val="000000"/>
                 </a:solidFill>
@@ -9824,7 +9828,7 @@
           </a:ln>
           <a:extLst>
             <a:ext uri="{91240B29-F687-4f45-9708-019B960494DF}">
-              <a14:hiddenLine xmlns:a14="http://schemas.microsoft.com/office/drawing/2010/main" xmlns="" w="12700" cap="sq">
+              <a14:hiddenLine xmlns="" xmlns:a14="http://schemas.microsoft.com/office/drawing/2010/main" w="12700" cap="sq">
                 <a:solidFill>
                   <a:srgbClr val="000000"/>
                 </a:solidFill>
@@ -10070,14 +10074,14 @@
           </a:ln>
           <a:extLst>
             <a:ext uri="{909E8E84-426E-40dd-AFC4-6F175D3DCCD1}">
-              <a14:hiddenFill xmlns:a14="http://schemas.microsoft.com/office/drawing/2010/main" xmlns="">
+              <a14:hiddenFill xmlns="" xmlns:a14="http://schemas.microsoft.com/office/drawing/2010/main">
                 <a:solidFill>
                   <a:srgbClr val="FFFFFF"/>
                 </a:solidFill>
               </a14:hiddenFill>
             </a:ext>
             <a:ext uri="{91240B29-F687-4f45-9708-019B960494DF}">
-              <a14:hiddenLine xmlns:a14="http://schemas.microsoft.com/office/drawing/2010/main" xmlns="" w="12700" cap="sq">
+              <a14:hiddenLine xmlns="" xmlns:a14="http://schemas.microsoft.com/office/drawing/2010/main" w="12700" cap="sq">
                 <a:solidFill>
                   <a:srgbClr val="000000"/>
                 </a:solidFill>
@@ -10230,14 +10234,14 @@
           </a:ln>
           <a:extLst>
             <a:ext uri="{909E8E84-426E-40dd-AFC4-6F175D3DCCD1}">
-              <a14:hiddenFill xmlns:a14="http://schemas.microsoft.com/office/drawing/2010/main" xmlns="">
+              <a14:hiddenFill xmlns="" xmlns:a14="http://schemas.microsoft.com/office/drawing/2010/main">
                 <a:solidFill>
                   <a:srgbClr val="FFFFFF"/>
                 </a:solidFill>
               </a14:hiddenFill>
             </a:ext>
             <a:ext uri="{91240B29-F687-4f45-9708-019B960494DF}">
-              <a14:hiddenLine xmlns:a14="http://schemas.microsoft.com/office/drawing/2010/main" xmlns="" w="12700" cap="sq">
+              <a14:hiddenLine xmlns="" xmlns:a14="http://schemas.microsoft.com/office/drawing/2010/main" w="12700" cap="sq">
                 <a:solidFill>
                   <a:srgbClr val="000000"/>
                 </a:solidFill>
@@ -10882,14 +10886,14 @@
           <a:ln/>
           <a:extLst>
             <a:ext uri="{909E8E84-426E-40dd-AFC4-6F175D3DCCD1}">
-              <a14:hiddenFill xmlns="" xmlns:a14="http://schemas.microsoft.com/office/drawing/2010/main">
+              <a14:hiddenFill xmlns:a14="http://schemas.microsoft.com/office/drawing/2010/main" xmlns="">
                 <a:solidFill>
                   <a:srgbClr val="FFFFFF"/>
                 </a:solidFill>
               </a14:hiddenFill>
             </a:ext>
             <a:ext uri="{91240B29-F687-4f45-9708-019B960494DF}">
-              <a14:hiddenLine xmlns="" xmlns:a14="http://schemas.microsoft.com/office/drawing/2010/main" w="9525">
+              <a14:hiddenLine xmlns:a14="http://schemas.microsoft.com/office/drawing/2010/main" xmlns="" w="9525">
                 <a:solidFill>
                   <a:srgbClr val="000000"/>
                 </a:solidFill>
@@ -11048,14 +11052,14 @@
           </a:ln>
           <a:extLst>
             <a:ext uri="{909E8E84-426E-40dd-AFC4-6F175D3DCCD1}">
-              <a14:hiddenFill xmlns:a14="http://schemas.microsoft.com/office/drawing/2010/main" xmlns="">
+              <a14:hiddenFill xmlns="" xmlns:a14="http://schemas.microsoft.com/office/drawing/2010/main">
                 <a:solidFill>
                   <a:srgbClr val="FFFFFF"/>
                 </a:solidFill>
               </a14:hiddenFill>
             </a:ext>
             <a:ext uri="{91240B29-F687-4f45-9708-019B960494DF}">
-              <a14:hiddenLine xmlns:a14="http://schemas.microsoft.com/office/drawing/2010/main" xmlns="" w="9525">
+              <a14:hiddenLine xmlns="" xmlns:a14="http://schemas.microsoft.com/office/drawing/2010/main" w="9525">
                 <a:solidFill>
                   <a:srgbClr val="000000"/>
                 </a:solidFill>
@@ -11117,7 +11121,7 @@
           </a:ln>
           <a:extLst>
             <a:ext uri="{91240B29-F687-4f45-9708-019B960494DF}">
-              <a14:hiddenLine xmlns:a14="http://schemas.microsoft.com/office/drawing/2010/main" xmlns="" w="12700" cap="sq">
+              <a14:hiddenLine xmlns="" xmlns:a14="http://schemas.microsoft.com/office/drawing/2010/main" w="12700" cap="sq">
                 <a:solidFill>
                   <a:srgbClr val="000000"/>
                 </a:solidFill>
@@ -11356,7 +11360,7 @@
           </a:ln>
           <a:extLst>
             <a:ext uri="{91240B29-F687-4f45-9708-019B960494DF}">
-              <a14:hiddenLine xmlns:a14="http://schemas.microsoft.com/office/drawing/2010/main" xmlns="" w="12700" cap="sq">
+              <a14:hiddenLine xmlns="" xmlns:a14="http://schemas.microsoft.com/office/drawing/2010/main" w="12700" cap="sq">
                 <a:solidFill>
                   <a:srgbClr val="000000"/>
                 </a:solidFill>
@@ -11656,14 +11660,14 @@
           </a:ln>
           <a:extLst>
             <a:ext uri="{909E8E84-426E-40dd-AFC4-6F175D3DCCD1}">
-              <a14:hiddenFill xmlns:a14="http://schemas.microsoft.com/office/drawing/2010/main" xmlns="">
+              <a14:hiddenFill xmlns="" xmlns:a14="http://schemas.microsoft.com/office/drawing/2010/main">
                 <a:solidFill>
                   <a:srgbClr val="FFFFFF"/>
                 </a:solidFill>
               </a14:hiddenFill>
             </a:ext>
             <a:ext uri="{91240B29-F687-4f45-9708-019B960494DF}">
-              <a14:hiddenLine xmlns:a14="http://schemas.microsoft.com/office/drawing/2010/main" xmlns="" w="12700" cap="sq">
+              <a14:hiddenLine xmlns="" xmlns:a14="http://schemas.microsoft.com/office/drawing/2010/main" w="12700" cap="sq">
                 <a:solidFill>
                   <a:srgbClr val="000000"/>
                 </a:solidFill>
@@ -11822,14 +11826,14 @@
           </a:ln>
           <a:extLst>
             <a:ext uri="{909E8E84-426E-40dd-AFC4-6F175D3DCCD1}">
-              <a14:hiddenFill xmlns:a14="http://schemas.microsoft.com/office/drawing/2010/main" xmlns="">
+              <a14:hiddenFill xmlns="" xmlns:a14="http://schemas.microsoft.com/office/drawing/2010/main">
                 <a:solidFill>
                   <a:srgbClr val="FFFFFF"/>
                 </a:solidFill>
               </a14:hiddenFill>
             </a:ext>
             <a:ext uri="{91240B29-F687-4f45-9708-019B960494DF}">
-              <a14:hiddenLine xmlns:a14="http://schemas.microsoft.com/office/drawing/2010/main" xmlns="" w="9525">
+              <a14:hiddenLine xmlns="" xmlns:a14="http://schemas.microsoft.com/office/drawing/2010/main" w="9525">
                 <a:solidFill>
                   <a:srgbClr val="000000"/>
                 </a:solidFill>
@@ -12332,14 +12336,14 @@
           <a:ln/>
           <a:extLst>
             <a:ext uri="{909E8E84-426E-40dd-AFC4-6F175D3DCCD1}">
-              <a14:hiddenFill xmlns:a14="http://schemas.microsoft.com/office/drawing/2010/main" xmlns="">
+              <a14:hiddenFill xmlns="" xmlns:a14="http://schemas.microsoft.com/office/drawing/2010/main">
                 <a:solidFill>
                   <a:srgbClr val="FFFFFF"/>
                 </a:solidFill>
               </a14:hiddenFill>
             </a:ext>
             <a:ext uri="{91240B29-F687-4f45-9708-019B960494DF}">
-              <a14:hiddenLine xmlns:a14="http://schemas.microsoft.com/office/drawing/2010/main" xmlns="" w="9525">
+              <a14:hiddenLine xmlns="" xmlns:a14="http://schemas.microsoft.com/office/drawing/2010/main" w="9525">
                 <a:solidFill>
                   <a:srgbClr val="000000"/>
                 </a:solidFill>
@@ -12494,7 +12498,7 @@
           </a:ln>
           <a:extLst>
             <a:ext uri="{91240B29-F687-4f45-9708-019B960494DF}">
-              <a14:hiddenLine xmlns:a14="http://schemas.microsoft.com/office/drawing/2010/main" xmlns="" w="12700" cap="sq">
+              <a14:hiddenLine xmlns="" xmlns:a14="http://schemas.microsoft.com/office/drawing/2010/main" w="12700" cap="sq">
                 <a:solidFill>
                   <a:srgbClr val="000000"/>
                 </a:solidFill>
@@ -12703,14 +12707,14 @@
           </a:ln>
           <a:extLst>
             <a:ext uri="{909E8E84-426E-40dd-AFC4-6F175D3DCCD1}">
-              <a14:hiddenFill xmlns:a14="http://schemas.microsoft.com/office/drawing/2010/main" xmlns="">
+              <a14:hiddenFill xmlns="" xmlns:a14="http://schemas.microsoft.com/office/drawing/2010/main">
                 <a:solidFill>
                   <a:srgbClr val="FFFFFF"/>
                 </a:solidFill>
               </a14:hiddenFill>
             </a:ext>
             <a:ext uri="{91240B29-F687-4f45-9708-019B960494DF}">
-              <a14:hiddenLine xmlns:a14="http://schemas.microsoft.com/office/drawing/2010/main" xmlns="" w="12700" cap="sq">
+              <a14:hiddenLine xmlns="" xmlns:a14="http://schemas.microsoft.com/office/drawing/2010/main" w="12700" cap="sq">
                 <a:solidFill>
                   <a:srgbClr val="000000"/>
                 </a:solidFill>
@@ -12863,14 +12867,14 @@
           </a:ln>
           <a:extLst>
             <a:ext uri="{909E8E84-426E-40dd-AFC4-6F175D3DCCD1}">
-              <a14:hiddenFill xmlns:a14="http://schemas.microsoft.com/office/drawing/2010/main" xmlns="">
+              <a14:hiddenFill xmlns="" xmlns:a14="http://schemas.microsoft.com/office/drawing/2010/main">
                 <a:solidFill>
                   <a:srgbClr val="FFFFFF"/>
                 </a:solidFill>
               </a14:hiddenFill>
             </a:ext>
             <a:ext uri="{91240B29-F687-4f45-9708-019B960494DF}">
-              <a14:hiddenLine xmlns:a14="http://schemas.microsoft.com/office/drawing/2010/main" xmlns="" w="12700" cap="sq">
+              <a14:hiddenLine xmlns="" xmlns:a14="http://schemas.microsoft.com/office/drawing/2010/main" w="12700" cap="sq">
                 <a:solidFill>
                   <a:srgbClr val="000000"/>
                 </a:solidFill>
@@ -13031,14 +13035,14 @@
           </a:ln>
           <a:extLst>
             <a:ext uri="{909E8E84-426E-40dd-AFC4-6F175D3DCCD1}">
-              <a14:hiddenFill xmlns:a14="http://schemas.microsoft.com/office/drawing/2010/main" xmlns="">
+              <a14:hiddenFill xmlns="" xmlns:a14="http://schemas.microsoft.com/office/drawing/2010/main">
                 <a:solidFill>
                   <a:srgbClr val="FFFFFF"/>
                 </a:solidFill>
               </a14:hiddenFill>
             </a:ext>
             <a:ext uri="{91240B29-F687-4f45-9708-019B960494DF}">
-              <a14:hiddenLine xmlns:a14="http://schemas.microsoft.com/office/drawing/2010/main" xmlns="" w="12700" cap="sq">
+              <a14:hiddenLine xmlns="" xmlns:a14="http://schemas.microsoft.com/office/drawing/2010/main" w="12700" cap="sq">
                 <a:solidFill>
                   <a:srgbClr val="000000"/>
                 </a:solidFill>
@@ -13646,14 +13650,14 @@
           <a:ln/>
           <a:extLst>
             <a:ext uri="{909E8E84-426E-40dd-AFC4-6F175D3DCCD1}">
-              <a14:hiddenFill xmlns="" xmlns:a14="http://schemas.microsoft.com/office/drawing/2010/main">
+              <a14:hiddenFill xmlns:a14="http://schemas.microsoft.com/office/drawing/2010/main" xmlns="">
                 <a:solidFill>
                   <a:srgbClr val="FFFFFF"/>
                 </a:solidFill>
               </a14:hiddenFill>
             </a:ext>
             <a:ext uri="{91240B29-F687-4f45-9708-019B960494DF}">
-              <a14:hiddenLine xmlns="" xmlns:a14="http://schemas.microsoft.com/office/drawing/2010/main" w="9525">
+              <a14:hiddenLine xmlns:a14="http://schemas.microsoft.com/office/drawing/2010/main" xmlns="" w="9525">
                 <a:solidFill>
                   <a:srgbClr val="000000"/>
                 </a:solidFill>
@@ -13812,14 +13816,14 @@
           </a:ln>
           <a:extLst>
             <a:ext uri="{909E8E84-426E-40dd-AFC4-6F175D3DCCD1}">
-              <a14:hiddenFill xmlns:a14="http://schemas.microsoft.com/office/drawing/2010/main" xmlns="">
+              <a14:hiddenFill xmlns="" xmlns:a14="http://schemas.microsoft.com/office/drawing/2010/main">
                 <a:solidFill>
                   <a:srgbClr val="FFFFFF"/>
                 </a:solidFill>
               </a14:hiddenFill>
             </a:ext>
             <a:ext uri="{91240B29-F687-4f45-9708-019B960494DF}">
-              <a14:hiddenLine xmlns:a14="http://schemas.microsoft.com/office/drawing/2010/main" xmlns="" w="9525">
+              <a14:hiddenLine xmlns="" xmlns:a14="http://schemas.microsoft.com/office/drawing/2010/main" w="9525">
                 <a:solidFill>
                   <a:srgbClr val="000000"/>
                 </a:solidFill>
@@ -13937,14 +13941,14 @@
           </a:ln>
           <a:extLst>
             <a:ext uri="{909E8E84-426E-40dd-AFC4-6F175D3DCCD1}">
-              <a14:hiddenFill xmlns:a14="http://schemas.microsoft.com/office/drawing/2010/main" xmlns="">
+              <a14:hiddenFill xmlns="" xmlns:a14="http://schemas.microsoft.com/office/drawing/2010/main">
                 <a:solidFill>
                   <a:srgbClr val="FFFFFF"/>
                 </a:solidFill>
               </a14:hiddenFill>
             </a:ext>
             <a:ext uri="{91240B29-F687-4f45-9708-019B960494DF}">
-              <a14:hiddenLine xmlns:a14="http://schemas.microsoft.com/office/drawing/2010/main" xmlns="" w="12700" cap="sq">
+              <a14:hiddenLine xmlns="" xmlns:a14="http://schemas.microsoft.com/office/drawing/2010/main" w="12700" cap="sq">
                 <a:solidFill>
                   <a:srgbClr val="000000"/>
                 </a:solidFill>
@@ -14105,7 +14109,7 @@
           </a:ln>
           <a:extLst>
             <a:ext uri="{91240B29-F687-4f45-9708-019B960494DF}">
-              <a14:hiddenLine xmlns:a14="http://schemas.microsoft.com/office/drawing/2010/main" xmlns="" w="12700" cap="sq">
+              <a14:hiddenLine xmlns="" xmlns:a14="http://schemas.microsoft.com/office/drawing/2010/main" w="12700" cap="sq">
                 <a:solidFill>
                   <a:srgbClr val="000000"/>
                 </a:solidFill>
@@ -14642,14 +14646,14 @@
           <a:ln/>
           <a:extLst>
             <a:ext uri="{909E8E84-426E-40dd-AFC4-6F175D3DCCD1}">
-              <a14:hiddenFill xmlns:a14="http://schemas.microsoft.com/office/drawing/2010/main" xmlns="">
+              <a14:hiddenFill xmlns="" xmlns:a14="http://schemas.microsoft.com/office/drawing/2010/main">
                 <a:solidFill>
                   <a:srgbClr val="FFFFFF"/>
                 </a:solidFill>
               </a14:hiddenFill>
             </a:ext>
             <a:ext uri="{91240B29-F687-4f45-9708-019B960494DF}">
-              <a14:hiddenLine xmlns:a14="http://schemas.microsoft.com/office/drawing/2010/main" xmlns="" w="9525">
+              <a14:hiddenLine xmlns="" xmlns:a14="http://schemas.microsoft.com/office/drawing/2010/main" w="9525">
                 <a:solidFill>
                   <a:srgbClr val="000000"/>
                 </a:solidFill>
@@ -14802,14 +14806,14 @@
           </a:ln>
           <a:extLst>
             <a:ext uri="{909E8E84-426E-40dd-AFC4-6F175D3DCCD1}">
-              <a14:hiddenFill xmlns:a14="http://schemas.microsoft.com/office/drawing/2010/main" xmlns="">
+              <a14:hiddenFill xmlns="" xmlns:a14="http://schemas.microsoft.com/office/drawing/2010/main">
                 <a:solidFill>
                   <a:srgbClr val="FFFFFF"/>
                 </a:solidFill>
               </a14:hiddenFill>
             </a:ext>
             <a:ext uri="{91240B29-F687-4f45-9708-019B960494DF}">
-              <a14:hiddenLine xmlns:a14="http://schemas.microsoft.com/office/drawing/2010/main" xmlns="" w="12700" cap="sq">
+              <a14:hiddenLine xmlns="" xmlns:a14="http://schemas.microsoft.com/office/drawing/2010/main" w="12700" cap="sq">
                 <a:solidFill>
                   <a:srgbClr val="000000"/>
                 </a:solidFill>
@@ -14972,7 +14976,7 @@
           </a:ln>
           <a:extLst>
             <a:ext uri="{91240B29-F687-4f45-9708-019B960494DF}">
-              <a14:hiddenLine xmlns:a14="http://schemas.microsoft.com/office/drawing/2010/main" xmlns="" w="12700" cap="sq">
+              <a14:hiddenLine xmlns="" xmlns:a14="http://schemas.microsoft.com/office/drawing/2010/main" w="12700" cap="sq">
                 <a:solidFill>
                   <a:srgbClr val="000000"/>
                 </a:solidFill>
@@ -15212,7 +15216,7 @@
           </a:ln>
           <a:extLst>
             <a:ext uri="{909E8E84-426E-40dd-AFC4-6F175D3DCCD1}">
-              <a14:hiddenFill xmlns:a14="http://schemas.microsoft.com/office/drawing/2010/main" xmlns="">
+              <a14:hiddenFill xmlns="" xmlns:a14="http://schemas.microsoft.com/office/drawing/2010/main">
                 <a:solidFill>
                   <a:srgbClr val="FFFFFF"/>
                 </a:solidFill>
@@ -15643,14 +15647,14 @@
           <a:ln/>
           <a:extLst>
             <a:ext uri="{909E8E84-426E-40dd-AFC4-6F175D3DCCD1}">
-              <a14:hiddenFill xmlns="" xmlns:a14="http://schemas.microsoft.com/office/drawing/2010/main">
+              <a14:hiddenFill xmlns:a14="http://schemas.microsoft.com/office/drawing/2010/main" xmlns="">
                 <a:solidFill>
                   <a:srgbClr val="FFFFFF"/>
                 </a:solidFill>
               </a14:hiddenFill>
             </a:ext>
             <a:ext uri="{91240B29-F687-4f45-9708-019B960494DF}">
-              <a14:hiddenLine xmlns="" xmlns:a14="http://schemas.microsoft.com/office/drawing/2010/main" w="9525">
+              <a14:hiddenLine xmlns:a14="http://schemas.microsoft.com/office/drawing/2010/main" xmlns="" w="9525">
                 <a:solidFill>
                   <a:srgbClr val="000000"/>
                 </a:solidFill>
@@ -15809,14 +15813,14 @@
           </a:ln>
           <a:extLst>
             <a:ext uri="{909E8E84-426E-40dd-AFC4-6F175D3DCCD1}">
-              <a14:hiddenFill xmlns:a14="http://schemas.microsoft.com/office/drawing/2010/main" xmlns="">
+              <a14:hiddenFill xmlns="" xmlns:a14="http://schemas.microsoft.com/office/drawing/2010/main">
                 <a:solidFill>
                   <a:srgbClr val="FFFFFF"/>
                 </a:solidFill>
               </a14:hiddenFill>
             </a:ext>
             <a:ext uri="{91240B29-F687-4f45-9708-019B960494DF}">
-              <a14:hiddenLine xmlns:a14="http://schemas.microsoft.com/office/drawing/2010/main" xmlns="" w="9525">
+              <a14:hiddenLine xmlns="" xmlns:a14="http://schemas.microsoft.com/office/drawing/2010/main" w="9525">
                 <a:solidFill>
                   <a:srgbClr val="000000"/>
                 </a:solidFill>
@@ -15915,14 +15919,14 @@
           </a:ln>
           <a:extLst>
             <a:ext uri="{909E8E84-426E-40dd-AFC4-6F175D3DCCD1}">
-              <a14:hiddenFill xmlns:a14="http://schemas.microsoft.com/office/drawing/2010/main" xmlns="">
+              <a14:hiddenFill xmlns="" xmlns:a14="http://schemas.microsoft.com/office/drawing/2010/main">
                 <a:solidFill>
                   <a:srgbClr val="FFFFFF"/>
                 </a:solidFill>
               </a14:hiddenFill>
             </a:ext>
             <a:ext uri="{91240B29-F687-4f45-9708-019B960494DF}">
-              <a14:hiddenLine xmlns:a14="http://schemas.microsoft.com/office/drawing/2010/main" xmlns="" w="12700" cap="sq">
+              <a14:hiddenLine xmlns="" xmlns:a14="http://schemas.microsoft.com/office/drawing/2010/main" w="12700" cap="sq">
                 <a:solidFill>
                   <a:srgbClr val="000000"/>
                 </a:solidFill>
@@ -16081,14 +16085,14 @@
           </a:ln>
           <a:extLst>
             <a:ext uri="{909E8E84-426E-40dd-AFC4-6F175D3DCCD1}">
-              <a14:hiddenFill xmlns:a14="http://schemas.microsoft.com/office/drawing/2010/main" xmlns="">
+              <a14:hiddenFill xmlns="" xmlns:a14="http://schemas.microsoft.com/office/drawing/2010/main">
                 <a:solidFill>
                   <a:srgbClr val="FFFFFF"/>
                 </a:solidFill>
               </a14:hiddenFill>
             </a:ext>
             <a:ext uri="{91240B29-F687-4f45-9708-019B960494DF}">
-              <a14:hiddenLine xmlns:a14="http://schemas.microsoft.com/office/drawing/2010/main" xmlns="" w="9525">
+              <a14:hiddenLine xmlns="" xmlns:a14="http://schemas.microsoft.com/office/drawing/2010/main" w="9525">
                 <a:solidFill>
                   <a:srgbClr val="000000"/>
                 </a:solidFill>
@@ -16170,7 +16174,7 @@
           </a:ln>
           <a:extLst>
             <a:ext uri="{91240B29-F687-4f45-9708-019B960494DF}">
-              <a14:hiddenLine xmlns:a14="http://schemas.microsoft.com/office/drawing/2010/main" xmlns="" w="12700" cap="sq">
+              <a14:hiddenLine xmlns="" xmlns:a14="http://schemas.microsoft.com/office/drawing/2010/main" w="12700" cap="sq">
                 <a:solidFill>
                   <a:srgbClr val="000000"/>
                 </a:solidFill>
@@ -16767,14 +16771,14 @@
           <a:ln/>
           <a:extLst>
             <a:ext uri="{909E8E84-426E-40dd-AFC4-6F175D3DCCD1}">
-              <a14:hiddenFill xmlns:a14="http://schemas.microsoft.com/office/drawing/2010/main" xmlns="">
+              <a14:hiddenFill xmlns="" xmlns:a14="http://schemas.microsoft.com/office/drawing/2010/main">
                 <a:solidFill>
                   <a:srgbClr val="FFFFFF"/>
                 </a:solidFill>
               </a14:hiddenFill>
             </a:ext>
             <a:ext uri="{91240B29-F687-4f45-9708-019B960494DF}">
-              <a14:hiddenLine xmlns:a14="http://schemas.microsoft.com/office/drawing/2010/main" xmlns="" w="9525">
+              <a14:hiddenLine xmlns="" xmlns:a14="http://schemas.microsoft.com/office/drawing/2010/main" w="9525">
                 <a:solidFill>
                   <a:srgbClr val="000000"/>
                 </a:solidFill>
@@ -16933,14 +16937,14 @@
           </a:ln>
           <a:extLst>
             <a:ext uri="{909E8E84-426E-40dd-AFC4-6F175D3DCCD1}">
-              <a14:hiddenFill xmlns:a14="http://schemas.microsoft.com/office/drawing/2010/main" xmlns="">
+              <a14:hiddenFill xmlns="" xmlns:a14="http://schemas.microsoft.com/office/drawing/2010/main">
                 <a:solidFill>
                   <a:srgbClr val="FFFFFF"/>
                 </a:solidFill>
               </a14:hiddenFill>
             </a:ext>
             <a:ext uri="{91240B29-F687-4f45-9708-019B960494DF}">
-              <a14:hiddenLine xmlns:a14="http://schemas.microsoft.com/office/drawing/2010/main" xmlns="" w="9525">
+              <a14:hiddenLine xmlns="" xmlns:a14="http://schemas.microsoft.com/office/drawing/2010/main" w="9525">
                 <a:solidFill>
                   <a:srgbClr val="000000"/>
                 </a:solidFill>
@@ -17006,7 +17010,7 @@
           </a:ln>
           <a:extLst>
             <a:ext uri="{91240B29-F687-4f45-9708-019B960494DF}">
-              <a14:hiddenLine xmlns:a14="http://schemas.microsoft.com/office/drawing/2010/main" xmlns="" w="12700" cap="sq">
+              <a14:hiddenLine xmlns="" xmlns:a14="http://schemas.microsoft.com/office/drawing/2010/main" w="12700" cap="sq">
                 <a:solidFill>
                   <a:srgbClr val="000000"/>
                 </a:solidFill>
@@ -17244,7 +17248,7 @@
           </a:ln>
           <a:extLst>
             <a:ext uri="{909E8E84-426E-40dd-AFC4-6F175D3DCCD1}">
-              <a14:hiddenFill xmlns:a14="http://schemas.microsoft.com/office/drawing/2010/main" xmlns="">
+              <a14:hiddenFill xmlns="" xmlns:a14="http://schemas.microsoft.com/office/drawing/2010/main">
                 <a:solidFill>
                   <a:srgbClr val="FFFFFF"/>
                 </a:solidFill>
@@ -17629,14 +17633,14 @@
           <a:ln/>
           <a:extLst>
             <a:ext uri="{909E8E84-426E-40dd-AFC4-6F175D3DCCD1}">
-              <a14:hiddenFill xmlns:a14="http://schemas.microsoft.com/office/drawing/2010/main" xmlns="">
+              <a14:hiddenFill xmlns="" xmlns:a14="http://schemas.microsoft.com/office/drawing/2010/main">
                 <a:solidFill>
                   <a:srgbClr val="FFFFFF"/>
                 </a:solidFill>
               </a14:hiddenFill>
             </a:ext>
             <a:ext uri="{91240B29-F687-4f45-9708-019B960494DF}">
-              <a14:hiddenLine xmlns:a14="http://schemas.microsoft.com/office/drawing/2010/main" xmlns="" w="9525">
+              <a14:hiddenLine xmlns="" xmlns:a14="http://schemas.microsoft.com/office/drawing/2010/main" w="9525">
                 <a:solidFill>
                   <a:srgbClr val="000000"/>
                 </a:solidFill>
@@ -17789,14 +17793,14 @@
           </a:ln>
           <a:extLst>
             <a:ext uri="{909E8E84-426E-40dd-AFC4-6F175D3DCCD1}">
-              <a14:hiddenFill xmlns:a14="http://schemas.microsoft.com/office/drawing/2010/main" xmlns="">
+              <a14:hiddenFill xmlns="" xmlns:a14="http://schemas.microsoft.com/office/drawing/2010/main">
                 <a:solidFill>
                   <a:srgbClr val="FFFFFF"/>
                 </a:solidFill>
               </a14:hiddenFill>
             </a:ext>
             <a:ext uri="{91240B29-F687-4f45-9708-019B960494DF}">
-              <a14:hiddenLine xmlns:a14="http://schemas.microsoft.com/office/drawing/2010/main" xmlns="" w="9525">
+              <a14:hiddenLine xmlns="" xmlns:a14="http://schemas.microsoft.com/office/drawing/2010/main" w="9525">
                 <a:solidFill>
                   <a:srgbClr val="000000"/>
                 </a:solidFill>
@@ -17852,7 +17856,7 @@
           </a:ln>
           <a:extLst>
             <a:ext uri="{91240B29-F687-4f45-9708-019B960494DF}">
-              <a14:hiddenLine xmlns:a14="http://schemas.microsoft.com/office/drawing/2010/main" xmlns="" w="12700" cap="sq">
+              <a14:hiddenLine xmlns="" xmlns:a14="http://schemas.microsoft.com/office/drawing/2010/main" w="12700" cap="sq">
                 <a:solidFill>
                   <a:srgbClr val="000000"/>
                 </a:solidFill>
@@ -18084,7 +18088,7 @@
           </a:ln>
           <a:extLst>
             <a:ext uri="{909E8E84-426E-40dd-AFC4-6F175D3DCCD1}">
-              <a14:hiddenFill xmlns:a14="http://schemas.microsoft.com/office/drawing/2010/main" xmlns="">
+              <a14:hiddenFill xmlns="" xmlns:a14="http://schemas.microsoft.com/office/drawing/2010/main">
                 <a:solidFill>
                   <a:srgbClr val="FFFFFF"/>
                 </a:solidFill>
@@ -18480,14 +18484,14 @@
           <a:ln/>
           <a:extLst>
             <a:ext uri="{909E8E84-426E-40dd-AFC4-6F175D3DCCD1}">
-              <a14:hiddenFill xmlns:a14="http://schemas.microsoft.com/office/drawing/2010/main" xmlns="">
+              <a14:hiddenFill xmlns="" xmlns:a14="http://schemas.microsoft.com/office/drawing/2010/main">
                 <a:solidFill>
                   <a:srgbClr val="FFFFFF"/>
                 </a:solidFill>
               </a14:hiddenFill>
             </a:ext>
             <a:ext uri="{91240B29-F687-4f45-9708-019B960494DF}">
-              <a14:hiddenLine xmlns:a14="http://schemas.microsoft.com/office/drawing/2010/main" xmlns="" w="9525">
+              <a14:hiddenLine xmlns="" xmlns:a14="http://schemas.microsoft.com/office/drawing/2010/main" w="9525">
                 <a:solidFill>
                   <a:srgbClr val="000000"/>
                 </a:solidFill>
@@ -18640,14 +18644,14 @@
           </a:ln>
           <a:extLst>
             <a:ext uri="{909E8E84-426E-40dd-AFC4-6F175D3DCCD1}">
-              <a14:hiddenFill xmlns:a14="http://schemas.microsoft.com/office/drawing/2010/main" xmlns="">
+              <a14:hiddenFill xmlns="" xmlns:a14="http://schemas.microsoft.com/office/drawing/2010/main">
                 <a:solidFill>
                   <a:srgbClr val="FFFFFF"/>
                 </a:solidFill>
               </a14:hiddenFill>
             </a:ext>
             <a:ext uri="{91240B29-F687-4f45-9708-019B960494DF}">
-              <a14:hiddenLine xmlns:a14="http://schemas.microsoft.com/office/drawing/2010/main" xmlns="" w="12700" cap="sq">
+              <a14:hiddenLine xmlns="" xmlns:a14="http://schemas.microsoft.com/office/drawing/2010/main" w="12700" cap="sq">
                 <a:solidFill>
                   <a:srgbClr val="000000"/>
                 </a:solidFill>
@@ -18819,7 +18823,7 @@
           </a:ln>
           <a:extLst>
             <a:ext uri="{91240B29-F687-4f45-9708-019B960494DF}">
-              <a14:hiddenLine xmlns:a14="http://schemas.microsoft.com/office/drawing/2010/main" xmlns="" w="12700" cap="sq">
+              <a14:hiddenLine xmlns="" xmlns:a14="http://schemas.microsoft.com/office/drawing/2010/main" w="12700" cap="sq">
                 <a:solidFill>
                   <a:srgbClr val="000000"/>
                 </a:solidFill>
@@ -19289,14 +19293,14 @@
           <a:ln/>
           <a:extLst>
             <a:ext uri="{909E8E84-426E-40dd-AFC4-6F175D3DCCD1}">
-              <a14:hiddenFill xmlns:a14="http://schemas.microsoft.com/office/drawing/2010/main" xmlns="">
+              <a14:hiddenFill xmlns="" xmlns:a14="http://schemas.microsoft.com/office/drawing/2010/main">
                 <a:solidFill>
                   <a:srgbClr val="FFFFFF"/>
                 </a:solidFill>
               </a14:hiddenFill>
             </a:ext>
             <a:ext uri="{91240B29-F687-4f45-9708-019B960494DF}">
-              <a14:hiddenLine xmlns:a14="http://schemas.microsoft.com/office/drawing/2010/main" xmlns="" w="9525">
+              <a14:hiddenLine xmlns="" xmlns:a14="http://schemas.microsoft.com/office/drawing/2010/main" w="9525">
                 <a:solidFill>
                   <a:srgbClr val="000000"/>
                 </a:solidFill>
@@ -19451,7 +19455,7 @@
           </a:ln>
           <a:extLst>
             <a:ext uri="{91240B29-F687-4f45-9708-019B960494DF}">
-              <a14:hiddenLine xmlns:a14="http://schemas.microsoft.com/office/drawing/2010/main" xmlns="" w="12700" cap="sq">
+              <a14:hiddenLine xmlns="" xmlns:a14="http://schemas.microsoft.com/office/drawing/2010/main" w="12700" cap="sq">
                 <a:solidFill>
                   <a:srgbClr val="000000"/>
                 </a:solidFill>
@@ -19645,14 +19649,14 @@
           </a:ln>
           <a:extLst>
             <a:ext uri="{909E8E84-426E-40dd-AFC4-6F175D3DCCD1}">
-              <a14:hiddenFill xmlns:a14="http://schemas.microsoft.com/office/drawing/2010/main" xmlns="">
+              <a14:hiddenFill xmlns="" xmlns:a14="http://schemas.microsoft.com/office/drawing/2010/main">
                 <a:solidFill>
                   <a:srgbClr val="FFFFFF"/>
                 </a:solidFill>
               </a14:hiddenFill>
             </a:ext>
             <a:ext uri="{91240B29-F687-4f45-9708-019B960494DF}">
-              <a14:hiddenLine xmlns:a14="http://schemas.microsoft.com/office/drawing/2010/main" xmlns="" w="12700" cap="sq">
+              <a14:hiddenLine xmlns="" xmlns:a14="http://schemas.microsoft.com/office/drawing/2010/main" w="12700" cap="sq">
                 <a:solidFill>
                   <a:srgbClr val="000000"/>
                 </a:solidFill>
@@ -19816,7 +19820,7 @@
           </a:ln>
           <a:extLst>
             <a:ext uri="{909E8E84-426E-40dd-AFC4-6F175D3DCCD1}">
-              <a14:hiddenFill xmlns:a14="http://schemas.microsoft.com/office/drawing/2010/main" xmlns="">
+              <a14:hiddenFill xmlns="" xmlns:a14="http://schemas.microsoft.com/office/drawing/2010/main">
                 <a:solidFill>
                   <a:srgbClr val="FFFFFF"/>
                 </a:solidFill>
@@ -20244,14 +20248,14 @@
           <a:ln/>
           <a:extLst>
             <a:ext uri="{909E8E84-426E-40dd-AFC4-6F175D3DCCD1}">
-              <a14:hiddenFill xmlns:a14="http://schemas.microsoft.com/office/drawing/2010/main" xmlns="">
+              <a14:hiddenFill xmlns="" xmlns:a14="http://schemas.microsoft.com/office/drawing/2010/main">
                 <a:solidFill>
                   <a:srgbClr val="FFFFFF"/>
                 </a:solidFill>
               </a14:hiddenFill>
             </a:ext>
             <a:ext uri="{91240B29-F687-4f45-9708-019B960494DF}">
-              <a14:hiddenLine xmlns:a14="http://schemas.microsoft.com/office/drawing/2010/main" xmlns="" w="9525">
+              <a14:hiddenLine xmlns="" xmlns:a14="http://schemas.microsoft.com/office/drawing/2010/main" w="9525">
                 <a:solidFill>
                   <a:srgbClr val="000000"/>
                 </a:solidFill>
@@ -20556,14 +20560,14 @@
           <a:ln/>
           <a:extLst>
             <a:ext uri="{909E8E84-426E-40dd-AFC4-6F175D3DCCD1}">
-              <a14:hiddenFill xmlns="" xmlns:a14="http://schemas.microsoft.com/office/drawing/2010/main">
+              <a14:hiddenFill xmlns:a14="http://schemas.microsoft.com/office/drawing/2010/main" xmlns="">
                 <a:solidFill>
                   <a:srgbClr val="FFFFFF"/>
                 </a:solidFill>
               </a14:hiddenFill>
             </a:ext>
             <a:ext uri="{91240B29-F687-4f45-9708-019B960494DF}">
-              <a14:hiddenLine xmlns="" xmlns:a14="http://schemas.microsoft.com/office/drawing/2010/main" w="9525">
+              <a14:hiddenLine xmlns:a14="http://schemas.microsoft.com/office/drawing/2010/main" xmlns="" w="9525">
                 <a:solidFill>
                   <a:srgbClr val="000000"/>
                 </a:solidFill>
@@ -20722,14 +20726,14 @@
           </a:ln>
           <a:extLst>
             <a:ext uri="{909E8E84-426E-40dd-AFC4-6F175D3DCCD1}">
-              <a14:hiddenFill xmlns:a14="http://schemas.microsoft.com/office/drawing/2010/main" xmlns="">
+              <a14:hiddenFill xmlns="" xmlns:a14="http://schemas.microsoft.com/office/drawing/2010/main">
                 <a:solidFill>
                   <a:srgbClr val="FFFFFF"/>
                 </a:solidFill>
               </a14:hiddenFill>
             </a:ext>
             <a:ext uri="{91240B29-F687-4f45-9708-019B960494DF}">
-              <a14:hiddenLine xmlns:a14="http://schemas.microsoft.com/office/drawing/2010/main" xmlns="" w="9525">
+              <a14:hiddenLine xmlns="" xmlns:a14="http://schemas.microsoft.com/office/drawing/2010/main" w="9525">
                 <a:solidFill>
                   <a:srgbClr val="000000"/>
                 </a:solidFill>
@@ -20811,7 +20815,7 @@
           </a:ln>
           <a:extLst>
             <a:ext uri="{91240B29-F687-4f45-9708-019B960494DF}">
-              <a14:hiddenLine xmlns:a14="http://schemas.microsoft.com/office/drawing/2010/main" xmlns="" w="12700" cap="sq">
+              <a14:hiddenLine xmlns="" xmlns:a14="http://schemas.microsoft.com/office/drawing/2010/main" w="12700" cap="sq">
                 <a:solidFill>
                   <a:srgbClr val="000000"/>
                 </a:solidFill>
@@ -20989,7 +20993,7 @@
           </a:ln>
           <a:extLst>
             <a:ext uri="{909E8E84-426E-40dd-AFC4-6F175D3DCCD1}">
-              <a14:hiddenFill xmlns:a14="http://schemas.microsoft.com/office/drawing/2010/main" xmlns="">
+              <a14:hiddenFill xmlns="" xmlns:a14="http://schemas.microsoft.com/office/drawing/2010/main">
                 <a:solidFill>
                   <a:srgbClr val="FFFFFF"/>
                 </a:solidFill>
@@ -21047,14 +21051,14 @@
           </a:ln>
           <a:extLst>
             <a:ext uri="{909E8E84-426E-40dd-AFC4-6F175D3DCCD1}">
-              <a14:hiddenFill xmlns:a14="http://schemas.microsoft.com/office/drawing/2010/main" xmlns="">
+              <a14:hiddenFill xmlns="" xmlns:a14="http://schemas.microsoft.com/office/drawing/2010/main">
                 <a:solidFill>
                   <a:srgbClr val="FFFFFF"/>
                 </a:solidFill>
               </a14:hiddenFill>
             </a:ext>
             <a:ext uri="{91240B29-F687-4f45-9708-019B960494DF}">
-              <a14:hiddenLine xmlns:a14="http://schemas.microsoft.com/office/drawing/2010/main" xmlns="" w="12700" cap="sq">
+              <a14:hiddenLine xmlns="" xmlns:a14="http://schemas.microsoft.com/office/drawing/2010/main" w="12700" cap="sq">
                 <a:solidFill>
                   <a:srgbClr val="000000"/>
                 </a:solidFill>
@@ -21484,14 +21488,14 @@
           <a:ln/>
           <a:extLst>
             <a:ext uri="{909E8E84-426E-40dd-AFC4-6F175D3DCCD1}">
-              <a14:hiddenFill xmlns:a14="http://schemas.microsoft.com/office/drawing/2010/main" xmlns="">
+              <a14:hiddenFill xmlns="" xmlns:a14="http://schemas.microsoft.com/office/drawing/2010/main">
                 <a:solidFill>
                   <a:srgbClr val="FFFFFF"/>
                 </a:solidFill>
               </a14:hiddenFill>
             </a:ext>
             <a:ext uri="{91240B29-F687-4f45-9708-019B960494DF}">
-              <a14:hiddenLine xmlns:a14="http://schemas.microsoft.com/office/drawing/2010/main" xmlns="" w="9525">
+              <a14:hiddenLine xmlns="" xmlns:a14="http://schemas.microsoft.com/office/drawing/2010/main" w="9525">
                 <a:solidFill>
                   <a:srgbClr val="000000"/>
                 </a:solidFill>
@@ -21644,14 +21648,14 @@
           </a:ln>
           <a:extLst>
             <a:ext uri="{909E8E84-426E-40dd-AFC4-6F175D3DCCD1}">
-              <a14:hiddenFill xmlns:a14="http://schemas.microsoft.com/office/drawing/2010/main" xmlns="">
+              <a14:hiddenFill xmlns="" xmlns:a14="http://schemas.microsoft.com/office/drawing/2010/main">
                 <a:solidFill>
                   <a:srgbClr val="FFFFFF"/>
                 </a:solidFill>
               </a14:hiddenFill>
             </a:ext>
             <a:ext uri="{91240B29-F687-4f45-9708-019B960494DF}">
-              <a14:hiddenLine xmlns:a14="http://schemas.microsoft.com/office/drawing/2010/main" xmlns="" w="12700" cap="sq">
+              <a14:hiddenLine xmlns="" xmlns:a14="http://schemas.microsoft.com/office/drawing/2010/main" w="12700" cap="sq">
                 <a:solidFill>
                   <a:srgbClr val="000000"/>
                 </a:solidFill>
@@ -21831,7 +21835,7 @@
           </a:ln>
           <a:extLst>
             <a:ext uri="{91240B29-F687-4f45-9708-019B960494DF}">
-              <a14:hiddenLine xmlns:a14="http://schemas.microsoft.com/office/drawing/2010/main" xmlns="" w="12700" cap="sq">
+              <a14:hiddenLine xmlns="" xmlns:a14="http://schemas.microsoft.com/office/drawing/2010/main" w="12700" cap="sq">
                 <a:solidFill>
                   <a:srgbClr val="000000"/>
                 </a:solidFill>
@@ -22010,7 +22014,7 @@
           </a:ln>
           <a:extLst>
             <a:ext uri="{909E8E84-426E-40dd-AFC4-6F175D3DCCD1}">
-              <a14:hiddenFill xmlns:a14="http://schemas.microsoft.com/office/drawing/2010/main" xmlns="">
+              <a14:hiddenFill xmlns="" xmlns:a14="http://schemas.microsoft.com/office/drawing/2010/main">
                 <a:solidFill>
                   <a:srgbClr val="FFFFFF"/>
                 </a:solidFill>
@@ -22394,14 +22398,14 @@
           </a:ln>
           <a:extLst>
             <a:ext uri="{909E8E84-426E-40dd-AFC4-6F175D3DCCD1}">
-              <a14:hiddenFill xmlns:a14="http://schemas.microsoft.com/office/drawing/2010/main" xmlns="">
+              <a14:hiddenFill xmlns="" xmlns:a14="http://schemas.microsoft.com/office/drawing/2010/main">
                 <a:solidFill>
                   <a:srgbClr val="FFFFFF"/>
                 </a:solidFill>
               </a14:hiddenFill>
             </a:ext>
             <a:ext uri="{91240B29-F687-4f45-9708-019B960494DF}">
-              <a14:hiddenLine xmlns:a14="http://schemas.microsoft.com/office/drawing/2010/main" xmlns="" w="9525">
+              <a14:hiddenLine xmlns="" xmlns:a14="http://schemas.microsoft.com/office/drawing/2010/main" w="9525">
                 <a:solidFill>
                   <a:srgbClr val="000000"/>
                 </a:solidFill>
@@ -22465,14 +22469,14 @@
           </a:ln>
           <a:extLst>
             <a:ext uri="{909E8E84-426E-40dd-AFC4-6F175D3DCCD1}">
-              <a14:hiddenFill xmlns:a14="http://schemas.microsoft.com/office/drawing/2010/main" xmlns="">
+              <a14:hiddenFill xmlns="" xmlns:a14="http://schemas.microsoft.com/office/drawing/2010/main">
                 <a:solidFill>
                   <a:srgbClr val="FFFFFF"/>
                 </a:solidFill>
               </a14:hiddenFill>
             </a:ext>
             <a:ext uri="{91240B29-F687-4f45-9708-019B960494DF}">
-              <a14:hiddenLine xmlns:a14="http://schemas.microsoft.com/office/drawing/2010/main" xmlns="" w="12700" cap="sq">
+              <a14:hiddenLine xmlns="" xmlns:a14="http://schemas.microsoft.com/office/drawing/2010/main" w="12700" cap="sq">
                 <a:solidFill>
                   <a:srgbClr val="000000"/>
                 </a:solidFill>
@@ -22631,14 +22635,14 @@
           </a:ln>
           <a:extLst>
             <a:ext uri="{909E8E84-426E-40dd-AFC4-6F175D3DCCD1}">
-              <a14:hiddenFill xmlns:a14="http://schemas.microsoft.com/office/drawing/2010/main" xmlns="">
+              <a14:hiddenFill xmlns="" xmlns:a14="http://schemas.microsoft.com/office/drawing/2010/main">
                 <a:solidFill>
                   <a:srgbClr val="FFFFFF"/>
                 </a:solidFill>
               </a14:hiddenFill>
             </a:ext>
             <a:ext uri="{91240B29-F687-4f45-9708-019B960494DF}">
-              <a14:hiddenLine xmlns:a14="http://schemas.microsoft.com/office/drawing/2010/main" xmlns="" w="9525">
+              <a14:hiddenLine xmlns="" xmlns:a14="http://schemas.microsoft.com/office/drawing/2010/main" w="9525">
                 <a:solidFill>
                   <a:srgbClr val="000000"/>
                 </a:solidFill>
@@ -22704,7 +22708,7 @@
           </a:ln>
           <a:extLst>
             <a:ext uri="{91240B29-F687-4f45-9708-019B960494DF}">
-              <a14:hiddenLine xmlns:a14="http://schemas.microsoft.com/office/drawing/2010/main" xmlns="" w="12700" cap="sq">
+              <a14:hiddenLine xmlns="" xmlns:a14="http://schemas.microsoft.com/office/drawing/2010/main" w="12700" cap="sq">
                 <a:solidFill>
                   <a:srgbClr val="000000"/>
                 </a:solidFill>
@@ -22906,7 +22910,7 @@
           </a:ln>
           <a:extLst>
             <a:ext uri="{909E8E84-426E-40dd-AFC4-6F175D3DCCD1}">
-              <a14:hiddenFill xmlns:a14="http://schemas.microsoft.com/office/drawing/2010/main" xmlns="">
+              <a14:hiddenFill xmlns="" xmlns:a14="http://schemas.microsoft.com/office/drawing/2010/main">
                 <a:solidFill>
                   <a:srgbClr val="FFFFFF"/>
                 </a:solidFill>
@@ -22967,7 +22971,7 @@
           </a:ln>
           <a:extLst>
             <a:ext uri="{909E8E84-426E-40dd-AFC4-6F175D3DCCD1}">
-              <a14:hiddenFill xmlns:a14="http://schemas.microsoft.com/office/drawing/2010/main" xmlns="">
+              <a14:hiddenFill xmlns="" xmlns:a14="http://schemas.microsoft.com/office/drawing/2010/main">
                 <a:solidFill>
                   <a:srgbClr val="FFFFFF"/>
                 </a:solidFill>
@@ -23024,7 +23028,7 @@
           </a:ln>
           <a:extLst>
             <a:ext uri="{91240B29-F687-4f45-9708-019B960494DF}">
-              <a14:hiddenLine xmlns:a14="http://schemas.microsoft.com/office/drawing/2010/main" xmlns="" w="12700" cap="sq">
+              <a14:hiddenLine xmlns="" xmlns:a14="http://schemas.microsoft.com/office/drawing/2010/main" w="12700" cap="sq">
                 <a:solidFill>
                   <a:srgbClr val="000000"/>
                 </a:solidFill>
@@ -23909,14 +23913,14 @@
           </a:ln>
           <a:extLst>
             <a:ext uri="{909E8E84-426E-40dd-AFC4-6F175D3DCCD1}">
-              <a14:hiddenFill xmlns:a14="http://schemas.microsoft.com/office/drawing/2010/main" xmlns="">
+              <a14:hiddenFill xmlns="" xmlns:a14="http://schemas.microsoft.com/office/drawing/2010/main">
                 <a:solidFill>
                   <a:srgbClr val="FFFFFF"/>
                 </a:solidFill>
               </a14:hiddenFill>
             </a:ext>
             <a:ext uri="{91240B29-F687-4f45-9708-019B960494DF}">
-              <a14:hiddenLine xmlns:a14="http://schemas.microsoft.com/office/drawing/2010/main" xmlns="" w="9525">
+              <a14:hiddenLine xmlns="" xmlns:a14="http://schemas.microsoft.com/office/drawing/2010/main" w="9525">
                 <a:solidFill>
                   <a:srgbClr val="000000"/>
                 </a:solidFill>
@@ -23982,7 +23986,7 @@
           </a:ln>
           <a:extLst>
             <a:ext uri="{91240B29-F687-4f45-9708-019B960494DF}">
-              <a14:hiddenLine xmlns:a14="http://schemas.microsoft.com/office/drawing/2010/main" xmlns="" w="12700" cap="sq">
+              <a14:hiddenLine xmlns="" xmlns:a14="http://schemas.microsoft.com/office/drawing/2010/main" w="12700" cap="sq">
                 <a:solidFill>
                   <a:srgbClr val="000000"/>
                 </a:solidFill>
@@ -24458,14 +24462,14 @@
           <a:ln/>
           <a:extLst>
             <a:ext uri="{909E8E84-426E-40dd-AFC4-6F175D3DCCD1}">
-              <a14:hiddenFill xmlns:a14="http://schemas.microsoft.com/office/drawing/2010/main" xmlns="">
+              <a14:hiddenFill xmlns="" xmlns:a14="http://schemas.microsoft.com/office/drawing/2010/main">
                 <a:solidFill>
                   <a:srgbClr val="FFFFFF"/>
                 </a:solidFill>
               </a14:hiddenFill>
             </a:ext>
             <a:ext uri="{91240B29-F687-4f45-9708-019B960494DF}">
-              <a14:hiddenLine xmlns:a14="http://schemas.microsoft.com/office/drawing/2010/main" xmlns="" w="9525">
+              <a14:hiddenLine xmlns="" xmlns:a14="http://schemas.microsoft.com/office/drawing/2010/main" w="9525">
                 <a:solidFill>
                   <a:srgbClr val="000000"/>
                 </a:solidFill>
@@ -24618,14 +24622,14 @@
           </a:ln>
           <a:extLst>
             <a:ext uri="{909E8E84-426E-40dd-AFC4-6F175D3DCCD1}">
-              <a14:hiddenFill xmlns:a14="http://schemas.microsoft.com/office/drawing/2010/main" xmlns="">
+              <a14:hiddenFill xmlns="" xmlns:a14="http://schemas.microsoft.com/office/drawing/2010/main">
                 <a:solidFill>
                   <a:srgbClr val="FFFFFF"/>
                 </a:solidFill>
               </a14:hiddenFill>
             </a:ext>
             <a:ext uri="{91240B29-F687-4f45-9708-019B960494DF}">
-              <a14:hiddenLine xmlns:a14="http://schemas.microsoft.com/office/drawing/2010/main" xmlns="" w="9525">
+              <a14:hiddenLine xmlns="" xmlns:a14="http://schemas.microsoft.com/office/drawing/2010/main" w="9525">
                 <a:solidFill>
                   <a:srgbClr val="000000"/>
                 </a:solidFill>
@@ -24693,7 +24697,7 @@
           </a:ln>
           <a:extLst>
             <a:ext uri="{91240B29-F687-4f45-9708-019B960494DF}">
-              <a14:hiddenLine xmlns:a14="http://schemas.microsoft.com/office/drawing/2010/main" xmlns="" w="12700" cap="sq">
+              <a14:hiddenLine xmlns="" xmlns:a14="http://schemas.microsoft.com/office/drawing/2010/main" w="12700" cap="sq">
                 <a:solidFill>
                   <a:srgbClr val="000000"/>
                 </a:solidFill>
@@ -24994,7 +24998,7 @@
           </a:ln>
           <a:extLst>
             <a:ext uri="{909E8E84-426E-40dd-AFC4-6F175D3DCCD1}">
-              <a14:hiddenFill xmlns:a14="http://schemas.microsoft.com/office/drawing/2010/main" xmlns="">
+              <a14:hiddenFill xmlns="" xmlns:a14="http://schemas.microsoft.com/office/drawing/2010/main">
                 <a:solidFill>
                   <a:srgbClr val="FFFFFF"/>
                 </a:solidFill>
@@ -25049,7 +25053,7 @@
           </a:ln>
           <a:extLst>
             <a:ext uri="{909E8E84-426E-40dd-AFC4-6F175D3DCCD1}">
-              <a14:hiddenFill xmlns:a14="http://schemas.microsoft.com/office/drawing/2010/main" xmlns="">
+              <a14:hiddenFill xmlns="" xmlns:a14="http://schemas.microsoft.com/office/drawing/2010/main">
                 <a:solidFill>
                   <a:srgbClr val="FFFFFF"/>
                 </a:solidFill>
@@ -25109,7 +25113,7 @@
           </a:ln>
           <a:extLst>
             <a:ext uri="{909E8E84-426E-40dd-AFC4-6F175D3DCCD1}">
-              <a14:hiddenFill xmlns:a14="http://schemas.microsoft.com/office/drawing/2010/main" xmlns="">
+              <a14:hiddenFill xmlns="" xmlns:a14="http://schemas.microsoft.com/office/drawing/2010/main">
                 <a:solidFill>
                   <a:srgbClr val="FFFFFF"/>
                 </a:solidFill>
@@ -25649,7 +25653,7 @@
           </a:ln>
           <a:extLst>
             <a:ext uri="{91240B29-F687-4f45-9708-019B960494DF}">
-              <a14:hiddenLine xmlns:a14="http://schemas.microsoft.com/office/drawing/2010/main" xmlns="" w="12700" cap="sq">
+              <a14:hiddenLine xmlns="" xmlns:a14="http://schemas.microsoft.com/office/drawing/2010/main" w="12700" cap="sq">
                 <a:solidFill>
                   <a:srgbClr val="000000"/>
                 </a:solidFill>
@@ -25811,14 +25815,14 @@
           </a:ln>
           <a:extLst>
             <a:ext uri="{909E8E84-426E-40dd-AFC4-6F175D3DCCD1}">
-              <a14:hiddenFill xmlns:a14="http://schemas.microsoft.com/office/drawing/2010/main" xmlns="">
+              <a14:hiddenFill xmlns="" xmlns:a14="http://schemas.microsoft.com/office/drawing/2010/main">
                 <a:solidFill>
                   <a:srgbClr val="FFFFFF"/>
                 </a:solidFill>
               </a14:hiddenFill>
             </a:ext>
             <a:ext uri="{91240B29-F687-4f45-9708-019B960494DF}">
-              <a14:hiddenLine xmlns:a14="http://schemas.microsoft.com/office/drawing/2010/main" xmlns="" w="12700" cap="sq">
+              <a14:hiddenLine xmlns="" xmlns:a14="http://schemas.microsoft.com/office/drawing/2010/main" w="12700" cap="sq">
                 <a:solidFill>
                   <a:srgbClr val="000000"/>
                 </a:solidFill>
@@ -25979,7 +25983,7 @@
           </a:ln>
           <a:extLst>
             <a:ext uri="{91240B29-F687-4f45-9708-019B960494DF}">
-              <a14:hiddenLine xmlns:a14="http://schemas.microsoft.com/office/drawing/2010/main" xmlns="" w="12700" cap="sq">
+              <a14:hiddenLine xmlns="" xmlns:a14="http://schemas.microsoft.com/office/drawing/2010/main" w="12700" cap="sq">
                 <a:solidFill>
                   <a:srgbClr val="000000"/>
                 </a:solidFill>
@@ -26141,14 +26145,14 @@
           </a:ln>
           <a:extLst>
             <a:ext uri="{909E8E84-426E-40dd-AFC4-6F175D3DCCD1}">
-              <a14:hiddenFill xmlns:a14="http://schemas.microsoft.com/office/drawing/2010/main" xmlns="">
+              <a14:hiddenFill xmlns="" xmlns:a14="http://schemas.microsoft.com/office/drawing/2010/main">
                 <a:solidFill>
                   <a:srgbClr val="FFFFFF"/>
                 </a:solidFill>
               </a14:hiddenFill>
             </a:ext>
             <a:ext uri="{91240B29-F687-4f45-9708-019B960494DF}">
-              <a14:hiddenLine xmlns:a14="http://schemas.microsoft.com/office/drawing/2010/main" xmlns="" w="12700" cap="sq">
+              <a14:hiddenLine xmlns="" xmlns:a14="http://schemas.microsoft.com/office/drawing/2010/main" w="12700" cap="sq">
                 <a:solidFill>
                   <a:srgbClr val="000000"/>
                 </a:solidFill>
@@ -26309,7 +26313,7 @@
           </a:ln>
           <a:extLst>
             <a:ext uri="{91240B29-F687-4f45-9708-019B960494DF}">
-              <a14:hiddenLine xmlns:a14="http://schemas.microsoft.com/office/drawing/2010/main" xmlns="" w="12700" cap="sq">
+              <a14:hiddenLine xmlns="" xmlns:a14="http://schemas.microsoft.com/office/drawing/2010/main" w="12700" cap="sq">
                 <a:solidFill>
                   <a:srgbClr val="000000"/>
                 </a:solidFill>
@@ -26471,14 +26475,14 @@
           </a:ln>
           <a:extLst>
             <a:ext uri="{909E8E84-426E-40dd-AFC4-6F175D3DCCD1}">
-              <a14:hiddenFill xmlns:a14="http://schemas.microsoft.com/office/drawing/2010/main" xmlns="">
+              <a14:hiddenFill xmlns="" xmlns:a14="http://schemas.microsoft.com/office/drawing/2010/main">
                 <a:solidFill>
                   <a:srgbClr val="FFFFFF"/>
                 </a:solidFill>
               </a14:hiddenFill>
             </a:ext>
             <a:ext uri="{91240B29-F687-4f45-9708-019B960494DF}">
-              <a14:hiddenLine xmlns:a14="http://schemas.microsoft.com/office/drawing/2010/main" xmlns="" w="12700" cap="sq">
+              <a14:hiddenLine xmlns="" xmlns:a14="http://schemas.microsoft.com/office/drawing/2010/main" w="12700" cap="sq">
                 <a:solidFill>
                   <a:srgbClr val="000000"/>
                 </a:solidFill>
@@ -30819,14 +30823,14 @@
           <a:ln/>
           <a:extLst>
             <a:ext uri="{909E8E84-426E-40dd-AFC4-6F175D3DCCD1}">
-              <a14:hiddenFill xmlns="" xmlns:a14="http://schemas.microsoft.com/office/drawing/2010/main">
+              <a14:hiddenFill xmlns:a14="http://schemas.microsoft.com/office/drawing/2010/main" xmlns="">
                 <a:solidFill>
                   <a:srgbClr val="FFFFFF"/>
                 </a:solidFill>
               </a14:hiddenFill>
             </a:ext>
             <a:ext uri="{91240B29-F687-4f45-9708-019B960494DF}">
-              <a14:hiddenLine xmlns="" xmlns:a14="http://schemas.microsoft.com/office/drawing/2010/main" w="9525">
+              <a14:hiddenLine xmlns:a14="http://schemas.microsoft.com/office/drawing/2010/main" xmlns="" w="9525">
                 <a:solidFill>
                   <a:srgbClr val="000000"/>
                 </a:solidFill>
@@ -30979,14 +30983,14 @@
           </a:ln>
           <a:extLst>
             <a:ext uri="{909E8E84-426E-40dd-AFC4-6F175D3DCCD1}">
-              <a14:hiddenFill xmlns="" xmlns:a14="http://schemas.microsoft.com/office/drawing/2010/main">
+              <a14:hiddenFill xmlns:a14="http://schemas.microsoft.com/office/drawing/2010/main" xmlns="">
                 <a:solidFill>
                   <a:srgbClr val="FFFFFF"/>
                 </a:solidFill>
               </a14:hiddenFill>
             </a:ext>
             <a:ext uri="{91240B29-F687-4f45-9708-019B960494DF}">
-              <a14:hiddenLine xmlns="" xmlns:a14="http://schemas.microsoft.com/office/drawing/2010/main" w="12700" cap="sq">
+              <a14:hiddenLine xmlns:a14="http://schemas.microsoft.com/office/drawing/2010/main" xmlns="" w="12700" cap="sq">
                 <a:solidFill>
                   <a:srgbClr val="000000"/>
                 </a:solidFill>
@@ -31165,7 +31169,7 @@
             </a:ln>
             <a:extLst>
               <a:ext uri="{91240B29-F687-4f45-9708-019B960494DF}">
-                <a14:hiddenLine xmlns="" xmlns:a14="http://schemas.microsoft.com/office/drawing/2010/main" w="12700" cap="sq">
+                <a14:hiddenLine xmlns:a14="http://schemas.microsoft.com/office/drawing/2010/main" xmlns="" w="12700" cap="sq">
                   <a:solidFill>
                     <a:srgbClr val="000000"/>
                   </a:solidFill>
@@ -31323,7 +31327,7 @@
             </a:ln>
             <a:extLst>
               <a:ext uri="{91240B29-F687-4f45-9708-019B960494DF}">
-                <a14:hiddenLine xmlns="" xmlns:a14="http://schemas.microsoft.com/office/drawing/2010/main" w="12700" cap="sq">
+                <a14:hiddenLine xmlns:a14="http://schemas.microsoft.com/office/drawing/2010/main" xmlns="" w="12700" cap="sq">
                   <a:solidFill>
                     <a:srgbClr val="000000"/>
                   </a:solidFill>
@@ -31482,7 +31486,7 @@
           </a:ln>
           <a:extLst>
             <a:ext uri="{91240B29-F687-4f45-9708-019B960494DF}">
-              <a14:hiddenLine xmlns="" xmlns:a14="http://schemas.microsoft.com/office/drawing/2010/main" w="12700" cap="sq">
+              <a14:hiddenLine xmlns:a14="http://schemas.microsoft.com/office/drawing/2010/main" xmlns="" w="12700" cap="sq">
                 <a:solidFill>
                   <a:srgbClr val="000000"/>
                 </a:solidFill>
@@ -31638,14 +31642,14 @@
           </a:ln>
           <a:extLst>
             <a:ext uri="{909E8E84-426E-40dd-AFC4-6F175D3DCCD1}">
-              <a14:hiddenFill xmlns="" xmlns:a14="http://schemas.microsoft.com/office/drawing/2010/main">
+              <a14:hiddenFill xmlns:a14="http://schemas.microsoft.com/office/drawing/2010/main" xmlns="">
                 <a:solidFill>
                   <a:srgbClr val="FFFFFF"/>
                 </a:solidFill>
               </a14:hiddenFill>
             </a:ext>
             <a:ext uri="{91240B29-F687-4f45-9708-019B960494DF}">
-              <a14:hiddenLine xmlns="" xmlns:a14="http://schemas.microsoft.com/office/drawing/2010/main" w="12700" cap="sq">
+              <a14:hiddenLine xmlns:a14="http://schemas.microsoft.com/office/drawing/2010/main" xmlns="" w="12700" cap="sq">
                 <a:solidFill>
                   <a:srgbClr val="000000"/>
                 </a:solidFill>
@@ -32293,7 +32297,7 @@
           </a:ln>
           <a:extLst>
             <a:ext uri="{909E8E84-426E-40dd-AFC4-6F175D3DCCD1}">
-              <a14:hiddenFill xmlns:a14="http://schemas.microsoft.com/office/drawing/2010/main" xmlns="">
+              <a14:hiddenFill xmlns="" xmlns:a14="http://schemas.microsoft.com/office/drawing/2010/main">
                 <a:solidFill>
                   <a:srgbClr val="FFFFFF"/>
                 </a:solidFill>
@@ -32356,14 +32360,14 @@
           <a:ln/>
           <a:extLst>
             <a:ext uri="{909E8E84-426E-40dd-AFC4-6F175D3DCCD1}">
-              <a14:hiddenFill xmlns:a14="http://schemas.microsoft.com/office/drawing/2010/main" xmlns="">
+              <a14:hiddenFill xmlns="" xmlns:a14="http://schemas.microsoft.com/office/drawing/2010/main">
                 <a:solidFill>
                   <a:srgbClr val="FFFFFF"/>
                 </a:solidFill>
               </a14:hiddenFill>
             </a:ext>
             <a:ext uri="{91240B29-F687-4f45-9708-019B960494DF}">
-              <a14:hiddenLine xmlns:a14="http://schemas.microsoft.com/office/drawing/2010/main" xmlns="" w="9525">
+              <a14:hiddenLine xmlns="" xmlns:a14="http://schemas.microsoft.com/office/drawing/2010/main" w="9525">
                 <a:solidFill>
                   <a:srgbClr val="000000"/>
                 </a:solidFill>
@@ -32516,14 +32520,14 @@
           </a:ln>
           <a:extLst>
             <a:ext uri="{909E8E84-426E-40dd-AFC4-6F175D3DCCD1}">
-              <a14:hiddenFill xmlns:a14="http://schemas.microsoft.com/office/drawing/2010/main" xmlns="">
+              <a14:hiddenFill xmlns="" xmlns:a14="http://schemas.microsoft.com/office/drawing/2010/main">
                 <a:solidFill>
                   <a:srgbClr val="FFFFFF"/>
                 </a:solidFill>
               </a14:hiddenFill>
             </a:ext>
             <a:ext uri="{91240B29-F687-4f45-9708-019B960494DF}">
-              <a14:hiddenLine xmlns:a14="http://schemas.microsoft.com/office/drawing/2010/main" xmlns="" w="12700" cap="sq">
+              <a14:hiddenLine xmlns="" xmlns:a14="http://schemas.microsoft.com/office/drawing/2010/main" w="12700" cap="sq">
                 <a:solidFill>
                   <a:srgbClr val="000000"/>
                 </a:solidFill>
@@ -32686,7 +32690,7 @@
           </a:ln>
           <a:extLst>
             <a:ext uri="{91240B29-F687-4f45-9708-019B960494DF}">
-              <a14:hiddenLine xmlns:a14="http://schemas.microsoft.com/office/drawing/2010/main" xmlns="" w="12700" cap="sq">
+              <a14:hiddenLine xmlns="" xmlns:a14="http://schemas.microsoft.com/office/drawing/2010/main" w="12700" cap="sq">
                 <a:solidFill>
                   <a:srgbClr val="000000"/>
                 </a:solidFill>
@@ -32865,7 +32869,7 @@
           </a:ln>
           <a:extLst>
             <a:ext uri="{909E8E84-426E-40dd-AFC4-6F175D3DCCD1}">
-              <a14:hiddenFill xmlns:a14="http://schemas.microsoft.com/office/drawing/2010/main" xmlns="">
+              <a14:hiddenFill xmlns="" xmlns:a14="http://schemas.microsoft.com/office/drawing/2010/main">
                 <a:solidFill>
                   <a:srgbClr val="FFFFFF"/>
                 </a:solidFill>
@@ -32926,7 +32930,7 @@
           </a:ln>
           <a:extLst>
             <a:ext uri="{909E8E84-426E-40dd-AFC4-6F175D3DCCD1}">
-              <a14:hiddenFill xmlns:a14="http://schemas.microsoft.com/office/drawing/2010/main" xmlns="">
+              <a14:hiddenFill xmlns="" xmlns:a14="http://schemas.microsoft.com/office/drawing/2010/main">
                 <a:solidFill>
                   <a:srgbClr val="FFFFFF"/>
                 </a:solidFill>
@@ -33696,14 +33700,14 @@
           <a:ln/>
           <a:extLst>
             <a:ext uri="{909E8E84-426E-40dd-AFC4-6F175D3DCCD1}">
-              <a14:hiddenFill xmlns:a14="http://schemas.microsoft.com/office/drawing/2010/main" xmlns="">
+              <a14:hiddenFill xmlns="" xmlns:a14="http://schemas.microsoft.com/office/drawing/2010/main">
                 <a:solidFill>
                   <a:srgbClr val="FFFFFF"/>
                 </a:solidFill>
               </a14:hiddenFill>
             </a:ext>
             <a:ext uri="{91240B29-F687-4f45-9708-019B960494DF}">
-              <a14:hiddenLine xmlns:a14="http://schemas.microsoft.com/office/drawing/2010/main" xmlns="" w="9525">
+              <a14:hiddenLine xmlns="" xmlns:a14="http://schemas.microsoft.com/office/drawing/2010/main" w="9525">
                 <a:solidFill>
                   <a:srgbClr val="000000"/>
                 </a:solidFill>
@@ -34139,14 +34143,14 @@
         <p:spPr>
           <a:extLst>
             <a:ext uri="{909E8E84-426E-40dd-AFC4-6F175D3DCCD1}">
-              <a14:hiddenFill xmlns:a14="http://schemas.microsoft.com/office/drawing/2010/main" xmlns="">
+              <a14:hiddenFill xmlns="" xmlns:a14="http://schemas.microsoft.com/office/drawing/2010/main">
                 <a:solidFill>
                   <a:srgbClr val="FFFFFF"/>
                 </a:solidFill>
               </a14:hiddenFill>
             </a:ext>
             <a:ext uri="{91240B29-F687-4f45-9708-019B960494DF}">
-              <a14:hiddenLine xmlns:a14="http://schemas.microsoft.com/office/drawing/2010/main" xmlns="" w="9525">
+              <a14:hiddenLine xmlns="" xmlns:a14="http://schemas.microsoft.com/office/drawing/2010/main" w="9525">
                 <a:solidFill>
                   <a:srgbClr val="000000"/>
                 </a:solidFill>
@@ -34391,14 +34395,14 @@
           <a:ln/>
           <a:extLst>
             <a:ext uri="{909E8E84-426E-40dd-AFC4-6F175D3DCCD1}">
-              <a14:hiddenFill xmlns:a14="http://schemas.microsoft.com/office/drawing/2010/main" xmlns="">
+              <a14:hiddenFill xmlns="" xmlns:a14="http://schemas.microsoft.com/office/drawing/2010/main">
                 <a:solidFill>
                   <a:srgbClr val="FFFFFF"/>
                 </a:solidFill>
               </a14:hiddenFill>
             </a:ext>
             <a:ext uri="{91240B29-F687-4f45-9708-019B960494DF}">
-              <a14:hiddenLine xmlns:a14="http://schemas.microsoft.com/office/drawing/2010/main" xmlns="" w="9525">
+              <a14:hiddenLine xmlns="" xmlns:a14="http://schemas.microsoft.com/office/drawing/2010/main" w="9525">
                 <a:solidFill>
                   <a:srgbClr val="000000"/>
                 </a:solidFill>
@@ -34551,14 +34555,14 @@
           </a:ln>
           <a:extLst>
             <a:ext uri="{909E8E84-426E-40dd-AFC4-6F175D3DCCD1}">
-              <a14:hiddenFill xmlns:a14="http://schemas.microsoft.com/office/drawing/2010/main" xmlns="">
+              <a14:hiddenFill xmlns="" xmlns:a14="http://schemas.microsoft.com/office/drawing/2010/main">
                 <a:solidFill>
                   <a:srgbClr val="FFFFFF"/>
                 </a:solidFill>
               </a14:hiddenFill>
             </a:ext>
             <a:ext uri="{91240B29-F687-4f45-9708-019B960494DF}">
-              <a14:hiddenLine xmlns:a14="http://schemas.microsoft.com/office/drawing/2010/main" xmlns="" w="12700" cap="sq">
+              <a14:hiddenLine xmlns="" xmlns:a14="http://schemas.microsoft.com/office/drawing/2010/main" w="12700" cap="sq">
                 <a:solidFill>
                   <a:srgbClr val="000000"/>
                 </a:solidFill>
@@ -34721,7 +34725,7 @@
           </a:ln>
           <a:extLst>
             <a:ext uri="{91240B29-F687-4f45-9708-019B960494DF}">
-              <a14:hiddenLine xmlns:a14="http://schemas.microsoft.com/office/drawing/2010/main" xmlns="" w="12700" cap="sq">
+              <a14:hiddenLine xmlns="" xmlns:a14="http://schemas.microsoft.com/office/drawing/2010/main" w="12700" cap="sq">
                 <a:solidFill>
                   <a:srgbClr val="000000"/>
                 </a:solidFill>
@@ -34905,7 +34909,7 @@
           </a:ln>
           <a:extLst>
             <a:ext uri="{909E8E84-426E-40dd-AFC4-6F175D3DCCD1}">
-              <a14:hiddenFill xmlns:a14="http://schemas.microsoft.com/office/drawing/2010/main" xmlns="">
+              <a14:hiddenFill xmlns="" xmlns:a14="http://schemas.microsoft.com/office/drawing/2010/main">
                 <a:solidFill>
                   <a:srgbClr val="FFFFFF"/>
                 </a:solidFill>
@@ -35168,14 +35172,14 @@
           <a:ln/>
           <a:extLst>
             <a:ext uri="{909E8E84-426E-40dd-AFC4-6F175D3DCCD1}">
-              <a14:hiddenFill xmlns:a14="http://schemas.microsoft.com/office/drawing/2010/main" xmlns="">
+              <a14:hiddenFill xmlns="" xmlns:a14="http://schemas.microsoft.com/office/drawing/2010/main">
                 <a:solidFill>
                   <a:srgbClr val="FFFFFF"/>
                 </a:solidFill>
               </a14:hiddenFill>
             </a:ext>
             <a:ext uri="{91240B29-F687-4f45-9708-019B960494DF}">
-              <a14:hiddenLine xmlns:a14="http://schemas.microsoft.com/office/drawing/2010/main" xmlns="" w="9525">
+              <a14:hiddenLine xmlns="" xmlns:a14="http://schemas.microsoft.com/office/drawing/2010/main" w="9525">
                 <a:solidFill>
                   <a:srgbClr val="000000"/>
                 </a:solidFill>
@@ -35330,7 +35334,7 @@
           </a:ln>
           <a:extLst>
             <a:ext uri="{91240B29-F687-4f45-9708-019B960494DF}">
-              <a14:hiddenLine xmlns:a14="http://schemas.microsoft.com/office/drawing/2010/main" xmlns="" w="12700" cap="sq">
+              <a14:hiddenLine xmlns="" xmlns:a14="http://schemas.microsoft.com/office/drawing/2010/main" w="12700" cap="sq">
                 <a:solidFill>
                   <a:srgbClr val="000000"/>
                 </a:solidFill>
@@ -35485,14 +35489,14 @@
           </a:ln>
           <a:extLst>
             <a:ext uri="{909E8E84-426E-40dd-AFC4-6F175D3DCCD1}">
-              <a14:hiddenFill xmlns:a14="http://schemas.microsoft.com/office/drawing/2010/main" xmlns="">
+              <a14:hiddenFill xmlns="" xmlns:a14="http://schemas.microsoft.com/office/drawing/2010/main">
                 <a:solidFill>
                   <a:srgbClr val="FFFFFF"/>
                 </a:solidFill>
               </a14:hiddenFill>
             </a:ext>
             <a:ext uri="{91240B29-F687-4f45-9708-019B960494DF}">
-              <a14:hiddenLine xmlns:a14="http://schemas.microsoft.com/office/drawing/2010/main" xmlns="" w="9525">
+              <a14:hiddenLine xmlns="" xmlns:a14="http://schemas.microsoft.com/office/drawing/2010/main" w="9525">
                 <a:solidFill>
                   <a:srgbClr val="000000"/>
                 </a:solidFill>
@@ -35812,14 +35816,14 @@
           <a:ln/>
           <a:extLst>
             <a:ext uri="{909E8E84-426E-40dd-AFC4-6F175D3DCCD1}">
-              <a14:hiddenFill xmlns="" xmlns:a14="http://schemas.microsoft.com/office/drawing/2010/main">
+              <a14:hiddenFill xmlns:a14="http://schemas.microsoft.com/office/drawing/2010/main" xmlns="">
                 <a:solidFill>
                   <a:srgbClr val="FFFFFF"/>
                 </a:solidFill>
               </a14:hiddenFill>
             </a:ext>
             <a:ext uri="{91240B29-F687-4f45-9708-019B960494DF}">
-              <a14:hiddenLine xmlns="" xmlns:a14="http://schemas.microsoft.com/office/drawing/2010/main" w="9525">
+              <a14:hiddenLine xmlns:a14="http://schemas.microsoft.com/office/drawing/2010/main" xmlns="" w="9525">
                 <a:solidFill>
                   <a:srgbClr val="000000"/>
                 </a:solidFill>
@@ -35978,14 +35982,14 @@
           </a:ln>
           <a:extLst>
             <a:ext uri="{909E8E84-426E-40dd-AFC4-6F175D3DCCD1}">
-              <a14:hiddenFill xmlns:a14="http://schemas.microsoft.com/office/drawing/2010/main" xmlns="">
+              <a14:hiddenFill xmlns="" xmlns:a14="http://schemas.microsoft.com/office/drawing/2010/main">
                 <a:solidFill>
                   <a:srgbClr val="FFFFFF"/>
                 </a:solidFill>
               </a14:hiddenFill>
             </a:ext>
             <a:ext uri="{91240B29-F687-4f45-9708-019B960494DF}">
-              <a14:hiddenLine xmlns:a14="http://schemas.microsoft.com/office/drawing/2010/main" xmlns="" w="9525">
+              <a14:hiddenLine xmlns="" xmlns:a14="http://schemas.microsoft.com/office/drawing/2010/main" w="9525">
                 <a:solidFill>
                   <a:srgbClr val="000000"/>
                 </a:solidFill>
@@ -36092,7 +36096,7 @@
           </a:ln>
           <a:extLst>
             <a:ext uri="{91240B29-F687-4f45-9708-019B960494DF}">
-              <a14:hiddenLine xmlns:a14="http://schemas.microsoft.com/office/drawing/2010/main" xmlns="" w="12700" cap="sq">
+              <a14:hiddenLine xmlns="" xmlns:a14="http://schemas.microsoft.com/office/drawing/2010/main" w="12700" cap="sq">
                 <a:solidFill>
                   <a:srgbClr val="000000"/>
                 </a:solidFill>
@@ -36715,14 +36719,14 @@
           <a:ln/>
           <a:extLst>
             <a:ext uri="{909E8E84-426E-40dd-AFC4-6F175D3DCCD1}">
-              <a14:hiddenFill xmlns:a14="http://schemas.microsoft.com/office/drawing/2010/main" xmlns="">
+              <a14:hiddenFill xmlns="" xmlns:a14="http://schemas.microsoft.com/office/drawing/2010/main">
                 <a:solidFill>
                   <a:srgbClr val="FFFFFF"/>
                 </a:solidFill>
               </a14:hiddenFill>
             </a:ext>
             <a:ext uri="{91240B29-F687-4f45-9708-019B960494DF}">
-              <a14:hiddenLine xmlns:a14="http://schemas.microsoft.com/office/drawing/2010/main" xmlns="" w="9525">
+              <a14:hiddenLine xmlns="" xmlns:a14="http://schemas.microsoft.com/office/drawing/2010/main" w="9525">
                 <a:solidFill>
                   <a:srgbClr val="000000"/>
                 </a:solidFill>
@@ -36875,14 +36879,14 @@
           </a:ln>
           <a:extLst>
             <a:ext uri="{909E8E84-426E-40dd-AFC4-6F175D3DCCD1}">
-              <a14:hiddenFill xmlns:a14="http://schemas.microsoft.com/office/drawing/2010/main" xmlns="">
+              <a14:hiddenFill xmlns="" xmlns:a14="http://schemas.microsoft.com/office/drawing/2010/main">
                 <a:solidFill>
                   <a:srgbClr val="FFFFFF"/>
                 </a:solidFill>
               </a14:hiddenFill>
             </a:ext>
             <a:ext uri="{91240B29-F687-4f45-9708-019B960494DF}">
-              <a14:hiddenLine xmlns:a14="http://schemas.microsoft.com/office/drawing/2010/main" xmlns="" w="12700" cap="sq">
+              <a14:hiddenLine xmlns="" xmlns:a14="http://schemas.microsoft.com/office/drawing/2010/main" w="12700" cap="sq">
                 <a:solidFill>
                   <a:srgbClr val="000000"/>
                 </a:solidFill>
@@ -37077,7 +37081,7 @@
               </a:ln>
               <a:extLst>
                 <a:ext uri="{91240B29-F687-4f45-9708-019B960494DF}">
-                  <a14:hiddenLine xmlns:a14="http://schemas.microsoft.com/office/drawing/2010/main" xmlns="" w="12700" cap="sq">
+                  <a14:hiddenLine xmlns="" xmlns:a14="http://schemas.microsoft.com/office/drawing/2010/main" w="12700" cap="sq">
                     <a:solidFill>
                       <a:srgbClr val="000000"/>
                     </a:solidFill>
@@ -37233,14 +37237,14 @@
               </a:ln>
               <a:extLst>
                 <a:ext uri="{909E8E84-426E-40dd-AFC4-6F175D3DCCD1}">
-                  <a14:hiddenFill xmlns:a14="http://schemas.microsoft.com/office/drawing/2010/main" xmlns="">
+                  <a14:hiddenFill xmlns="" xmlns:a14="http://schemas.microsoft.com/office/drawing/2010/main">
                     <a:solidFill>
                       <a:srgbClr val="FFFFFF"/>
                     </a:solidFill>
                   </a14:hiddenFill>
                 </a:ext>
                 <a:ext uri="{91240B29-F687-4f45-9708-019B960494DF}">
-                  <a14:hiddenLine xmlns:a14="http://schemas.microsoft.com/office/drawing/2010/main" xmlns="" w="12700" cap="sq">
+                  <a14:hiddenLine xmlns="" xmlns:a14="http://schemas.microsoft.com/office/drawing/2010/main" w="12700" cap="sq">
                     <a:solidFill>
                       <a:srgbClr val="000000"/>
                     </a:solidFill>
@@ -37412,7 +37416,7 @@
               </a:ln>
               <a:extLst>
                 <a:ext uri="{91240B29-F687-4f45-9708-019B960494DF}">
-                  <a14:hiddenLine xmlns:a14="http://schemas.microsoft.com/office/drawing/2010/main" xmlns="" w="12700" cap="sq">
+                  <a14:hiddenLine xmlns="" xmlns:a14="http://schemas.microsoft.com/office/drawing/2010/main" w="12700" cap="sq">
                     <a:solidFill>
                       <a:srgbClr val="000000"/>
                     </a:solidFill>
@@ -37568,14 +37572,14 @@
               </a:ln>
               <a:extLst>
                 <a:ext uri="{909E8E84-426E-40dd-AFC4-6F175D3DCCD1}">
-                  <a14:hiddenFill xmlns:a14="http://schemas.microsoft.com/office/drawing/2010/main" xmlns="">
+                  <a14:hiddenFill xmlns="" xmlns:a14="http://schemas.microsoft.com/office/drawing/2010/main">
                     <a:solidFill>
                       <a:srgbClr val="FFFFFF"/>
                     </a:solidFill>
                   </a14:hiddenFill>
                 </a:ext>
                 <a:ext uri="{91240B29-F687-4f45-9708-019B960494DF}">
-                  <a14:hiddenLine xmlns:a14="http://schemas.microsoft.com/office/drawing/2010/main" xmlns="" w="12700" cap="sq">
+                  <a14:hiddenLine xmlns="" xmlns:a14="http://schemas.microsoft.com/office/drawing/2010/main" w="12700" cap="sq">
                     <a:solidFill>
                       <a:srgbClr val="000000"/>
                     </a:solidFill>
@@ -37747,7 +37751,7 @@
               </a:ln>
               <a:extLst>
                 <a:ext uri="{91240B29-F687-4f45-9708-019B960494DF}">
-                  <a14:hiddenLine xmlns:a14="http://schemas.microsoft.com/office/drawing/2010/main" xmlns="" w="12700" cap="sq">
+                  <a14:hiddenLine xmlns="" xmlns:a14="http://schemas.microsoft.com/office/drawing/2010/main" w="12700" cap="sq">
                     <a:solidFill>
                       <a:srgbClr val="000000"/>
                     </a:solidFill>
@@ -37903,14 +37907,14 @@
               </a:ln>
               <a:extLst>
                 <a:ext uri="{909E8E84-426E-40dd-AFC4-6F175D3DCCD1}">
-                  <a14:hiddenFill xmlns:a14="http://schemas.microsoft.com/office/drawing/2010/main" xmlns="">
+                  <a14:hiddenFill xmlns="" xmlns:a14="http://schemas.microsoft.com/office/drawing/2010/main">
                     <a:solidFill>
                       <a:srgbClr val="FFFFFF"/>
                     </a:solidFill>
                   </a14:hiddenFill>
                 </a:ext>
                 <a:ext uri="{91240B29-F687-4f45-9708-019B960494DF}">
-                  <a14:hiddenLine xmlns:a14="http://schemas.microsoft.com/office/drawing/2010/main" xmlns="" w="12700" cap="sq">
+                  <a14:hiddenLine xmlns="" xmlns:a14="http://schemas.microsoft.com/office/drawing/2010/main" w="12700" cap="sq">
                     <a:solidFill>
                       <a:srgbClr val="000000"/>
                     </a:solidFill>
@@ -38082,7 +38086,7 @@
               </a:ln>
               <a:extLst>
                 <a:ext uri="{91240B29-F687-4f45-9708-019B960494DF}">
-                  <a14:hiddenLine xmlns:a14="http://schemas.microsoft.com/office/drawing/2010/main" xmlns="" w="12700" cap="sq">
+                  <a14:hiddenLine xmlns="" xmlns:a14="http://schemas.microsoft.com/office/drawing/2010/main" w="12700" cap="sq">
                     <a:solidFill>
                       <a:srgbClr val="000000"/>
                     </a:solidFill>
@@ -38238,14 +38242,14 @@
               </a:ln>
               <a:extLst>
                 <a:ext uri="{909E8E84-426E-40dd-AFC4-6F175D3DCCD1}">
-                  <a14:hiddenFill xmlns:a14="http://schemas.microsoft.com/office/drawing/2010/main" xmlns="">
+                  <a14:hiddenFill xmlns="" xmlns:a14="http://schemas.microsoft.com/office/drawing/2010/main">
                     <a:solidFill>
                       <a:srgbClr val="FFFFFF"/>
                     </a:solidFill>
                   </a14:hiddenFill>
                 </a:ext>
                 <a:ext uri="{91240B29-F687-4f45-9708-019B960494DF}">
-                  <a14:hiddenLine xmlns:a14="http://schemas.microsoft.com/office/drawing/2010/main" xmlns="" w="12700" cap="sq">
+                  <a14:hiddenLine xmlns="" xmlns:a14="http://schemas.microsoft.com/office/drawing/2010/main" w="12700" cap="sq">
                     <a:solidFill>
                       <a:srgbClr val="000000"/>
                     </a:solidFill>
@@ -38417,7 +38421,7 @@
               </a:ln>
               <a:extLst>
                 <a:ext uri="{91240B29-F687-4f45-9708-019B960494DF}">
-                  <a14:hiddenLine xmlns:a14="http://schemas.microsoft.com/office/drawing/2010/main" xmlns="" w="12700" cap="sq">
+                  <a14:hiddenLine xmlns="" xmlns:a14="http://schemas.microsoft.com/office/drawing/2010/main" w="12700" cap="sq">
                     <a:solidFill>
                       <a:srgbClr val="000000"/>
                     </a:solidFill>
@@ -38573,14 +38577,14 @@
               </a:ln>
               <a:extLst>
                 <a:ext uri="{909E8E84-426E-40dd-AFC4-6F175D3DCCD1}">
-                  <a14:hiddenFill xmlns:a14="http://schemas.microsoft.com/office/drawing/2010/main" xmlns="">
+                  <a14:hiddenFill xmlns="" xmlns:a14="http://schemas.microsoft.com/office/drawing/2010/main">
                     <a:solidFill>
                       <a:srgbClr val="FFFFFF"/>
                     </a:solidFill>
                   </a14:hiddenFill>
                 </a:ext>
                 <a:ext uri="{91240B29-F687-4f45-9708-019B960494DF}">
-                  <a14:hiddenLine xmlns:a14="http://schemas.microsoft.com/office/drawing/2010/main" xmlns="" w="12700" cap="sq">
+                  <a14:hiddenLine xmlns="" xmlns:a14="http://schemas.microsoft.com/office/drawing/2010/main" w="12700" cap="sq">
                     <a:solidFill>
                       <a:srgbClr val="000000"/>
                     </a:solidFill>
@@ -38752,7 +38756,7 @@
               </a:ln>
               <a:extLst>
                 <a:ext uri="{91240B29-F687-4f45-9708-019B960494DF}">
-                  <a14:hiddenLine xmlns:a14="http://schemas.microsoft.com/office/drawing/2010/main" xmlns="" w="12700" cap="sq">
+                  <a14:hiddenLine xmlns="" xmlns:a14="http://schemas.microsoft.com/office/drawing/2010/main" w="12700" cap="sq">
                     <a:solidFill>
                       <a:srgbClr val="000000"/>
                     </a:solidFill>
@@ -38908,14 +38912,14 @@
               </a:ln>
               <a:extLst>
                 <a:ext uri="{909E8E84-426E-40dd-AFC4-6F175D3DCCD1}">
-                  <a14:hiddenFill xmlns:a14="http://schemas.microsoft.com/office/drawing/2010/main" xmlns="">
+                  <a14:hiddenFill xmlns="" xmlns:a14="http://schemas.microsoft.com/office/drawing/2010/main">
                     <a:solidFill>
                       <a:srgbClr val="FFFFFF"/>
                     </a:solidFill>
                   </a14:hiddenFill>
                 </a:ext>
                 <a:ext uri="{91240B29-F687-4f45-9708-019B960494DF}">
-                  <a14:hiddenLine xmlns:a14="http://schemas.microsoft.com/office/drawing/2010/main" xmlns="" w="12700" cap="sq">
+                  <a14:hiddenLine xmlns="" xmlns:a14="http://schemas.microsoft.com/office/drawing/2010/main" w="12700" cap="sq">
                     <a:solidFill>
                       <a:srgbClr val="000000"/>
                     </a:solidFill>
@@ -39235,14 +39239,14 @@
           <a:ln/>
           <a:extLst>
             <a:ext uri="{909E8E84-426E-40dd-AFC4-6F175D3DCCD1}">
-              <a14:hiddenFill xmlns:a14="http://schemas.microsoft.com/office/drawing/2010/main" xmlns="">
+              <a14:hiddenFill xmlns="" xmlns:a14="http://schemas.microsoft.com/office/drawing/2010/main">
                 <a:solidFill>
                   <a:srgbClr val="FFFFFF"/>
                 </a:solidFill>
               </a14:hiddenFill>
             </a:ext>
             <a:ext uri="{91240B29-F687-4f45-9708-019B960494DF}">
-              <a14:hiddenLine xmlns:a14="http://schemas.microsoft.com/office/drawing/2010/main" xmlns="" w="9525">
+              <a14:hiddenLine xmlns="" xmlns:a14="http://schemas.microsoft.com/office/drawing/2010/main" w="9525">
                 <a:solidFill>
                   <a:srgbClr val="000000"/>
                 </a:solidFill>
@@ -39397,7 +39401,7 @@
           </a:ln>
           <a:extLst>
             <a:ext uri="{91240B29-F687-4f45-9708-019B960494DF}">
-              <a14:hiddenLine xmlns:a14="http://schemas.microsoft.com/office/drawing/2010/main" xmlns="" w="12700" cap="sq">
+              <a14:hiddenLine xmlns="" xmlns:a14="http://schemas.microsoft.com/office/drawing/2010/main" w="12700" cap="sq">
                 <a:solidFill>
                   <a:srgbClr val="000000"/>
                 </a:solidFill>
@@ -39691,14 +39695,14 @@
           </a:ln>
           <a:extLst>
             <a:ext uri="{909E8E84-426E-40dd-AFC4-6F175D3DCCD1}">
-              <a14:hiddenFill xmlns:a14="http://schemas.microsoft.com/office/drawing/2010/main" xmlns="">
+              <a14:hiddenFill xmlns="" xmlns:a14="http://schemas.microsoft.com/office/drawing/2010/main">
                 <a:solidFill>
                   <a:srgbClr val="FFFFFF"/>
                 </a:solidFill>
               </a14:hiddenFill>
             </a:ext>
             <a:ext uri="{91240B29-F687-4f45-9708-019B960494DF}">
-              <a14:hiddenLine xmlns:a14="http://schemas.microsoft.com/office/drawing/2010/main" xmlns="" w="12700" cap="sq">
+              <a14:hiddenLine xmlns="" xmlns:a14="http://schemas.microsoft.com/office/drawing/2010/main" w="12700" cap="sq">
                 <a:solidFill>
                   <a:srgbClr val="000000"/>
                 </a:solidFill>
@@ -39851,14 +39855,14 @@
           </a:ln>
           <a:extLst>
             <a:ext uri="{909E8E84-426E-40dd-AFC4-6F175D3DCCD1}">
-              <a14:hiddenFill xmlns:a14="http://schemas.microsoft.com/office/drawing/2010/main" xmlns="">
+              <a14:hiddenFill xmlns="" xmlns:a14="http://schemas.microsoft.com/office/drawing/2010/main">
                 <a:solidFill>
                   <a:srgbClr val="FFFFFF"/>
                 </a:solidFill>
               </a14:hiddenFill>
             </a:ext>
             <a:ext uri="{91240B29-F687-4f45-9708-019B960494DF}">
-              <a14:hiddenLine xmlns:a14="http://schemas.microsoft.com/office/drawing/2010/main" xmlns="" w="12700" cap="sq">
+              <a14:hiddenLine xmlns="" xmlns:a14="http://schemas.microsoft.com/office/drawing/2010/main" w="12700" cap="sq">
                 <a:solidFill>
                   <a:srgbClr val="000000"/>
                 </a:solidFill>
@@ -40027,14 +40031,14 @@
           </a:ln>
           <a:extLst>
             <a:ext uri="{909E8E84-426E-40dd-AFC4-6F175D3DCCD1}">
-              <a14:hiddenFill xmlns:a14="http://schemas.microsoft.com/office/drawing/2010/main" xmlns="">
+              <a14:hiddenFill xmlns="" xmlns:a14="http://schemas.microsoft.com/office/drawing/2010/main">
                 <a:solidFill>
                   <a:srgbClr val="FFFFFF"/>
                 </a:solidFill>
               </a14:hiddenFill>
             </a:ext>
             <a:ext uri="{91240B29-F687-4f45-9708-019B960494DF}">
-              <a14:hiddenLine xmlns:a14="http://schemas.microsoft.com/office/drawing/2010/main" xmlns="" w="12700" cap="sq">
+              <a14:hiddenLine xmlns="" xmlns:a14="http://schemas.microsoft.com/office/drawing/2010/main" w="12700" cap="sq">
                 <a:solidFill>
                   <a:srgbClr val="000000"/>
                 </a:solidFill>
@@ -40521,14 +40525,14 @@
           <a:ln/>
           <a:extLst>
             <a:ext uri="{909E8E84-426E-40dd-AFC4-6F175D3DCCD1}">
-              <a14:hiddenFill xmlns="" xmlns:a14="http://schemas.microsoft.com/office/drawing/2010/main">
+              <a14:hiddenFill xmlns:a14="http://schemas.microsoft.com/office/drawing/2010/main" xmlns="">
                 <a:solidFill>
                   <a:srgbClr val="FFFFFF"/>
                 </a:solidFill>
               </a14:hiddenFill>
             </a:ext>
             <a:ext uri="{91240B29-F687-4f45-9708-019B960494DF}">
-              <a14:hiddenLine xmlns="" xmlns:a14="http://schemas.microsoft.com/office/drawing/2010/main" w="9525">
+              <a14:hiddenLine xmlns:a14="http://schemas.microsoft.com/office/drawing/2010/main" xmlns="" w="9525">
                 <a:solidFill>
                   <a:srgbClr val="000000"/>
                 </a:solidFill>
@@ -40687,14 +40691,14 @@
           </a:ln>
           <a:extLst>
             <a:ext uri="{909E8E84-426E-40dd-AFC4-6F175D3DCCD1}">
-              <a14:hiddenFill xmlns:a14="http://schemas.microsoft.com/office/drawing/2010/main" xmlns="">
+              <a14:hiddenFill xmlns="" xmlns:a14="http://schemas.microsoft.com/office/drawing/2010/main">
                 <a:solidFill>
                   <a:srgbClr val="FFFFFF"/>
                 </a:solidFill>
               </a14:hiddenFill>
             </a:ext>
             <a:ext uri="{91240B29-F687-4f45-9708-019B960494DF}">
-              <a14:hiddenLine xmlns:a14="http://schemas.microsoft.com/office/drawing/2010/main" xmlns="" w="9525">
+              <a14:hiddenLine xmlns="" xmlns:a14="http://schemas.microsoft.com/office/drawing/2010/main" w="9525">
                 <a:solidFill>
                   <a:srgbClr val="000000"/>
                 </a:solidFill>
@@ -40756,7 +40760,7 @@
           </a:ln>
           <a:extLst>
             <a:ext uri="{91240B29-F687-4f45-9708-019B960494DF}">
-              <a14:hiddenLine xmlns:a14="http://schemas.microsoft.com/office/drawing/2010/main" xmlns="" w="12700" cap="sq">
+              <a14:hiddenLine xmlns="" xmlns:a14="http://schemas.microsoft.com/office/drawing/2010/main" w="12700" cap="sq">
                 <a:solidFill>
                   <a:srgbClr val="000000"/>
                 </a:solidFill>
@@ -40971,7 +40975,7 @@
           </a:ln>
           <a:extLst>
             <a:ext uri="{91240B29-F687-4f45-9708-019B960494DF}">
-              <a14:hiddenLine xmlns:a14="http://schemas.microsoft.com/office/drawing/2010/main" xmlns="" w="12700" cap="sq">
+              <a14:hiddenLine xmlns="" xmlns:a14="http://schemas.microsoft.com/office/drawing/2010/main" w="12700" cap="sq">
                 <a:solidFill>
                   <a:srgbClr val="000000"/>
                 </a:solidFill>
@@ -41212,14 +41216,14 @@
           </a:ln>
           <a:extLst>
             <a:ext uri="{909E8E84-426E-40dd-AFC4-6F175D3DCCD1}">
-              <a14:hiddenFill xmlns:a14="http://schemas.microsoft.com/office/drawing/2010/main" xmlns="">
+              <a14:hiddenFill xmlns="" xmlns:a14="http://schemas.microsoft.com/office/drawing/2010/main">
                 <a:solidFill>
                   <a:srgbClr val="FFFFFF"/>
                 </a:solidFill>
               </a14:hiddenFill>
             </a:ext>
             <a:ext uri="{91240B29-F687-4f45-9708-019B960494DF}">
-              <a14:hiddenLine xmlns:a14="http://schemas.microsoft.com/office/drawing/2010/main" xmlns="" w="12700" cap="sq">
+              <a14:hiddenLine xmlns="" xmlns:a14="http://schemas.microsoft.com/office/drawing/2010/main" w="12700" cap="sq">
                 <a:solidFill>
                   <a:srgbClr val="000000"/>
                 </a:solidFill>
@@ -41378,14 +41382,14 @@
           </a:ln>
           <a:extLst>
             <a:ext uri="{909E8E84-426E-40dd-AFC4-6F175D3DCCD1}">
-              <a14:hiddenFill xmlns:a14="http://schemas.microsoft.com/office/drawing/2010/main" xmlns="">
+              <a14:hiddenFill xmlns="" xmlns:a14="http://schemas.microsoft.com/office/drawing/2010/main">
                 <a:solidFill>
                   <a:srgbClr val="FFFFFF"/>
                 </a:solidFill>
               </a14:hiddenFill>
             </a:ext>
             <a:ext uri="{91240B29-F687-4f45-9708-019B960494DF}">
-              <a14:hiddenLine xmlns:a14="http://schemas.microsoft.com/office/drawing/2010/main" xmlns="" w="9525">
+              <a14:hiddenLine xmlns="" xmlns:a14="http://schemas.microsoft.com/office/drawing/2010/main" w="9525">
                 <a:solidFill>
                   <a:srgbClr val="000000"/>
                 </a:solidFill>
